--- a/Montaine_Valentin_ByeByeCar.pptx
+++ b/Montaine_Valentin_ByeByeCar.pptx
@@ -6,12 +6,14 @@
     <p:sldMasterId id="2147483649" r:id="rId2"/>
   </p:sldMasterIdLst>
   <p:notesMasterIdLst>
-    <p:notesMasterId r:id="rId6"/>
+    <p:notesMasterId r:id="rId8"/>
   </p:notesMasterIdLst>
   <p:sldIdLst>
     <p:sldId id="256" r:id="rId3"/>
     <p:sldId id="261" r:id="rId4"/>
-    <p:sldId id="277" r:id="rId5"/>
+    <p:sldId id="279" r:id="rId5"/>
+    <p:sldId id="278" r:id="rId6"/>
+    <p:sldId id="277" r:id="rId7"/>
   </p:sldIdLst>
   <p:sldSz cx="11523663" cy="6480175"/>
   <p:notesSz cx="6858000" cy="9144000"/>
@@ -12418,10 +12420,10 @@
         </p:nvGrpSpPr>
         <p:grpSpPr>
           <a:xfrm>
-            <a:off x="7346007" y="1534135"/>
-            <a:ext cx="2304256" cy="2016225"/>
+            <a:off x="8953634" y="2489116"/>
+            <a:ext cx="2304256" cy="1825603"/>
             <a:chOff x="6625927" y="2231975"/>
-            <a:chExt cx="3168352" cy="2016225"/>
+            <a:chExt cx="3168352" cy="1825603"/>
           </a:xfrm>
         </p:grpSpPr>
         <p:sp>
@@ -12516,7 +12518,7 @@
           <p:spPr bwMode="auto">
             <a:xfrm>
               <a:off x="6625927" y="2687078"/>
-              <a:ext cx="3168352" cy="1561122"/>
+              <a:ext cx="3168352" cy="1370500"/>
             </a:xfrm>
             <a:prstGeom prst="rect">
               <a:avLst/>
@@ -12698,45 +12700,6 @@
                 </a:solidFill>
               </a:endParaRPr>
             </a:p>
-            <a:p>
-              <a:pPr marL="342900" indent="-342900">
-                <a:buClr>
-                  <a:srgbClr val="000000"/>
-                </a:buClr>
-                <a:buSzPct val="100000"/>
-                <a:buFontTx/>
-                <a:buChar char="-"/>
-              </a:pPr>
-              <a:r>
-                <a:rPr lang="fr-CH" sz="1600" b="1" dirty="0">
-                  <a:solidFill>
-                    <a:schemeClr val="accent2"/>
-                  </a:solidFill>
-                </a:rPr>
-                <a:t>User</a:t>
-              </a:r>
-              <a:r>
-                <a:rPr lang="fr-CH" sz="1600" dirty="0">
-                  <a:solidFill>
-                    <a:schemeClr val="tx1"/>
-                  </a:solidFill>
-                </a:rPr>
-                <a:t> </a:t>
-              </a:r>
-              <a:r>
-                <a:rPr lang="fr-CH" sz="1600" dirty="0" err="1">
-                  <a:solidFill>
-                    <a:schemeClr val="tx1"/>
-                  </a:solidFill>
-                </a:rPr>
-                <a:t>owner</a:t>
-              </a:r>
-              <a:endParaRPr lang="fr-CH" sz="1600" dirty="0">
-                <a:solidFill>
-                  <a:schemeClr val="tx1"/>
-                </a:solidFill>
-              </a:endParaRPr>
-            </a:p>
           </p:txBody>
         </p:sp>
       </p:grpSp>
@@ -12754,10 +12717,10 @@
         </p:nvGrpSpPr>
         <p:grpSpPr>
           <a:xfrm>
-            <a:off x="8749477" y="4534697"/>
-            <a:ext cx="2304000" cy="844184"/>
+            <a:off x="5933940" y="4068322"/>
+            <a:ext cx="2304000" cy="1080619"/>
             <a:chOff x="6985967" y="3620039"/>
-            <a:chExt cx="3168352" cy="844184"/>
+            <a:chExt cx="3168352" cy="1080619"/>
           </a:xfrm>
         </p:grpSpPr>
         <p:sp>
@@ -12852,7 +12815,7 @@
           <p:spPr bwMode="auto">
             <a:xfrm>
               <a:off x="6985967" y="4075142"/>
-              <a:ext cx="3168352" cy="389081"/>
+              <a:ext cx="3168352" cy="625516"/>
             </a:xfrm>
             <a:prstGeom prst="rect">
               <a:avLst/>
@@ -12917,6 +12880,45 @@
                 </a:solidFill>
               </a:endParaRPr>
             </a:p>
+            <a:p>
+              <a:pPr marL="342900" indent="-342900">
+                <a:buClr>
+                  <a:srgbClr val="000000"/>
+                </a:buClr>
+                <a:buSzPct val="100000"/>
+                <a:buFontTx/>
+                <a:buChar char="-"/>
+              </a:pPr>
+              <a:r>
+                <a:rPr lang="fr-CH" sz="1600" b="1" dirty="0">
+                  <a:solidFill>
+                    <a:schemeClr val="accent2"/>
+                  </a:solidFill>
+                </a:rPr>
+                <a:t>User</a:t>
+              </a:r>
+              <a:r>
+                <a:rPr lang="fr-CH" sz="1600" dirty="0">
+                  <a:solidFill>
+                    <a:schemeClr val="tx1"/>
+                  </a:solidFill>
+                </a:rPr>
+                <a:t> </a:t>
+              </a:r>
+              <a:r>
+                <a:rPr lang="fr-CH" sz="1600" dirty="0" err="1">
+                  <a:solidFill>
+                    <a:schemeClr val="tx1"/>
+                  </a:solidFill>
+                </a:rPr>
+                <a:t>owner</a:t>
+              </a:r>
+              <a:endParaRPr lang="fr-CH" sz="1600" dirty="0">
+                <a:solidFill>
+                  <a:schemeClr val="tx1"/>
+                </a:solidFill>
+              </a:endParaRPr>
+            </a:p>
           </p:txBody>
         </p:sp>
       </p:grpSp>
@@ -12934,10 +12936,10 @@
         </p:nvGrpSpPr>
         <p:grpSpPr>
           <a:xfrm>
-            <a:off x="6121999" y="4534697"/>
-            <a:ext cx="2304000" cy="820152"/>
+            <a:off x="5933940" y="1827132"/>
+            <a:ext cx="2304000" cy="1080619"/>
             <a:chOff x="2593479" y="2851983"/>
-            <a:chExt cx="3168352" cy="820152"/>
+            <a:chExt cx="3168352" cy="1080619"/>
           </a:xfrm>
         </p:grpSpPr>
         <p:sp>
@@ -13032,7 +13034,7 @@
           <p:spPr bwMode="auto">
             <a:xfrm>
               <a:off x="2593479" y="3307086"/>
-              <a:ext cx="3168352" cy="365049"/>
+              <a:ext cx="3168352" cy="625516"/>
             </a:xfrm>
             <a:prstGeom prst="rect">
               <a:avLst/>
@@ -13084,288 +13086,43 @@
                 <a:t> state</a:t>
               </a:r>
             </a:p>
-          </p:txBody>
-        </p:sp>
-      </p:grpSp>
-      <p:grpSp>
-        <p:nvGrpSpPr>
-          <p:cNvPr id="20" name="Groupe 19">
-            <a:extLst>
-              <a:ext uri="{FF2B5EF4-FFF2-40B4-BE49-F238E27FC236}">
-                <a16:creationId xmlns:a16="http://schemas.microsoft.com/office/drawing/2014/main" id="{78327C6A-93A8-4531-8378-2EB3CAFEF02D}"/>
-              </a:ext>
-            </a:extLst>
-          </p:cNvPr>
-          <p:cNvGrpSpPr/>
-          <p:nvPr/>
-        </p:nvGrpSpPr>
-        <p:grpSpPr>
-          <a:xfrm rot="1091127">
-            <a:off x="7451226" y="3427337"/>
-            <a:ext cx="628057" cy="1236234"/>
-            <a:chOff x="7273999" y="3550360"/>
-            <a:chExt cx="576064" cy="984337"/>
-          </a:xfrm>
-        </p:grpSpPr>
-        <p:cxnSp>
-          <p:nvCxnSpPr>
-            <p:cNvPr id="18" name="Connecteur droit 17">
-              <a:extLst>
-                <a:ext uri="{FF2B5EF4-FFF2-40B4-BE49-F238E27FC236}">
-                  <a16:creationId xmlns:a16="http://schemas.microsoft.com/office/drawing/2014/main" id="{A5876F2D-E198-4962-8B35-8EF3DA93988D}"/>
-                </a:ext>
-              </a:extLst>
-            </p:cNvPr>
-            <p:cNvCxnSpPr>
-              <a:stCxn id="11" idx="0"/>
-            </p:cNvCxnSpPr>
-            <p:nvPr/>
-          </p:nvCxnSpPr>
-          <p:spPr bwMode="auto">
-            <a:xfrm flipV="1">
-              <a:off x="7273999" y="3550360"/>
-              <a:ext cx="576064" cy="984337"/>
-            </a:xfrm>
-            <a:prstGeom prst="line">
-              <a:avLst/>
-            </a:prstGeom>
-            <a:solidFill>
-              <a:srgbClr val="00B8FF"/>
-            </a:solidFill>
-            <a:ln w="9525" cap="flat" cmpd="sng" algn="ctr">
-              <a:solidFill>
-                <a:schemeClr val="tx1"/>
-              </a:solidFill>
-              <a:prstDash val="solid"/>
-              <a:round/>
-              <a:headEnd type="none" w="med" len="med"/>
-              <a:tailEnd type="none" w="med" len="med"/>
-            </a:ln>
-            <a:effectLst/>
-            <a:extLst>
-              <a:ext uri="{AF507438-7753-43E0-B8FC-AC1667EBCBE1}">
-                <a14:hiddenEffects xmlns:a14="http://schemas.microsoft.com/office/drawing/2010/main">
-                  <a:effectLst>
-                    <a:outerShdw dist="35921" dir="2700000" algn="ctr" rotWithShape="0">
-                      <a:schemeClr val="bg2"/>
-                    </a:outerShdw>
-                  </a:effectLst>
-                </a14:hiddenEffects>
-              </a:ext>
-            </a:extLst>
-          </p:spPr>
-        </p:cxnSp>
-        <p:sp>
-          <p:nvSpPr>
-            <p:cNvPr id="19" name="Triangle isocèle 18">
-              <a:extLst>
-                <a:ext uri="{FF2B5EF4-FFF2-40B4-BE49-F238E27FC236}">
-                  <a16:creationId xmlns:a16="http://schemas.microsoft.com/office/drawing/2014/main" id="{DB3E695B-E2EA-4EF4-9BC1-D7DCCAAF4A92}"/>
-                </a:ext>
-              </a:extLst>
-            </p:cNvPr>
-            <p:cNvSpPr/>
-            <p:nvPr/>
-          </p:nvSpPr>
-          <p:spPr bwMode="auto">
-            <a:xfrm rot="1722483">
-              <a:off x="7673340" y="3552967"/>
-              <a:ext cx="144016" cy="310273"/>
-            </a:xfrm>
-            <a:prstGeom prst="triangle">
-              <a:avLst/>
-            </a:prstGeom>
-            <a:solidFill>
-              <a:schemeClr val="bg1"/>
-            </a:solidFill>
-            <a:ln w="9525" cap="flat" cmpd="sng" algn="ctr">
-              <a:solidFill>
-                <a:schemeClr val="tx1"/>
-              </a:solidFill>
-              <a:prstDash val="solid"/>
-              <a:round/>
-              <a:headEnd type="none" w="med" len="med"/>
-              <a:tailEnd type="none" w="med" len="med"/>
-            </a:ln>
-            <a:effectLst/>
-          </p:spPr>
-          <p:txBody>
-            <a:bodyPr vert="horz" wrap="square" lIns="91440" tIns="45720" rIns="91440" bIns="45720" numCol="1" rtlCol="0" anchor="t" anchorCtr="0" compatLnSpc="1">
-              <a:prstTxWarp prst="textNoShape">
-                <a:avLst/>
-              </a:prstTxWarp>
-            </a:bodyPr>
-            <a:lstStyle/>
             <a:p>
-              <a:pPr marL="0" marR="0" indent="0" algn="l" defTabSz="449263" rtl="0" eaLnBrk="0" fontAlgn="base" latinLnBrk="0" hangingPunct="0">
-                <a:lnSpc>
-                  <a:spcPct val="100000"/>
-                </a:lnSpc>
-                <a:spcBef>
-                  <a:spcPct val="0"/>
-                </a:spcBef>
-                <a:spcAft>
-                  <a:spcPct val="0"/>
-                </a:spcAft>
+              <a:pPr marL="342900" indent="-342900">
                 <a:buClr>
                   <a:srgbClr val="000000"/>
                 </a:buClr>
                 <a:buSzPct val="100000"/>
-                <a:buFont typeface="Times New Roman" panose="02020603050405020304" pitchFamily="18" charset="0"/>
-                <a:buNone/>
-                <a:tabLst/>
+                <a:buFontTx/>
+                <a:buChar char="-"/>
               </a:pPr>
-              <a:endParaRPr kumimoji="0" lang="fr-CH" sz="2000" b="0" i="0" u="none" strike="noStrike" cap="none" normalizeH="0" baseline="0">
-                <a:ln>
-                  <a:noFill/>
-                </a:ln>
-                <a:solidFill>
-                  <a:schemeClr val="bg1"/>
-                </a:solidFill>
-                <a:effectLst/>
-                <a:latin typeface="Arial" panose="020B0604020202020204" pitchFamily="34" charset="0"/>
-                <a:ea typeface="Microsoft YaHei" panose="020B0503020204020204" pitchFamily="34" charset="-122"/>
-              </a:endParaRPr>
-            </a:p>
-          </p:txBody>
-        </p:sp>
-      </p:grpSp>
-      <p:grpSp>
-        <p:nvGrpSpPr>
-          <p:cNvPr id="21" name="Groupe 20">
-            <a:extLst>
-              <a:ext uri="{FF2B5EF4-FFF2-40B4-BE49-F238E27FC236}">
-                <a16:creationId xmlns:a16="http://schemas.microsoft.com/office/drawing/2014/main" id="{3984FF3E-D1F7-4B84-9364-5668A3D0891F}"/>
-              </a:ext>
-            </a:extLst>
-          </p:cNvPr>
-          <p:cNvGrpSpPr/>
-          <p:nvPr/>
-        </p:nvGrpSpPr>
-        <p:grpSpPr>
-          <a:xfrm rot="17245125">
-            <a:off x="9119824" y="3412834"/>
-            <a:ext cx="641991" cy="1260237"/>
-            <a:chOff x="7273999" y="3539349"/>
-            <a:chExt cx="576064" cy="995348"/>
-          </a:xfrm>
-        </p:grpSpPr>
-        <p:cxnSp>
-          <p:nvCxnSpPr>
-            <p:cNvPr id="22" name="Connecteur droit 21">
-              <a:extLst>
-                <a:ext uri="{FF2B5EF4-FFF2-40B4-BE49-F238E27FC236}">
-                  <a16:creationId xmlns:a16="http://schemas.microsoft.com/office/drawing/2014/main" id="{367D994F-BB3C-46CB-B199-27B6E4479FDD}"/>
-                </a:ext>
-              </a:extLst>
-            </p:cNvPr>
-            <p:cNvCxnSpPr/>
-            <p:nvPr/>
-          </p:nvCxnSpPr>
-          <p:spPr bwMode="auto">
-            <a:xfrm flipV="1">
-              <a:off x="7273999" y="3550360"/>
-              <a:ext cx="576064" cy="984337"/>
-            </a:xfrm>
-            <a:prstGeom prst="line">
-              <a:avLst/>
-            </a:prstGeom>
-            <a:solidFill>
-              <a:srgbClr val="00B8FF"/>
-            </a:solidFill>
-            <a:ln w="9525" cap="flat" cmpd="sng" algn="ctr">
-              <a:solidFill>
-                <a:schemeClr val="tx1"/>
-              </a:solidFill>
-              <a:prstDash val="solid"/>
-              <a:round/>
-              <a:headEnd type="none" w="med" len="med"/>
-              <a:tailEnd type="none" w="med" len="med"/>
-            </a:ln>
-            <a:effectLst/>
-            <a:extLst>
-              <a:ext uri="{AF507438-7753-43E0-B8FC-AC1667EBCBE1}">
-                <a14:hiddenEffects xmlns:a14="http://schemas.microsoft.com/office/drawing/2010/main">
-                  <a:effectLst>
-                    <a:outerShdw dist="35921" dir="2700000" algn="ctr" rotWithShape="0">
-                      <a:schemeClr val="bg2"/>
-                    </a:outerShdw>
-                  </a:effectLst>
-                </a14:hiddenEffects>
-              </a:ext>
-            </a:extLst>
-          </p:spPr>
-        </p:cxnSp>
-        <p:sp>
-          <p:nvSpPr>
-            <p:cNvPr id="23" name="Triangle isocèle 22">
-              <a:extLst>
-                <a:ext uri="{FF2B5EF4-FFF2-40B4-BE49-F238E27FC236}">
-                  <a16:creationId xmlns:a16="http://schemas.microsoft.com/office/drawing/2014/main" id="{187EFD88-835F-43D2-ABD5-54554B29BEBC}"/>
-                </a:ext>
-              </a:extLst>
-            </p:cNvPr>
-            <p:cNvSpPr/>
-            <p:nvPr/>
-          </p:nvSpPr>
-          <p:spPr bwMode="auto">
-            <a:xfrm rot="1722483">
-              <a:off x="7697534" y="3539349"/>
-              <a:ext cx="144016" cy="310273"/>
-            </a:xfrm>
-            <a:prstGeom prst="triangle">
-              <a:avLst/>
-            </a:prstGeom>
-            <a:solidFill>
-              <a:schemeClr val="bg1"/>
-            </a:solidFill>
-            <a:ln w="9525" cap="flat" cmpd="sng" algn="ctr">
-              <a:solidFill>
-                <a:schemeClr val="tx1"/>
-              </a:solidFill>
-              <a:prstDash val="solid"/>
-              <a:round/>
-              <a:headEnd type="none" w="med" len="med"/>
-              <a:tailEnd type="none" w="med" len="med"/>
-            </a:ln>
-            <a:effectLst/>
-          </p:spPr>
-          <p:txBody>
-            <a:bodyPr vert="horz" wrap="square" lIns="91440" tIns="45720" rIns="91440" bIns="45720" numCol="1" rtlCol="0" anchor="t" anchorCtr="0" compatLnSpc="1">
-              <a:prstTxWarp prst="textNoShape">
-                <a:avLst/>
-              </a:prstTxWarp>
-            </a:bodyPr>
-            <a:lstStyle/>
-            <a:p>
-              <a:pPr marL="0" marR="0" indent="0" algn="l" defTabSz="449263" rtl="0" eaLnBrk="0" fontAlgn="base" latinLnBrk="0" hangingPunct="0">
-                <a:lnSpc>
-                  <a:spcPct val="100000"/>
-                </a:lnSpc>
-                <a:spcBef>
-                  <a:spcPct val="0"/>
-                </a:spcBef>
-                <a:spcAft>
-                  <a:spcPct val="0"/>
-                </a:spcAft>
-                <a:buClr>
-                  <a:srgbClr val="000000"/>
-                </a:buClr>
-                <a:buSzPct val="100000"/>
-                <a:buFont typeface="Times New Roman" panose="02020603050405020304" pitchFamily="18" charset="0"/>
-                <a:buNone/>
-                <a:tabLst/>
-              </a:pPr>
-              <a:endParaRPr kumimoji="0" lang="fr-CH" sz="2000" b="0" i="0" u="none" strike="noStrike" cap="none" normalizeH="0" baseline="0">
-                <a:ln>
-                  <a:noFill/>
-                </a:ln>
-                <a:solidFill>
-                  <a:schemeClr val="bg1"/>
-                </a:solidFill>
-                <a:effectLst/>
-                <a:latin typeface="Arial" panose="020B0604020202020204" pitchFamily="34" charset="0"/>
-                <a:ea typeface="Microsoft YaHei" panose="020B0503020204020204" pitchFamily="34" charset="-122"/>
+              <a:r>
+                <a:rPr lang="fr-CH" sz="1600" b="1" dirty="0">
+                  <a:solidFill>
+                    <a:schemeClr val="accent2"/>
+                  </a:solidFill>
+                </a:rPr>
+                <a:t>User</a:t>
+              </a:r>
+              <a:r>
+                <a:rPr lang="fr-CH" sz="1600" dirty="0">
+                  <a:solidFill>
+                    <a:schemeClr val="tx1"/>
+                  </a:solidFill>
+                </a:rPr>
+                <a:t> </a:t>
+              </a:r>
+              <a:r>
+                <a:rPr lang="fr-CH" sz="1600" dirty="0" err="1">
+                  <a:solidFill>
+                    <a:schemeClr val="tx1"/>
+                  </a:solidFill>
+                </a:rPr>
+                <a:t>owner</a:t>
+              </a:r>
+              <a:endParaRPr lang="fr-CH" sz="1600" dirty="0">
+                <a:solidFill>
+                  <a:schemeClr val="tx1"/>
+                </a:solidFill>
               </a:endParaRPr>
             </a:p>
           </p:txBody>
@@ -13385,8 +13142,8 @@
         </p:nvGrpSpPr>
         <p:grpSpPr>
           <a:xfrm>
-            <a:off x="2575165" y="1517230"/>
-            <a:ext cx="2734498" cy="2295331"/>
+            <a:off x="1442511" y="1331888"/>
+            <a:ext cx="2734498" cy="2581437"/>
             <a:chOff x="6625927" y="2231975"/>
             <a:chExt cx="3168352" cy="2295331"/>
           </a:xfrm>
@@ -13748,12 +13505,12 @@
                 <a:t>List&lt;</a:t>
               </a:r>
               <a:r>
-                <a:rPr lang="fr-CH" sz="1600" b="1" dirty="0" err="1">
+                <a:rPr lang="fr-CH" sz="1600" b="1" dirty="0">
                   <a:solidFill>
                     <a:srgbClr val="996633"/>
                   </a:solidFill>
                 </a:rPr>
-                <a:t>Vehicle</a:t>
+                <a:t>Car</a:t>
               </a:r>
               <a:r>
                 <a:rPr lang="fr-CH" sz="1600" b="1" dirty="0">
@@ -13769,21 +13526,50 @@
                     <a:schemeClr val="tx1"/>
                   </a:solidFill>
                 </a:rPr>
-                <a:t> </a:t>
+                <a:t> cars</a:t>
+              </a:r>
+            </a:p>
+            <a:p>
+              <a:pPr marL="342900" indent="-342900">
+                <a:buClr>
+                  <a:srgbClr val="000000"/>
+                </a:buClr>
+                <a:buSzPct val="100000"/>
+                <a:buFontTx/>
+                <a:buChar char="-"/>
+              </a:pPr>
+              <a:r>
+                <a:rPr lang="fr-CH" sz="1600" b="1" dirty="0">
+                  <a:solidFill>
+                    <a:srgbClr val="00B0F0"/>
+                  </a:solidFill>
+                </a:rPr>
+                <a:t>List&lt;</a:t>
               </a:r>
               <a:r>
-                <a:rPr lang="fr-CH" sz="1600" dirty="0" err="1">
+                <a:rPr lang="fr-CH" sz="1600" b="1" dirty="0">
+                  <a:solidFill>
+                    <a:srgbClr val="996633"/>
+                  </a:solidFill>
+                </a:rPr>
+                <a:t>Bike</a:t>
+              </a:r>
+              <a:r>
+                <a:rPr lang="fr-CH" sz="1600" b="1" dirty="0">
+                  <a:solidFill>
+                    <a:srgbClr val="00B0F0"/>
+                  </a:solidFill>
+                </a:rPr>
+                <a:t>&gt;</a:t>
+              </a:r>
+              <a:r>
+                <a:rPr lang="fr-CH" sz="1600" dirty="0">
                   <a:solidFill>
                     <a:schemeClr val="tx1"/>
                   </a:solidFill>
                 </a:rPr>
-                <a:t>vehicles</a:t>
+                <a:t> bikes</a:t>
               </a:r>
-              <a:endParaRPr lang="fr-CH" sz="1600" dirty="0">
-                <a:solidFill>
-                  <a:schemeClr val="tx1"/>
-                </a:solidFill>
-              </a:endParaRPr>
             </a:p>
           </p:txBody>
         </p:sp>
@@ -13802,7 +13588,7 @@
         </p:nvGrpSpPr>
         <p:grpSpPr>
           <a:xfrm>
-            <a:off x="1854848" y="4495337"/>
+            <a:off x="398177" y="4495337"/>
             <a:ext cx="2734498" cy="1293216"/>
             <a:chOff x="6625927" y="2231975"/>
             <a:chExt cx="3168352" cy="1293216"/>
@@ -14031,14 +13817,13 @@
           </p:cNvPr>
           <p:cNvCxnSpPr>
             <a:stCxn id="28" idx="0"/>
-            <a:endCxn id="26" idx="2"/>
           </p:cNvCxnSpPr>
           <p:nvPr/>
         </p:nvCxnSpPr>
         <p:spPr bwMode="auto">
           <a:xfrm flipV="1">
-            <a:off x="3222097" y="3812561"/>
-            <a:ext cx="720317" cy="682776"/>
+            <a:off x="1765426" y="3938174"/>
+            <a:ext cx="219102" cy="557163"/>
           </a:xfrm>
           <a:prstGeom prst="line">
             <a:avLst/>
@@ -14082,9 +13867,9 @@
           <p:nvPr/>
         </p:nvSpPr>
         <p:spPr bwMode="auto">
-          <a:xfrm rot="2643005">
-            <a:off x="3750106" y="3773322"/>
-            <a:ext cx="144016" cy="324550"/>
+          <a:xfrm rot="1242811">
+            <a:off x="1844455" y="3902875"/>
+            <a:ext cx="178574" cy="324550"/>
           </a:xfrm>
           <a:prstGeom prst="diamond">
             <a:avLst/>
@@ -14143,12 +13928,90 @@
           </a:p>
         </p:txBody>
       </p:sp>
+      <p:sp>
+        <p:nvSpPr>
+          <p:cNvPr id="35" name="ZoneTexte 34">
+            <a:extLst>
+              <a:ext uri="{FF2B5EF4-FFF2-40B4-BE49-F238E27FC236}">
+                <a16:creationId xmlns:a16="http://schemas.microsoft.com/office/drawing/2014/main" id="{326E76CE-7DED-40ED-92EC-2DD9FE98247E}"/>
+              </a:ext>
+            </a:extLst>
+          </p:cNvPr>
+          <p:cNvSpPr txBox="1"/>
+          <p:nvPr/>
+        </p:nvSpPr>
+        <p:spPr>
+          <a:xfrm>
+            <a:off x="5670247" y="2031180"/>
+            <a:ext cx="321606" cy="400110"/>
+          </a:xfrm>
+          <a:prstGeom prst="rect">
+            <a:avLst/>
+          </a:prstGeom>
+          <a:noFill/>
+        </p:spPr>
+        <p:txBody>
+          <a:bodyPr wrap="square" rtlCol="0">
+            <a:spAutoFit/>
+          </a:bodyPr>
+          <a:lstStyle/>
+          <a:p>
+            <a:r>
+              <a:rPr lang="fr-CH" dirty="0">
+                <a:solidFill>
+                  <a:schemeClr val="tx1"/>
+                </a:solidFill>
+              </a:rPr>
+              <a:t>1</a:t>
+            </a:r>
+          </a:p>
+        </p:txBody>
+      </p:sp>
+      <p:sp>
+        <p:nvSpPr>
+          <p:cNvPr id="36" name="ZoneTexte 35">
+            <a:extLst>
+              <a:ext uri="{FF2B5EF4-FFF2-40B4-BE49-F238E27FC236}">
+                <a16:creationId xmlns:a16="http://schemas.microsoft.com/office/drawing/2014/main" id="{7A08F95D-F47A-41D1-A95E-FB47855879E5}"/>
+              </a:ext>
+            </a:extLst>
+          </p:cNvPr>
+          <p:cNvSpPr txBox="1"/>
+          <p:nvPr/>
+        </p:nvSpPr>
+        <p:spPr>
+          <a:xfrm>
+            <a:off x="4142195" y="1731886"/>
+            <a:ext cx="321606" cy="400110"/>
+          </a:xfrm>
+          <a:prstGeom prst="rect">
+            <a:avLst/>
+          </a:prstGeom>
+          <a:noFill/>
+        </p:spPr>
+        <p:txBody>
+          <a:bodyPr wrap="square" rtlCol="0">
+            <a:spAutoFit/>
+          </a:bodyPr>
+          <a:lstStyle/>
+          <a:p>
+            <a:r>
+              <a:rPr lang="fr-CH" dirty="0">
+                <a:solidFill>
+                  <a:schemeClr val="tx1"/>
+                </a:solidFill>
+              </a:rPr>
+              <a:t>N</a:t>
+            </a:r>
+          </a:p>
+        </p:txBody>
+      </p:sp>
       <p:cxnSp>
         <p:nvCxnSpPr>
-          <p:cNvPr id="34" name="Connecteur droit 33">
+          <p:cNvPr id="7" name="Connecteur droit 6">
             <a:extLst>
               <a:ext uri="{FF2B5EF4-FFF2-40B4-BE49-F238E27FC236}">
-                <a16:creationId xmlns:a16="http://schemas.microsoft.com/office/drawing/2014/main" id="{22FF0E46-EA07-403E-9DD1-A5E86EAF45E2}"/>
+                <a16:creationId xmlns:a16="http://schemas.microsoft.com/office/drawing/2014/main" id="{295A06EE-4698-43A5-9183-C2C0AF1CEAE9}"/>
               </a:ext>
             </a:extLst>
           </p:cNvPr>
@@ -14157,8 +14020,54 @@
         </p:nvCxnSpPr>
         <p:spPr bwMode="auto">
           <a:xfrm>
-            <a:off x="5309663" y="2592015"/>
-            <a:ext cx="2036344" cy="0"/>
+            <a:off x="4177009" y="2060936"/>
+            <a:ext cx="1756931" cy="375672"/>
+          </a:xfrm>
+          <a:prstGeom prst="line">
+            <a:avLst/>
+          </a:prstGeom>
+          <a:solidFill>
+            <a:srgbClr val="00B8FF"/>
+          </a:solidFill>
+          <a:ln w="9525" cap="flat" cmpd="sng" algn="ctr">
+            <a:solidFill>
+              <a:schemeClr val="tx1"/>
+            </a:solidFill>
+            <a:prstDash val="solid"/>
+            <a:round/>
+            <a:headEnd type="none" w="med" len="med"/>
+            <a:tailEnd type="none" w="med" len="med"/>
+          </a:ln>
+          <a:effectLst/>
+          <a:extLst>
+            <a:ext uri="{AF507438-7753-43E0-B8FC-AC1667EBCBE1}">
+              <a14:hiddenEffects xmlns:a14="http://schemas.microsoft.com/office/drawing/2010/main">
+                <a:effectLst>
+                  <a:outerShdw dist="35921" dir="2700000" algn="ctr" rotWithShape="0">
+                    <a:schemeClr val="bg2"/>
+                  </a:outerShdw>
+                </a:effectLst>
+              </a14:hiddenEffects>
+            </a:ext>
+          </a:extLst>
+        </p:spPr>
+      </p:cxnSp>
+      <p:cxnSp>
+        <p:nvCxnSpPr>
+          <p:cNvPr id="15" name="Connecteur droit 14">
+            <a:extLst>
+              <a:ext uri="{FF2B5EF4-FFF2-40B4-BE49-F238E27FC236}">
+                <a16:creationId xmlns:a16="http://schemas.microsoft.com/office/drawing/2014/main" id="{CB238278-9E6E-4B16-AF03-89CFE9EEE3B5}"/>
+              </a:ext>
+            </a:extLst>
+          </p:cNvPr>
+          <p:cNvCxnSpPr/>
+          <p:nvPr/>
+        </p:nvCxnSpPr>
+        <p:spPr bwMode="auto">
+          <a:xfrm>
+            <a:off x="4177009" y="3312095"/>
+            <a:ext cx="1756931" cy="1417046"/>
           </a:xfrm>
           <a:prstGeom prst="line">
             <a:avLst/>
@@ -14191,10 +14100,10 @@
       </p:cxnSp>
       <p:sp>
         <p:nvSpPr>
-          <p:cNvPr id="35" name="ZoneTexte 34">
+          <p:cNvPr id="33" name="ZoneTexte 32">
             <a:extLst>
               <a:ext uri="{FF2B5EF4-FFF2-40B4-BE49-F238E27FC236}">
-                <a16:creationId xmlns:a16="http://schemas.microsoft.com/office/drawing/2014/main" id="{326E76CE-7DED-40ED-92EC-2DD9FE98247E}"/>
+                <a16:creationId xmlns:a16="http://schemas.microsoft.com/office/drawing/2014/main" id="{8BF6E8F9-7107-4CAF-A27D-C288157C6EFF}"/>
               </a:ext>
             </a:extLst>
           </p:cNvPr>
@@ -14203,7 +14112,7 @@
         </p:nvSpPr>
         <p:spPr>
           <a:xfrm>
-            <a:off x="5331978" y="2191905"/>
+            <a:off x="4177009" y="3003718"/>
             <a:ext cx="321606" cy="400110"/>
           </a:xfrm>
           <a:prstGeom prst="rect">
@@ -14223,17 +14132,17 @@
                   <a:schemeClr val="tx1"/>
                 </a:solidFill>
               </a:rPr>
-              <a:t>1</a:t>
+              <a:t>N</a:t>
             </a:r>
           </a:p>
         </p:txBody>
       </p:sp>
       <p:sp>
         <p:nvSpPr>
-          <p:cNvPr id="36" name="ZoneTexte 35">
+          <p:cNvPr id="37" name="ZoneTexte 36">
             <a:extLst>
               <a:ext uri="{FF2B5EF4-FFF2-40B4-BE49-F238E27FC236}">
-                <a16:creationId xmlns:a16="http://schemas.microsoft.com/office/drawing/2014/main" id="{7A08F95D-F47A-41D1-A95E-FB47855879E5}"/>
+                <a16:creationId xmlns:a16="http://schemas.microsoft.com/office/drawing/2014/main" id="{8818110A-E9DE-41FA-B17B-B0EF3EEEC1C7}"/>
               </a:ext>
             </a:extLst>
           </p:cNvPr>
@@ -14242,7 +14151,7 @@
         </p:nvSpPr>
         <p:spPr>
           <a:xfrm>
-            <a:off x="6988398" y="2205210"/>
+            <a:off x="5634126" y="4225582"/>
             <a:ext cx="321606" cy="400110"/>
           </a:xfrm>
           <a:prstGeom prst="rect">
@@ -14262,8 +14171,250 @@
                   <a:schemeClr val="tx1"/>
                 </a:solidFill>
               </a:rPr>
-              <a:t>N</a:t>
+              <a:t>1</a:t>
             </a:r>
+          </a:p>
+        </p:txBody>
+      </p:sp>
+      <p:cxnSp>
+        <p:nvCxnSpPr>
+          <p:cNvPr id="17" name="Connecteur droit 16">
+            <a:extLst>
+              <a:ext uri="{FF2B5EF4-FFF2-40B4-BE49-F238E27FC236}">
+                <a16:creationId xmlns:a16="http://schemas.microsoft.com/office/drawing/2014/main" id="{9ABDE6DB-A5AF-4BF0-9D18-4C29195C0A58}"/>
+              </a:ext>
+            </a:extLst>
+          </p:cNvPr>
+          <p:cNvCxnSpPr/>
+          <p:nvPr/>
+        </p:nvCxnSpPr>
+        <p:spPr bwMode="auto">
+          <a:xfrm>
+            <a:off x="8237940" y="2431290"/>
+            <a:ext cx="715694" cy="808797"/>
+          </a:xfrm>
+          <a:prstGeom prst="line">
+            <a:avLst/>
+          </a:prstGeom>
+          <a:solidFill>
+            <a:srgbClr val="00B8FF"/>
+          </a:solidFill>
+          <a:ln w="9525" cap="flat" cmpd="sng" algn="ctr">
+            <a:solidFill>
+              <a:schemeClr val="tx1"/>
+            </a:solidFill>
+            <a:prstDash val="solid"/>
+            <a:round/>
+            <a:headEnd type="none" w="med" len="med"/>
+            <a:tailEnd type="none" w="med" len="med"/>
+          </a:ln>
+          <a:effectLst/>
+          <a:extLst>
+            <a:ext uri="{AF507438-7753-43E0-B8FC-AC1667EBCBE1}">
+              <a14:hiddenEffects xmlns:a14="http://schemas.microsoft.com/office/drawing/2010/main">
+                <a:effectLst>
+                  <a:outerShdw dist="35921" dir="2700000" algn="ctr" rotWithShape="0">
+                    <a:schemeClr val="bg2"/>
+                  </a:outerShdw>
+                </a:effectLst>
+              </a14:hiddenEffects>
+            </a:ext>
+          </a:extLst>
+        </p:spPr>
+      </p:cxnSp>
+      <p:cxnSp>
+        <p:nvCxnSpPr>
+          <p:cNvPr id="38" name="Connecteur droit 37">
+            <a:extLst>
+              <a:ext uri="{FF2B5EF4-FFF2-40B4-BE49-F238E27FC236}">
+                <a16:creationId xmlns:a16="http://schemas.microsoft.com/office/drawing/2014/main" id="{B3D38C4F-1B51-4CCD-96C7-0164C621202B}"/>
+              </a:ext>
+            </a:extLst>
+          </p:cNvPr>
+          <p:cNvCxnSpPr>
+            <a:stCxn id="10" idx="3"/>
+          </p:cNvCxnSpPr>
+          <p:nvPr/>
+        </p:nvCxnSpPr>
+        <p:spPr bwMode="auto">
+          <a:xfrm flipV="1">
+            <a:off x="8237940" y="3848002"/>
+            <a:ext cx="715694" cy="988181"/>
+          </a:xfrm>
+          <a:prstGeom prst="line">
+            <a:avLst/>
+          </a:prstGeom>
+          <a:solidFill>
+            <a:srgbClr val="00B8FF"/>
+          </a:solidFill>
+          <a:ln w="9525" cap="flat" cmpd="sng" algn="ctr">
+            <a:solidFill>
+              <a:schemeClr val="tx1"/>
+            </a:solidFill>
+            <a:prstDash val="solid"/>
+            <a:round/>
+            <a:headEnd type="none" w="med" len="med"/>
+            <a:tailEnd type="none" w="med" len="med"/>
+          </a:ln>
+          <a:effectLst/>
+          <a:extLst>
+            <a:ext uri="{AF507438-7753-43E0-B8FC-AC1667EBCBE1}">
+              <a14:hiddenEffects xmlns:a14="http://schemas.microsoft.com/office/drawing/2010/main">
+                <a:effectLst>
+                  <a:outerShdw dist="35921" dir="2700000" algn="ctr" rotWithShape="0">
+                    <a:schemeClr val="bg2"/>
+                  </a:outerShdw>
+                </a:effectLst>
+              </a14:hiddenEffects>
+            </a:ext>
+          </a:extLst>
+        </p:spPr>
+      </p:cxnSp>
+      <p:sp>
+        <p:nvSpPr>
+          <p:cNvPr id="39" name="Triangle isocèle 38">
+            <a:extLst>
+              <a:ext uri="{FF2B5EF4-FFF2-40B4-BE49-F238E27FC236}">
+                <a16:creationId xmlns:a16="http://schemas.microsoft.com/office/drawing/2014/main" id="{139B12B3-5AE1-4491-A609-31D50D4CF502}"/>
+              </a:ext>
+            </a:extLst>
+          </p:cNvPr>
+          <p:cNvSpPr/>
+          <p:nvPr/>
+        </p:nvSpPr>
+        <p:spPr bwMode="auto">
+          <a:xfrm rot="8149532">
+            <a:off x="8769930" y="3006935"/>
+            <a:ext cx="190821" cy="265115"/>
+          </a:xfrm>
+          <a:prstGeom prst="triangle">
+            <a:avLst/>
+          </a:prstGeom>
+          <a:solidFill>
+            <a:schemeClr val="bg1"/>
+          </a:solidFill>
+          <a:ln w="9525" cap="flat" cmpd="sng" algn="ctr">
+            <a:solidFill>
+              <a:schemeClr val="tx1"/>
+            </a:solidFill>
+            <a:prstDash val="solid"/>
+            <a:round/>
+            <a:headEnd type="none" w="med" len="med"/>
+            <a:tailEnd type="none" w="med" len="med"/>
+          </a:ln>
+          <a:effectLst/>
+        </p:spPr>
+        <p:txBody>
+          <a:bodyPr vert="horz" wrap="square" lIns="91440" tIns="45720" rIns="91440" bIns="45720" numCol="1" rtlCol="0" anchor="t" anchorCtr="0" compatLnSpc="1">
+            <a:prstTxWarp prst="textNoShape">
+              <a:avLst/>
+            </a:prstTxWarp>
+          </a:bodyPr>
+          <a:lstStyle/>
+          <a:p>
+            <a:pPr marL="0" marR="0" indent="0" algn="l" defTabSz="449263" rtl="0" eaLnBrk="0" fontAlgn="base" latinLnBrk="0" hangingPunct="0">
+              <a:lnSpc>
+                <a:spcPct val="100000"/>
+              </a:lnSpc>
+              <a:spcBef>
+                <a:spcPct val="0"/>
+              </a:spcBef>
+              <a:spcAft>
+                <a:spcPct val="0"/>
+              </a:spcAft>
+              <a:buClr>
+                <a:srgbClr val="000000"/>
+              </a:buClr>
+              <a:buSzPct val="100000"/>
+              <a:buFont typeface="Times New Roman" panose="02020603050405020304" pitchFamily="18" charset="0"/>
+              <a:buNone/>
+              <a:tabLst/>
+            </a:pPr>
+            <a:endParaRPr kumimoji="0" lang="fr-CH" sz="2000" b="0" i="0" u="none" strike="noStrike" cap="none" normalizeH="0" baseline="0">
+              <a:ln>
+                <a:noFill/>
+              </a:ln>
+              <a:solidFill>
+                <a:schemeClr val="bg1"/>
+              </a:solidFill>
+              <a:effectLst/>
+              <a:latin typeface="Arial" panose="020B0604020202020204" pitchFamily="34" charset="0"/>
+              <a:ea typeface="Microsoft YaHei" panose="020B0503020204020204" pitchFamily="34" charset="-122"/>
+            </a:endParaRPr>
+          </a:p>
+        </p:txBody>
+      </p:sp>
+      <p:sp>
+        <p:nvSpPr>
+          <p:cNvPr id="40" name="Triangle isocèle 39">
+            <a:extLst>
+              <a:ext uri="{FF2B5EF4-FFF2-40B4-BE49-F238E27FC236}">
+                <a16:creationId xmlns:a16="http://schemas.microsoft.com/office/drawing/2014/main" id="{81DEF73D-701E-46CA-985E-9C600A7EC3E3}"/>
+              </a:ext>
+            </a:extLst>
+          </p:cNvPr>
+          <p:cNvSpPr/>
+          <p:nvPr/>
+        </p:nvSpPr>
+        <p:spPr bwMode="auto">
+          <a:xfrm rot="2355090">
+            <a:off x="8786803" y="3805617"/>
+            <a:ext cx="190821" cy="265115"/>
+          </a:xfrm>
+          <a:prstGeom prst="triangle">
+            <a:avLst/>
+          </a:prstGeom>
+          <a:solidFill>
+            <a:schemeClr val="bg1"/>
+          </a:solidFill>
+          <a:ln w="9525" cap="flat" cmpd="sng" algn="ctr">
+            <a:solidFill>
+              <a:schemeClr val="tx1"/>
+            </a:solidFill>
+            <a:prstDash val="solid"/>
+            <a:round/>
+            <a:headEnd type="none" w="med" len="med"/>
+            <a:tailEnd type="none" w="med" len="med"/>
+          </a:ln>
+          <a:effectLst/>
+        </p:spPr>
+        <p:txBody>
+          <a:bodyPr vert="horz" wrap="square" lIns="91440" tIns="45720" rIns="91440" bIns="45720" numCol="1" rtlCol="0" anchor="t" anchorCtr="0" compatLnSpc="1">
+            <a:prstTxWarp prst="textNoShape">
+              <a:avLst/>
+            </a:prstTxWarp>
+          </a:bodyPr>
+          <a:lstStyle/>
+          <a:p>
+            <a:pPr marL="0" marR="0" indent="0" algn="l" defTabSz="449263" rtl="0" eaLnBrk="0" fontAlgn="base" latinLnBrk="0" hangingPunct="0">
+              <a:lnSpc>
+                <a:spcPct val="100000"/>
+              </a:lnSpc>
+              <a:spcBef>
+                <a:spcPct val="0"/>
+              </a:spcBef>
+              <a:spcAft>
+                <a:spcPct val="0"/>
+              </a:spcAft>
+              <a:buClr>
+                <a:srgbClr val="000000"/>
+              </a:buClr>
+              <a:buSzPct val="100000"/>
+              <a:buFont typeface="Times New Roman" panose="02020603050405020304" pitchFamily="18" charset="0"/>
+              <a:buNone/>
+              <a:tabLst/>
+            </a:pPr>
+            <a:endParaRPr kumimoji="0" lang="fr-CH" sz="2000" b="0" i="0" u="none" strike="noStrike" cap="none" normalizeH="0" baseline="0">
+              <a:ln>
+                <a:noFill/>
+              </a:ln>
+              <a:solidFill>
+                <a:schemeClr val="bg1"/>
+              </a:solidFill>
+              <a:effectLst/>
+              <a:latin typeface="Arial" panose="020B0604020202020204" pitchFamily="34" charset="0"/>
+              <a:ea typeface="Microsoft YaHei" panose="020B0503020204020204" pitchFamily="34" charset="-122"/>
+            </a:endParaRPr>
           </a:p>
         </p:txBody>
       </p:sp>
@@ -14293,6 +14444,3656 @@
 </file>
 
 <file path=ppt/slides/slide3.xml><?xml version="1.0" encoding="utf-8"?>
+<p:sld xmlns:a="http://schemas.openxmlformats.org/drawingml/2006/main" xmlns:r="http://schemas.openxmlformats.org/officeDocument/2006/relationships" xmlns:p="http://schemas.openxmlformats.org/presentationml/2006/main">
+  <p:cSld>
+    <p:spTree>
+      <p:nvGrpSpPr>
+        <p:cNvPr id="1" name=""/>
+        <p:cNvGrpSpPr/>
+        <p:nvPr/>
+      </p:nvGrpSpPr>
+      <p:grpSpPr>
+        <a:xfrm>
+          <a:off x="0" y="0"/>
+          <a:ext cx="0" cy="0"/>
+          <a:chOff x="0" y="0"/>
+          <a:chExt cx="0" cy="0"/>
+        </a:xfrm>
+      </p:grpSpPr>
+      <p:sp>
+        <p:nvSpPr>
+          <p:cNvPr id="2" name="Text Box 1">
+            <a:extLst>
+              <a:ext uri="{FF2B5EF4-FFF2-40B4-BE49-F238E27FC236}">
+                <a16:creationId xmlns:a16="http://schemas.microsoft.com/office/drawing/2014/main" id="{63B288D5-22FA-4F5B-B744-4571A8FB4E70}"/>
+              </a:ext>
+            </a:extLst>
+          </p:cNvPr>
+          <p:cNvSpPr txBox="1">
+            <a:spLocks noChangeArrowheads="1"/>
+          </p:cNvSpPr>
+          <p:nvPr/>
+        </p:nvSpPr>
+        <p:spPr bwMode="auto">
+          <a:xfrm>
+            <a:off x="398177" y="431775"/>
+            <a:ext cx="10655300" cy="900113"/>
+          </a:xfrm>
+          <a:prstGeom prst="rect">
+            <a:avLst/>
+          </a:prstGeom>
+          <a:noFill/>
+          <a:ln>
+            <a:noFill/>
+          </a:ln>
+          <a:effectLst/>
+          <a:extLst>
+            <a:ext uri="{909E8E84-426E-40DD-AFC4-6F175D3DCCD1}">
+              <a14:hiddenFill xmlns:a14="http://schemas.microsoft.com/office/drawing/2010/main">
+                <a:solidFill>
+                  <a:srgbClr val="FFFFFF"/>
+                </a:solidFill>
+              </a14:hiddenFill>
+            </a:ext>
+            <a:ext uri="{91240B29-F687-4F45-9708-019B960494DF}">
+              <a14:hiddenLine xmlns:a14="http://schemas.microsoft.com/office/drawing/2010/main" w="9525">
+                <a:solidFill>
+                  <a:srgbClr val="808080"/>
+                </a:solidFill>
+                <a:round/>
+                <a:headEnd/>
+                <a:tailEnd/>
+              </a14:hiddenLine>
+            </a:ext>
+            <a:ext uri="{AF507438-7753-43E0-B8FC-AC1667EBCBE1}">
+              <a14:hiddenEffects xmlns:a14="http://schemas.microsoft.com/office/drawing/2010/main">
+                <a:effectLst>
+                  <a:outerShdw dist="35921" dir="2700000" algn="ctr" rotWithShape="0">
+                    <a:srgbClr val="808080"/>
+                  </a:outerShdw>
+                </a:effectLst>
+              </a14:hiddenEffects>
+            </a:ext>
+          </a:extLst>
+        </p:spPr>
+        <p:txBody>
+          <a:bodyPr lIns="0" tIns="0" rIns="0" bIns="0"/>
+          <a:lstStyle>
+            <a:lvl1pPr>
+              <a:buClr>
+                <a:srgbClr val="000000"/>
+              </a:buClr>
+              <a:buSzPct val="100000"/>
+              <a:buFont typeface="Times New Roman" panose="02020603050405020304" pitchFamily="18" charset="0"/>
+              <a:tabLst>
+                <a:tab pos="0" algn="l"/>
+                <a:tab pos="447675" algn="l"/>
+                <a:tab pos="896938" algn="l"/>
+                <a:tab pos="1346200" algn="l"/>
+                <a:tab pos="1795463" algn="l"/>
+                <a:tab pos="2244725" algn="l"/>
+                <a:tab pos="2693988" algn="l"/>
+                <a:tab pos="3143250" algn="l"/>
+                <a:tab pos="3592513" algn="l"/>
+                <a:tab pos="4041775" algn="l"/>
+                <a:tab pos="4491038" algn="l"/>
+                <a:tab pos="4940300" algn="l"/>
+                <a:tab pos="5389563" algn="l"/>
+                <a:tab pos="5838825" algn="l"/>
+                <a:tab pos="6288088" algn="l"/>
+                <a:tab pos="6737350" algn="l"/>
+                <a:tab pos="7186613" algn="l"/>
+                <a:tab pos="7635875" algn="l"/>
+                <a:tab pos="8085138" algn="l"/>
+                <a:tab pos="8534400" algn="l"/>
+                <a:tab pos="8983663" algn="l"/>
+                <a:tab pos="9410700" algn="l"/>
+                <a:tab pos="10134600" algn="l"/>
+              </a:tabLst>
+              <a:defRPr sz="2000">
+                <a:solidFill>
+                  <a:schemeClr val="bg1"/>
+                </a:solidFill>
+                <a:latin typeface="Arial" panose="020B0604020202020204" pitchFamily="34" charset="0"/>
+                <a:ea typeface="Microsoft YaHei" panose="020B0503020204020204" pitchFamily="34" charset="-122"/>
+              </a:defRPr>
+            </a:lvl1pPr>
+            <a:lvl2pPr>
+              <a:buClr>
+                <a:srgbClr val="000000"/>
+              </a:buClr>
+              <a:buSzPct val="100000"/>
+              <a:buFont typeface="Times New Roman" panose="02020603050405020304" pitchFamily="18" charset="0"/>
+              <a:tabLst>
+                <a:tab pos="0" algn="l"/>
+                <a:tab pos="447675" algn="l"/>
+                <a:tab pos="896938" algn="l"/>
+                <a:tab pos="1346200" algn="l"/>
+                <a:tab pos="1795463" algn="l"/>
+                <a:tab pos="2244725" algn="l"/>
+                <a:tab pos="2693988" algn="l"/>
+                <a:tab pos="3143250" algn="l"/>
+                <a:tab pos="3592513" algn="l"/>
+                <a:tab pos="4041775" algn="l"/>
+                <a:tab pos="4491038" algn="l"/>
+                <a:tab pos="4940300" algn="l"/>
+                <a:tab pos="5389563" algn="l"/>
+                <a:tab pos="5838825" algn="l"/>
+                <a:tab pos="6288088" algn="l"/>
+                <a:tab pos="6737350" algn="l"/>
+                <a:tab pos="7186613" algn="l"/>
+                <a:tab pos="7635875" algn="l"/>
+                <a:tab pos="8085138" algn="l"/>
+                <a:tab pos="8534400" algn="l"/>
+                <a:tab pos="8983663" algn="l"/>
+                <a:tab pos="9410700" algn="l"/>
+                <a:tab pos="10134600" algn="l"/>
+              </a:tabLst>
+              <a:defRPr sz="2000">
+                <a:solidFill>
+                  <a:schemeClr val="bg1"/>
+                </a:solidFill>
+                <a:latin typeface="Arial" panose="020B0604020202020204" pitchFamily="34" charset="0"/>
+                <a:ea typeface="Microsoft YaHei" panose="020B0503020204020204" pitchFamily="34" charset="-122"/>
+              </a:defRPr>
+            </a:lvl2pPr>
+            <a:lvl3pPr>
+              <a:buClr>
+                <a:srgbClr val="000000"/>
+              </a:buClr>
+              <a:buSzPct val="100000"/>
+              <a:buFont typeface="Times New Roman" panose="02020603050405020304" pitchFamily="18" charset="0"/>
+              <a:tabLst>
+                <a:tab pos="0" algn="l"/>
+                <a:tab pos="447675" algn="l"/>
+                <a:tab pos="896938" algn="l"/>
+                <a:tab pos="1346200" algn="l"/>
+                <a:tab pos="1795463" algn="l"/>
+                <a:tab pos="2244725" algn="l"/>
+                <a:tab pos="2693988" algn="l"/>
+                <a:tab pos="3143250" algn="l"/>
+                <a:tab pos="3592513" algn="l"/>
+                <a:tab pos="4041775" algn="l"/>
+                <a:tab pos="4491038" algn="l"/>
+                <a:tab pos="4940300" algn="l"/>
+                <a:tab pos="5389563" algn="l"/>
+                <a:tab pos="5838825" algn="l"/>
+                <a:tab pos="6288088" algn="l"/>
+                <a:tab pos="6737350" algn="l"/>
+                <a:tab pos="7186613" algn="l"/>
+                <a:tab pos="7635875" algn="l"/>
+                <a:tab pos="8085138" algn="l"/>
+                <a:tab pos="8534400" algn="l"/>
+                <a:tab pos="8983663" algn="l"/>
+                <a:tab pos="9410700" algn="l"/>
+                <a:tab pos="10134600" algn="l"/>
+              </a:tabLst>
+              <a:defRPr sz="2000">
+                <a:solidFill>
+                  <a:schemeClr val="bg1"/>
+                </a:solidFill>
+                <a:latin typeface="Arial" panose="020B0604020202020204" pitchFamily="34" charset="0"/>
+                <a:ea typeface="Microsoft YaHei" panose="020B0503020204020204" pitchFamily="34" charset="-122"/>
+              </a:defRPr>
+            </a:lvl3pPr>
+            <a:lvl4pPr>
+              <a:buClr>
+                <a:srgbClr val="000000"/>
+              </a:buClr>
+              <a:buSzPct val="100000"/>
+              <a:buFont typeface="Times New Roman" panose="02020603050405020304" pitchFamily="18" charset="0"/>
+              <a:tabLst>
+                <a:tab pos="0" algn="l"/>
+                <a:tab pos="447675" algn="l"/>
+                <a:tab pos="896938" algn="l"/>
+                <a:tab pos="1346200" algn="l"/>
+                <a:tab pos="1795463" algn="l"/>
+                <a:tab pos="2244725" algn="l"/>
+                <a:tab pos="2693988" algn="l"/>
+                <a:tab pos="3143250" algn="l"/>
+                <a:tab pos="3592513" algn="l"/>
+                <a:tab pos="4041775" algn="l"/>
+                <a:tab pos="4491038" algn="l"/>
+                <a:tab pos="4940300" algn="l"/>
+                <a:tab pos="5389563" algn="l"/>
+                <a:tab pos="5838825" algn="l"/>
+                <a:tab pos="6288088" algn="l"/>
+                <a:tab pos="6737350" algn="l"/>
+                <a:tab pos="7186613" algn="l"/>
+                <a:tab pos="7635875" algn="l"/>
+                <a:tab pos="8085138" algn="l"/>
+                <a:tab pos="8534400" algn="l"/>
+                <a:tab pos="8983663" algn="l"/>
+                <a:tab pos="9410700" algn="l"/>
+                <a:tab pos="10134600" algn="l"/>
+              </a:tabLst>
+              <a:defRPr sz="2000">
+                <a:solidFill>
+                  <a:schemeClr val="bg1"/>
+                </a:solidFill>
+                <a:latin typeface="Arial" panose="020B0604020202020204" pitchFamily="34" charset="0"/>
+                <a:ea typeface="Microsoft YaHei" panose="020B0503020204020204" pitchFamily="34" charset="-122"/>
+              </a:defRPr>
+            </a:lvl4pPr>
+            <a:lvl5pPr>
+              <a:buClr>
+                <a:srgbClr val="000000"/>
+              </a:buClr>
+              <a:buSzPct val="100000"/>
+              <a:buFont typeface="Times New Roman" panose="02020603050405020304" pitchFamily="18" charset="0"/>
+              <a:tabLst>
+                <a:tab pos="0" algn="l"/>
+                <a:tab pos="447675" algn="l"/>
+                <a:tab pos="896938" algn="l"/>
+                <a:tab pos="1346200" algn="l"/>
+                <a:tab pos="1795463" algn="l"/>
+                <a:tab pos="2244725" algn="l"/>
+                <a:tab pos="2693988" algn="l"/>
+                <a:tab pos="3143250" algn="l"/>
+                <a:tab pos="3592513" algn="l"/>
+                <a:tab pos="4041775" algn="l"/>
+                <a:tab pos="4491038" algn="l"/>
+                <a:tab pos="4940300" algn="l"/>
+                <a:tab pos="5389563" algn="l"/>
+                <a:tab pos="5838825" algn="l"/>
+                <a:tab pos="6288088" algn="l"/>
+                <a:tab pos="6737350" algn="l"/>
+                <a:tab pos="7186613" algn="l"/>
+                <a:tab pos="7635875" algn="l"/>
+                <a:tab pos="8085138" algn="l"/>
+                <a:tab pos="8534400" algn="l"/>
+                <a:tab pos="8983663" algn="l"/>
+                <a:tab pos="9410700" algn="l"/>
+                <a:tab pos="10134600" algn="l"/>
+              </a:tabLst>
+              <a:defRPr sz="2000">
+                <a:solidFill>
+                  <a:schemeClr val="bg1"/>
+                </a:solidFill>
+                <a:latin typeface="Arial" panose="020B0604020202020204" pitchFamily="34" charset="0"/>
+                <a:ea typeface="Microsoft YaHei" panose="020B0503020204020204" pitchFamily="34" charset="-122"/>
+              </a:defRPr>
+            </a:lvl5pPr>
+            <a:lvl6pPr marL="2514600" indent="-228600" defTabSz="449263" eaLnBrk="0" fontAlgn="base" hangingPunct="0">
+              <a:spcBef>
+                <a:spcPct val="0"/>
+              </a:spcBef>
+              <a:spcAft>
+                <a:spcPct val="0"/>
+              </a:spcAft>
+              <a:buClr>
+                <a:srgbClr val="000000"/>
+              </a:buClr>
+              <a:buSzPct val="100000"/>
+              <a:buFont typeface="Times New Roman" panose="02020603050405020304" pitchFamily="18" charset="0"/>
+              <a:tabLst>
+                <a:tab pos="0" algn="l"/>
+                <a:tab pos="447675" algn="l"/>
+                <a:tab pos="896938" algn="l"/>
+                <a:tab pos="1346200" algn="l"/>
+                <a:tab pos="1795463" algn="l"/>
+                <a:tab pos="2244725" algn="l"/>
+                <a:tab pos="2693988" algn="l"/>
+                <a:tab pos="3143250" algn="l"/>
+                <a:tab pos="3592513" algn="l"/>
+                <a:tab pos="4041775" algn="l"/>
+                <a:tab pos="4491038" algn="l"/>
+                <a:tab pos="4940300" algn="l"/>
+                <a:tab pos="5389563" algn="l"/>
+                <a:tab pos="5838825" algn="l"/>
+                <a:tab pos="6288088" algn="l"/>
+                <a:tab pos="6737350" algn="l"/>
+                <a:tab pos="7186613" algn="l"/>
+                <a:tab pos="7635875" algn="l"/>
+                <a:tab pos="8085138" algn="l"/>
+                <a:tab pos="8534400" algn="l"/>
+                <a:tab pos="8983663" algn="l"/>
+                <a:tab pos="9410700" algn="l"/>
+                <a:tab pos="10134600" algn="l"/>
+              </a:tabLst>
+              <a:defRPr sz="2000">
+                <a:solidFill>
+                  <a:schemeClr val="bg1"/>
+                </a:solidFill>
+                <a:latin typeface="Arial" panose="020B0604020202020204" pitchFamily="34" charset="0"/>
+                <a:ea typeface="Microsoft YaHei" panose="020B0503020204020204" pitchFamily="34" charset="-122"/>
+              </a:defRPr>
+            </a:lvl6pPr>
+            <a:lvl7pPr marL="2971800" indent="-228600" defTabSz="449263" eaLnBrk="0" fontAlgn="base" hangingPunct="0">
+              <a:spcBef>
+                <a:spcPct val="0"/>
+              </a:spcBef>
+              <a:spcAft>
+                <a:spcPct val="0"/>
+              </a:spcAft>
+              <a:buClr>
+                <a:srgbClr val="000000"/>
+              </a:buClr>
+              <a:buSzPct val="100000"/>
+              <a:buFont typeface="Times New Roman" panose="02020603050405020304" pitchFamily="18" charset="0"/>
+              <a:tabLst>
+                <a:tab pos="0" algn="l"/>
+                <a:tab pos="447675" algn="l"/>
+                <a:tab pos="896938" algn="l"/>
+                <a:tab pos="1346200" algn="l"/>
+                <a:tab pos="1795463" algn="l"/>
+                <a:tab pos="2244725" algn="l"/>
+                <a:tab pos="2693988" algn="l"/>
+                <a:tab pos="3143250" algn="l"/>
+                <a:tab pos="3592513" algn="l"/>
+                <a:tab pos="4041775" algn="l"/>
+                <a:tab pos="4491038" algn="l"/>
+                <a:tab pos="4940300" algn="l"/>
+                <a:tab pos="5389563" algn="l"/>
+                <a:tab pos="5838825" algn="l"/>
+                <a:tab pos="6288088" algn="l"/>
+                <a:tab pos="6737350" algn="l"/>
+                <a:tab pos="7186613" algn="l"/>
+                <a:tab pos="7635875" algn="l"/>
+                <a:tab pos="8085138" algn="l"/>
+                <a:tab pos="8534400" algn="l"/>
+                <a:tab pos="8983663" algn="l"/>
+                <a:tab pos="9410700" algn="l"/>
+                <a:tab pos="10134600" algn="l"/>
+              </a:tabLst>
+              <a:defRPr sz="2000">
+                <a:solidFill>
+                  <a:schemeClr val="bg1"/>
+                </a:solidFill>
+                <a:latin typeface="Arial" panose="020B0604020202020204" pitchFamily="34" charset="0"/>
+                <a:ea typeface="Microsoft YaHei" panose="020B0503020204020204" pitchFamily="34" charset="-122"/>
+              </a:defRPr>
+            </a:lvl7pPr>
+            <a:lvl8pPr marL="3429000" indent="-228600" defTabSz="449263" eaLnBrk="0" fontAlgn="base" hangingPunct="0">
+              <a:spcBef>
+                <a:spcPct val="0"/>
+              </a:spcBef>
+              <a:spcAft>
+                <a:spcPct val="0"/>
+              </a:spcAft>
+              <a:buClr>
+                <a:srgbClr val="000000"/>
+              </a:buClr>
+              <a:buSzPct val="100000"/>
+              <a:buFont typeface="Times New Roman" panose="02020603050405020304" pitchFamily="18" charset="0"/>
+              <a:tabLst>
+                <a:tab pos="0" algn="l"/>
+                <a:tab pos="447675" algn="l"/>
+                <a:tab pos="896938" algn="l"/>
+                <a:tab pos="1346200" algn="l"/>
+                <a:tab pos="1795463" algn="l"/>
+                <a:tab pos="2244725" algn="l"/>
+                <a:tab pos="2693988" algn="l"/>
+                <a:tab pos="3143250" algn="l"/>
+                <a:tab pos="3592513" algn="l"/>
+                <a:tab pos="4041775" algn="l"/>
+                <a:tab pos="4491038" algn="l"/>
+                <a:tab pos="4940300" algn="l"/>
+                <a:tab pos="5389563" algn="l"/>
+                <a:tab pos="5838825" algn="l"/>
+                <a:tab pos="6288088" algn="l"/>
+                <a:tab pos="6737350" algn="l"/>
+                <a:tab pos="7186613" algn="l"/>
+                <a:tab pos="7635875" algn="l"/>
+                <a:tab pos="8085138" algn="l"/>
+                <a:tab pos="8534400" algn="l"/>
+                <a:tab pos="8983663" algn="l"/>
+                <a:tab pos="9410700" algn="l"/>
+                <a:tab pos="10134600" algn="l"/>
+              </a:tabLst>
+              <a:defRPr sz="2000">
+                <a:solidFill>
+                  <a:schemeClr val="bg1"/>
+                </a:solidFill>
+                <a:latin typeface="Arial" panose="020B0604020202020204" pitchFamily="34" charset="0"/>
+                <a:ea typeface="Microsoft YaHei" panose="020B0503020204020204" pitchFamily="34" charset="-122"/>
+              </a:defRPr>
+            </a:lvl8pPr>
+            <a:lvl9pPr marL="3886200" indent="-228600" defTabSz="449263" eaLnBrk="0" fontAlgn="base" hangingPunct="0">
+              <a:spcBef>
+                <a:spcPct val="0"/>
+              </a:spcBef>
+              <a:spcAft>
+                <a:spcPct val="0"/>
+              </a:spcAft>
+              <a:buClr>
+                <a:srgbClr val="000000"/>
+              </a:buClr>
+              <a:buSzPct val="100000"/>
+              <a:buFont typeface="Times New Roman" panose="02020603050405020304" pitchFamily="18" charset="0"/>
+              <a:tabLst>
+                <a:tab pos="0" algn="l"/>
+                <a:tab pos="447675" algn="l"/>
+                <a:tab pos="896938" algn="l"/>
+                <a:tab pos="1346200" algn="l"/>
+                <a:tab pos="1795463" algn="l"/>
+                <a:tab pos="2244725" algn="l"/>
+                <a:tab pos="2693988" algn="l"/>
+                <a:tab pos="3143250" algn="l"/>
+                <a:tab pos="3592513" algn="l"/>
+                <a:tab pos="4041775" algn="l"/>
+                <a:tab pos="4491038" algn="l"/>
+                <a:tab pos="4940300" algn="l"/>
+                <a:tab pos="5389563" algn="l"/>
+                <a:tab pos="5838825" algn="l"/>
+                <a:tab pos="6288088" algn="l"/>
+                <a:tab pos="6737350" algn="l"/>
+                <a:tab pos="7186613" algn="l"/>
+                <a:tab pos="7635875" algn="l"/>
+                <a:tab pos="8085138" algn="l"/>
+                <a:tab pos="8534400" algn="l"/>
+                <a:tab pos="8983663" algn="l"/>
+                <a:tab pos="9410700" algn="l"/>
+                <a:tab pos="10134600" algn="l"/>
+              </a:tabLst>
+              <a:defRPr sz="2000">
+                <a:solidFill>
+                  <a:schemeClr val="bg1"/>
+                </a:solidFill>
+                <a:latin typeface="Arial" panose="020B0604020202020204" pitchFamily="34" charset="0"/>
+                <a:ea typeface="Microsoft YaHei" panose="020B0503020204020204" pitchFamily="34" charset="-122"/>
+              </a:defRPr>
+            </a:lvl9pPr>
+          </a:lstStyle>
+          <a:p>
+            <a:pPr eaLnBrk="1" hangingPunct="1">
+              <a:buClrTx/>
+            </a:pPr>
+            <a:r>
+              <a:rPr lang="fr-CH" altLang="fr-FR" sz="4800" b="1" dirty="0">
+                <a:solidFill>
+                  <a:srgbClr val="000000"/>
+                </a:solidFill>
+              </a:rPr>
+              <a:t>Schéma UML – Use Cases</a:t>
+            </a:r>
+          </a:p>
+        </p:txBody>
+      </p:sp>
+      <p:sp>
+        <p:nvSpPr>
+          <p:cNvPr id="3" name="Rectangle 2">
+            <a:extLst>
+              <a:ext uri="{FF2B5EF4-FFF2-40B4-BE49-F238E27FC236}">
+                <a16:creationId xmlns:a16="http://schemas.microsoft.com/office/drawing/2014/main" id="{A2988943-F398-41F8-AAAC-F316F407C3F3}"/>
+              </a:ext>
+            </a:extLst>
+          </p:cNvPr>
+          <p:cNvSpPr/>
+          <p:nvPr/>
+        </p:nvSpPr>
+        <p:spPr bwMode="auto">
+          <a:xfrm>
+            <a:off x="3313559" y="1310022"/>
+            <a:ext cx="7200800" cy="5076551"/>
+          </a:xfrm>
+          <a:prstGeom prst="rect">
+            <a:avLst/>
+          </a:prstGeom>
+          <a:solidFill>
+            <a:schemeClr val="bg1"/>
+          </a:solidFill>
+          <a:ln w="9525" cap="flat" cmpd="sng" algn="ctr">
+            <a:solidFill>
+              <a:schemeClr val="tx1"/>
+            </a:solidFill>
+            <a:prstDash val="solid"/>
+            <a:round/>
+            <a:headEnd type="none" w="med" len="med"/>
+            <a:tailEnd type="none" w="med" len="med"/>
+          </a:ln>
+          <a:effectLst/>
+        </p:spPr>
+        <p:txBody>
+          <a:bodyPr vert="horz" wrap="square" lIns="91440" tIns="45720" rIns="91440" bIns="45720" numCol="1" rtlCol="0" anchor="t" anchorCtr="0" compatLnSpc="1">
+            <a:prstTxWarp prst="textNoShape">
+              <a:avLst/>
+            </a:prstTxWarp>
+          </a:bodyPr>
+          <a:lstStyle/>
+          <a:p>
+            <a:pPr marL="0" marR="0" indent="0" algn="l" defTabSz="449263" rtl="0" eaLnBrk="0" fontAlgn="base" latinLnBrk="0" hangingPunct="0">
+              <a:lnSpc>
+                <a:spcPct val="100000"/>
+              </a:lnSpc>
+              <a:spcBef>
+                <a:spcPct val="0"/>
+              </a:spcBef>
+              <a:spcAft>
+                <a:spcPct val="0"/>
+              </a:spcAft>
+              <a:buClr>
+                <a:srgbClr val="000000"/>
+              </a:buClr>
+              <a:buSzPct val="100000"/>
+              <a:buFont typeface="Times New Roman" panose="02020603050405020304" pitchFamily="18" charset="0"/>
+              <a:buNone/>
+              <a:tabLst/>
+            </a:pPr>
+            <a:endParaRPr kumimoji="0" lang="fr-CH" sz="2000" b="0" i="0" u="none" strike="noStrike" cap="none" normalizeH="0" baseline="0" dirty="0">
+              <a:ln>
+                <a:noFill/>
+              </a:ln>
+              <a:solidFill>
+                <a:schemeClr val="bg1"/>
+              </a:solidFill>
+              <a:effectLst/>
+              <a:latin typeface="Arial" panose="020B0604020202020204" pitchFamily="34" charset="0"/>
+              <a:ea typeface="Microsoft YaHei" panose="020B0503020204020204" pitchFamily="34" charset="-122"/>
+            </a:endParaRPr>
+          </a:p>
+        </p:txBody>
+      </p:sp>
+      <p:pic>
+        <p:nvPicPr>
+          <p:cNvPr id="5" name="Graphique 4" descr="Capitaine">
+            <a:extLst>
+              <a:ext uri="{FF2B5EF4-FFF2-40B4-BE49-F238E27FC236}">
+                <a16:creationId xmlns:a16="http://schemas.microsoft.com/office/drawing/2014/main" id="{2CC2E1F0-781E-482F-8B71-FE8FAA0866E1}"/>
+              </a:ext>
+            </a:extLst>
+          </p:cNvPr>
+          <p:cNvPicPr>
+            <a:picLocks noChangeAspect="1"/>
+          </p:cNvPicPr>
+          <p:nvPr/>
+        </p:nvPicPr>
+        <p:blipFill>
+          <a:blip r:embed="rId2">
+            <a:extLst>
+              <a:ext uri="{28A0092B-C50C-407E-A947-70E740481C1C}">
+                <a14:useLocalDpi xmlns:a14="http://schemas.microsoft.com/office/drawing/2010/main" val="0"/>
+              </a:ext>
+              <a:ext uri="{96DAC541-7B7A-43D3-8B79-37D633B846F1}">
+                <asvg:svgBlip xmlns:asvg="http://schemas.microsoft.com/office/drawing/2016/SVG/main" r:embed="rId3"/>
+              </a:ext>
+            </a:extLst>
+          </a:blip>
+          <a:stretch>
+            <a:fillRect/>
+          </a:stretch>
+        </p:blipFill>
+        <p:spPr>
+          <a:xfrm>
+            <a:off x="1641744" y="4248199"/>
+            <a:ext cx="1008112" cy="1008112"/>
+          </a:xfrm>
+          <a:prstGeom prst="rect">
+            <a:avLst/>
+          </a:prstGeom>
+        </p:spPr>
+      </p:pic>
+      <p:pic>
+        <p:nvPicPr>
+          <p:cNvPr id="7" name="Graphique 6" descr="Fermier(ère)">
+            <a:extLst>
+              <a:ext uri="{FF2B5EF4-FFF2-40B4-BE49-F238E27FC236}">
+                <a16:creationId xmlns:a16="http://schemas.microsoft.com/office/drawing/2014/main" id="{E1913FF0-C11A-4046-B107-16288038493F}"/>
+              </a:ext>
+            </a:extLst>
+          </p:cNvPr>
+          <p:cNvPicPr>
+            <a:picLocks noChangeAspect="1"/>
+          </p:cNvPicPr>
+          <p:nvPr/>
+        </p:nvPicPr>
+        <p:blipFill>
+          <a:blip r:embed="rId4">
+            <a:extLst>
+              <a:ext uri="{28A0092B-C50C-407E-A947-70E740481C1C}">
+                <a14:useLocalDpi xmlns:a14="http://schemas.microsoft.com/office/drawing/2010/main" val="0"/>
+              </a:ext>
+              <a:ext uri="{96DAC541-7B7A-43D3-8B79-37D633B846F1}">
+                <asvg:svgBlip xmlns:asvg="http://schemas.microsoft.com/office/drawing/2016/SVG/main" r:embed="rId5"/>
+              </a:ext>
+            </a:extLst>
+          </a:blip>
+          <a:stretch>
+            <a:fillRect/>
+          </a:stretch>
+        </p:blipFill>
+        <p:spPr>
+          <a:xfrm>
+            <a:off x="1641744" y="1943943"/>
+            <a:ext cx="1008112" cy="1008112"/>
+          </a:xfrm>
+          <a:prstGeom prst="rect">
+            <a:avLst/>
+          </a:prstGeom>
+        </p:spPr>
+      </p:pic>
+      <p:sp>
+        <p:nvSpPr>
+          <p:cNvPr id="8" name="ZoneTexte 7">
+            <a:extLst>
+              <a:ext uri="{FF2B5EF4-FFF2-40B4-BE49-F238E27FC236}">
+                <a16:creationId xmlns:a16="http://schemas.microsoft.com/office/drawing/2014/main" id="{79BD8BB2-1D53-488F-A719-4126C5A95687}"/>
+              </a:ext>
+            </a:extLst>
+          </p:cNvPr>
+          <p:cNvSpPr txBox="1"/>
+          <p:nvPr/>
+        </p:nvSpPr>
+        <p:spPr>
+          <a:xfrm>
+            <a:off x="4378238" y="1279932"/>
+            <a:ext cx="1368152" cy="400110"/>
+          </a:xfrm>
+          <a:prstGeom prst="rect">
+            <a:avLst/>
+          </a:prstGeom>
+          <a:noFill/>
+        </p:spPr>
+        <p:txBody>
+          <a:bodyPr wrap="square" rtlCol="0">
+            <a:spAutoFit/>
+          </a:bodyPr>
+          <a:lstStyle/>
+          <a:p>
+            <a:r>
+              <a:rPr lang="fr-CH" b="1" i="1" dirty="0" err="1">
+                <a:solidFill>
+                  <a:schemeClr val="accent2"/>
+                </a:solidFill>
+                <a:latin typeface="Calibri" panose="020F0502020204030204" pitchFamily="34" charset="0"/>
+              </a:rPr>
+              <a:t>ByeByeCar</a:t>
+            </a:r>
+            <a:endParaRPr lang="fr-CH" b="1" i="1" dirty="0">
+              <a:solidFill>
+                <a:schemeClr val="accent2"/>
+              </a:solidFill>
+              <a:latin typeface="Calibri" panose="020F0502020204030204" pitchFamily="34" charset="0"/>
+            </a:endParaRPr>
+          </a:p>
+        </p:txBody>
+      </p:sp>
+      <p:sp>
+        <p:nvSpPr>
+          <p:cNvPr id="9" name="ZoneTexte 8">
+            <a:extLst>
+              <a:ext uri="{FF2B5EF4-FFF2-40B4-BE49-F238E27FC236}">
+                <a16:creationId xmlns:a16="http://schemas.microsoft.com/office/drawing/2014/main" id="{9CC8E4A8-C266-4D57-806F-DB948AA6219A}"/>
+              </a:ext>
+            </a:extLst>
+          </p:cNvPr>
+          <p:cNvSpPr txBox="1"/>
+          <p:nvPr/>
+        </p:nvSpPr>
+        <p:spPr>
+          <a:xfrm>
+            <a:off x="1609264" y="2746251"/>
+            <a:ext cx="1008112" cy="400110"/>
+          </a:xfrm>
+          <a:prstGeom prst="rect">
+            <a:avLst/>
+          </a:prstGeom>
+          <a:noFill/>
+        </p:spPr>
+        <p:txBody>
+          <a:bodyPr wrap="square" rtlCol="0">
+            <a:spAutoFit/>
+          </a:bodyPr>
+          <a:lstStyle/>
+          <a:p>
+            <a:pPr algn="ctr"/>
+            <a:r>
+              <a:rPr lang="fr-CH" b="1" i="1" dirty="0">
+                <a:solidFill>
+                  <a:schemeClr val="accent1"/>
+                </a:solidFill>
+                <a:latin typeface="Calibri" panose="020F0502020204030204" pitchFamily="34" charset="0"/>
+              </a:rPr>
+              <a:t>user</a:t>
+            </a:r>
+          </a:p>
+        </p:txBody>
+      </p:sp>
+      <p:sp>
+        <p:nvSpPr>
+          <p:cNvPr id="10" name="ZoneTexte 9">
+            <a:extLst>
+              <a:ext uri="{FF2B5EF4-FFF2-40B4-BE49-F238E27FC236}">
+                <a16:creationId xmlns:a16="http://schemas.microsoft.com/office/drawing/2014/main" id="{2B894D18-D3E2-4614-BEDD-8D36B80A3D5E}"/>
+              </a:ext>
+            </a:extLst>
+          </p:cNvPr>
+          <p:cNvSpPr txBox="1"/>
+          <p:nvPr/>
+        </p:nvSpPr>
+        <p:spPr>
+          <a:xfrm>
+            <a:off x="1641744" y="5040287"/>
+            <a:ext cx="1008112" cy="615553"/>
+          </a:xfrm>
+          <a:prstGeom prst="rect">
+            <a:avLst/>
+          </a:prstGeom>
+          <a:noFill/>
+        </p:spPr>
+        <p:txBody>
+          <a:bodyPr wrap="square" rtlCol="0">
+            <a:spAutoFit/>
+          </a:bodyPr>
+          <a:lstStyle/>
+          <a:p>
+            <a:pPr algn="ctr"/>
+            <a:r>
+              <a:rPr lang="fr-CH" b="1" i="1" dirty="0">
+                <a:solidFill>
+                  <a:srgbClr val="CC0066"/>
+                </a:solidFill>
+                <a:latin typeface="Calibri" panose="020F0502020204030204" pitchFamily="34" charset="0"/>
+              </a:rPr>
+              <a:t>admin</a:t>
+            </a:r>
+          </a:p>
+          <a:p>
+            <a:pPr algn="ctr"/>
+            <a:r>
+              <a:rPr lang="fr-CH" sz="1400" b="1" i="1" dirty="0">
+                <a:solidFill>
+                  <a:srgbClr val="CC0066"/>
+                </a:solidFill>
+                <a:latin typeface="Calibri" panose="020F0502020204030204" pitchFamily="34" charset="0"/>
+              </a:rPr>
+              <a:t>(+ user)</a:t>
+            </a:r>
+          </a:p>
+        </p:txBody>
+      </p:sp>
+      <p:sp>
+        <p:nvSpPr>
+          <p:cNvPr id="11" name="Ellipse 10">
+            <a:extLst>
+              <a:ext uri="{FF2B5EF4-FFF2-40B4-BE49-F238E27FC236}">
+                <a16:creationId xmlns:a16="http://schemas.microsoft.com/office/drawing/2014/main" id="{71EEE4EE-7A92-4E88-AF4E-2CCD3A7954C9}"/>
+              </a:ext>
+            </a:extLst>
+          </p:cNvPr>
+          <p:cNvSpPr/>
+          <p:nvPr/>
+        </p:nvSpPr>
+        <p:spPr bwMode="auto">
+          <a:xfrm>
+            <a:off x="3673599" y="5519123"/>
+            <a:ext cx="2952328" cy="504056"/>
+          </a:xfrm>
+          <a:prstGeom prst="ellipse">
+            <a:avLst/>
+          </a:prstGeom>
+          <a:solidFill>
+            <a:schemeClr val="bg1"/>
+          </a:solidFill>
+          <a:ln w="9525" cap="flat" cmpd="sng" algn="ctr">
+            <a:solidFill>
+              <a:schemeClr val="tx1"/>
+            </a:solidFill>
+            <a:prstDash val="solid"/>
+            <a:round/>
+            <a:headEnd type="none" w="med" len="med"/>
+            <a:tailEnd type="none" w="med" len="med"/>
+          </a:ln>
+          <a:effectLst/>
+        </p:spPr>
+        <p:txBody>
+          <a:bodyPr vert="horz" wrap="square" lIns="91440" tIns="45720" rIns="91440" bIns="45720" numCol="1" rtlCol="0" anchor="ctr" anchorCtr="0" compatLnSpc="1">
+            <a:prstTxWarp prst="textNoShape">
+              <a:avLst/>
+            </a:prstTxWarp>
+          </a:bodyPr>
+          <a:lstStyle/>
+          <a:p>
+            <a:pPr marL="0" marR="0" indent="0" algn="ctr" defTabSz="449263" rtl="0" eaLnBrk="0" fontAlgn="base" latinLnBrk="0" hangingPunct="0">
+              <a:lnSpc>
+                <a:spcPct val="100000"/>
+              </a:lnSpc>
+              <a:spcBef>
+                <a:spcPct val="0"/>
+              </a:spcBef>
+              <a:spcAft>
+                <a:spcPct val="0"/>
+              </a:spcAft>
+              <a:buClr>
+                <a:srgbClr val="000000"/>
+              </a:buClr>
+              <a:buSzPct val="100000"/>
+              <a:buFont typeface="Times New Roman" panose="02020603050405020304" pitchFamily="18" charset="0"/>
+              <a:buNone/>
+              <a:tabLst/>
+            </a:pPr>
+            <a:r>
+              <a:rPr kumimoji="0" lang="fr-CH" sz="1400" b="0" i="0" u="none" strike="noStrike" cap="none" normalizeH="0" baseline="0" dirty="0">
+                <a:ln>
+                  <a:noFill/>
+                </a:ln>
+                <a:solidFill>
+                  <a:schemeClr val="tx1"/>
+                </a:solidFill>
+                <a:effectLst/>
+              </a:rPr>
+              <a:t>Supprimer un ut</a:t>
+            </a:r>
+            <a:r>
+              <a:rPr lang="fr-CH" sz="1400" dirty="0">
+                <a:solidFill>
+                  <a:schemeClr val="tx1"/>
+                </a:solidFill>
+              </a:rPr>
+              <a:t>ilisateur</a:t>
+            </a:r>
+            <a:endParaRPr kumimoji="0" lang="fr-CH" sz="1400" b="0" i="0" u="none" strike="noStrike" cap="none" normalizeH="0" baseline="0" dirty="0">
+              <a:ln>
+                <a:noFill/>
+              </a:ln>
+              <a:solidFill>
+                <a:schemeClr val="tx1"/>
+              </a:solidFill>
+              <a:effectLst/>
+            </a:endParaRPr>
+          </a:p>
+        </p:txBody>
+      </p:sp>
+      <p:cxnSp>
+        <p:nvCxnSpPr>
+          <p:cNvPr id="13" name="Connecteur droit 12">
+            <a:extLst>
+              <a:ext uri="{FF2B5EF4-FFF2-40B4-BE49-F238E27FC236}">
+                <a16:creationId xmlns:a16="http://schemas.microsoft.com/office/drawing/2014/main" id="{912B285F-2B90-40D5-9E6C-F57B941EA2B4}"/>
+              </a:ext>
+            </a:extLst>
+          </p:cNvPr>
+          <p:cNvCxnSpPr>
+            <a:stCxn id="5" idx="3"/>
+          </p:cNvCxnSpPr>
+          <p:nvPr/>
+        </p:nvCxnSpPr>
+        <p:spPr bwMode="auto">
+          <a:xfrm>
+            <a:off x="2649856" y="4752255"/>
+            <a:ext cx="1095751" cy="936104"/>
+          </a:xfrm>
+          <a:prstGeom prst="line">
+            <a:avLst/>
+          </a:prstGeom>
+          <a:solidFill>
+            <a:srgbClr val="00B8FF"/>
+          </a:solidFill>
+          <a:ln w="19050" cap="flat" cmpd="sng" algn="ctr">
+            <a:solidFill>
+              <a:srgbClr val="CC0066"/>
+            </a:solidFill>
+            <a:prstDash val="solid"/>
+            <a:round/>
+            <a:headEnd type="none" w="med" len="med"/>
+            <a:tailEnd type="none" w="med" len="med"/>
+          </a:ln>
+          <a:effectLst/>
+          <a:extLst>
+            <a:ext uri="{AF507438-7753-43E0-B8FC-AC1667EBCBE1}">
+              <a14:hiddenEffects xmlns:a14="http://schemas.microsoft.com/office/drawing/2010/main">
+                <a:effectLst>
+                  <a:outerShdw dist="35921" dir="2700000" algn="ctr" rotWithShape="0">
+                    <a:schemeClr val="bg2"/>
+                  </a:outerShdw>
+                </a:effectLst>
+              </a14:hiddenEffects>
+            </a:ext>
+          </a:extLst>
+        </p:spPr>
+      </p:cxnSp>
+      <p:sp>
+        <p:nvSpPr>
+          <p:cNvPr id="16" name="Ellipse 15">
+            <a:extLst>
+              <a:ext uri="{FF2B5EF4-FFF2-40B4-BE49-F238E27FC236}">
+                <a16:creationId xmlns:a16="http://schemas.microsoft.com/office/drawing/2014/main" id="{902AA277-3296-4662-A424-9F46078A03E4}"/>
+              </a:ext>
+            </a:extLst>
+          </p:cNvPr>
+          <p:cNvSpPr/>
+          <p:nvPr/>
+        </p:nvSpPr>
+        <p:spPr bwMode="auto">
+          <a:xfrm>
+            <a:off x="6410093" y="1545621"/>
+            <a:ext cx="2211685" cy="398322"/>
+          </a:xfrm>
+          <a:prstGeom prst="ellipse">
+            <a:avLst/>
+          </a:prstGeom>
+          <a:solidFill>
+            <a:schemeClr val="bg1"/>
+          </a:solidFill>
+          <a:ln w="9525" cap="flat" cmpd="sng" algn="ctr">
+            <a:solidFill>
+              <a:schemeClr val="tx1"/>
+            </a:solidFill>
+            <a:prstDash val="solid"/>
+            <a:round/>
+            <a:headEnd type="none" w="med" len="med"/>
+            <a:tailEnd type="none" w="med" len="med"/>
+          </a:ln>
+          <a:effectLst/>
+        </p:spPr>
+        <p:txBody>
+          <a:bodyPr rot="0" spcFirstLastPara="0" vertOverflow="overflow" horzOverflow="overflow" vert="horz" wrap="square" lIns="91440" tIns="45720" rIns="91440" bIns="45720" numCol="1" spcCol="0" rtlCol="0" fromWordArt="0" anchor="ctr" anchorCtr="0" forceAA="0" compatLnSpc="1">
+            <a:prstTxWarp prst="textNoShape">
+              <a:avLst/>
+            </a:prstTxWarp>
+            <a:noAutofit/>
+          </a:bodyPr>
+          <a:lstStyle/>
+          <a:p>
+            <a:pPr algn="ctr">
+              <a:buClr>
+                <a:srgbClr val="000000"/>
+              </a:buClr>
+              <a:buSzPct val="100000"/>
+              <a:buFont typeface="Times New Roman" panose="02020603050405020304" pitchFamily="18" charset="0"/>
+              <a:buNone/>
+            </a:pPr>
+            <a:r>
+              <a:rPr lang="fr-CH" sz="1400" dirty="0">
+                <a:solidFill>
+                  <a:schemeClr val="tx1"/>
+                </a:solidFill>
+              </a:rPr>
+              <a:t>Créer un compte</a:t>
+            </a:r>
+          </a:p>
+        </p:txBody>
+      </p:sp>
+      <p:cxnSp>
+        <p:nvCxnSpPr>
+          <p:cNvPr id="17" name="Connecteur droit 16">
+            <a:extLst>
+              <a:ext uri="{FF2B5EF4-FFF2-40B4-BE49-F238E27FC236}">
+                <a16:creationId xmlns:a16="http://schemas.microsoft.com/office/drawing/2014/main" id="{07DE3A05-96BF-49C5-A4CF-00F5005377D2}"/>
+              </a:ext>
+            </a:extLst>
+          </p:cNvPr>
+          <p:cNvCxnSpPr/>
+          <p:nvPr/>
+        </p:nvCxnSpPr>
+        <p:spPr bwMode="auto">
+          <a:xfrm flipV="1">
+            <a:off x="2617376" y="1835945"/>
+            <a:ext cx="3936543" cy="252014"/>
+          </a:xfrm>
+          <a:prstGeom prst="line">
+            <a:avLst/>
+          </a:prstGeom>
+          <a:solidFill>
+            <a:srgbClr val="00B8FF"/>
+          </a:solidFill>
+          <a:ln w="19050" cap="flat" cmpd="sng" algn="ctr">
+            <a:solidFill>
+              <a:schemeClr val="accent1"/>
+            </a:solidFill>
+            <a:prstDash val="solid"/>
+            <a:round/>
+            <a:headEnd type="none" w="med" len="med"/>
+            <a:tailEnd type="none" w="med" len="med"/>
+          </a:ln>
+          <a:effectLst/>
+          <a:extLst>
+            <a:ext uri="{AF507438-7753-43E0-B8FC-AC1667EBCBE1}">
+              <a14:hiddenEffects xmlns:a14="http://schemas.microsoft.com/office/drawing/2010/main">
+                <a:effectLst>
+                  <a:outerShdw dist="35921" dir="2700000" algn="ctr" rotWithShape="0">
+                    <a:schemeClr val="bg2"/>
+                  </a:outerShdw>
+                </a:effectLst>
+              </a14:hiddenEffects>
+            </a:ext>
+          </a:extLst>
+        </p:spPr>
+      </p:cxnSp>
+      <p:sp>
+        <p:nvSpPr>
+          <p:cNvPr id="21" name="Ellipse 20">
+            <a:extLst>
+              <a:ext uri="{FF2B5EF4-FFF2-40B4-BE49-F238E27FC236}">
+                <a16:creationId xmlns:a16="http://schemas.microsoft.com/office/drawing/2014/main" id="{34793B87-4640-4911-B0F7-BEB0291A67E3}"/>
+              </a:ext>
+            </a:extLst>
+          </p:cNvPr>
+          <p:cNvSpPr/>
+          <p:nvPr/>
+        </p:nvSpPr>
+        <p:spPr bwMode="auto">
+          <a:xfrm>
+            <a:off x="6632393" y="2187358"/>
+            <a:ext cx="3744416" cy="393800"/>
+          </a:xfrm>
+          <a:prstGeom prst="ellipse">
+            <a:avLst/>
+          </a:prstGeom>
+          <a:solidFill>
+            <a:schemeClr val="bg1"/>
+          </a:solidFill>
+          <a:ln w="9525" cap="flat" cmpd="sng" algn="ctr">
+            <a:solidFill>
+              <a:schemeClr val="tx1"/>
+            </a:solidFill>
+            <a:prstDash val="solid"/>
+            <a:round/>
+            <a:headEnd type="none" w="med" len="med"/>
+            <a:tailEnd type="none" w="med" len="med"/>
+          </a:ln>
+          <a:effectLst/>
+        </p:spPr>
+        <p:txBody>
+          <a:bodyPr rot="0" spcFirstLastPara="0" vertOverflow="overflow" horzOverflow="overflow" vert="horz" wrap="square" lIns="91440" tIns="45720" rIns="91440" bIns="45720" numCol="1" spcCol="0" rtlCol="0" fromWordArt="0" anchor="ctr" anchorCtr="0" forceAA="0" compatLnSpc="1">
+            <a:prstTxWarp prst="textNoShape">
+              <a:avLst/>
+            </a:prstTxWarp>
+            <a:noAutofit/>
+          </a:bodyPr>
+          <a:lstStyle/>
+          <a:p>
+            <a:pPr algn="ctr">
+              <a:buClr>
+                <a:srgbClr val="000000"/>
+              </a:buClr>
+              <a:buSzPct val="100000"/>
+              <a:buFont typeface="Times New Roman" panose="02020603050405020304" pitchFamily="18" charset="0"/>
+              <a:buNone/>
+            </a:pPr>
+            <a:r>
+              <a:rPr lang="fr-CH" sz="1400" dirty="0">
+                <a:solidFill>
+                  <a:schemeClr val="tx1"/>
+                </a:solidFill>
+              </a:rPr>
+              <a:t>Débiter ou créditer son compte</a:t>
+            </a:r>
+          </a:p>
+        </p:txBody>
+      </p:sp>
+      <p:sp>
+        <p:nvSpPr>
+          <p:cNvPr id="22" name="Ellipse 21">
+            <a:extLst>
+              <a:ext uri="{FF2B5EF4-FFF2-40B4-BE49-F238E27FC236}">
+                <a16:creationId xmlns:a16="http://schemas.microsoft.com/office/drawing/2014/main" id="{F871F03F-93B0-4988-A4BE-A88685DE0AEE}"/>
+              </a:ext>
+            </a:extLst>
+          </p:cNvPr>
+          <p:cNvSpPr/>
+          <p:nvPr/>
+        </p:nvSpPr>
+        <p:spPr bwMode="auto">
+          <a:xfrm>
+            <a:off x="7146262" y="2837467"/>
+            <a:ext cx="3240359" cy="453853"/>
+          </a:xfrm>
+          <a:prstGeom prst="ellipse">
+            <a:avLst/>
+          </a:prstGeom>
+          <a:solidFill>
+            <a:schemeClr val="bg1"/>
+          </a:solidFill>
+          <a:ln w="9525" cap="flat" cmpd="sng" algn="ctr">
+            <a:solidFill>
+              <a:schemeClr val="tx1"/>
+            </a:solidFill>
+            <a:prstDash val="solid"/>
+            <a:round/>
+            <a:headEnd type="none" w="med" len="med"/>
+            <a:tailEnd type="none" w="med" len="med"/>
+          </a:ln>
+          <a:effectLst/>
+        </p:spPr>
+        <p:txBody>
+          <a:bodyPr rot="0" spcFirstLastPara="0" vertOverflow="overflow" horzOverflow="overflow" vert="horz" wrap="square" lIns="91440" tIns="45720" rIns="91440" bIns="45720" numCol="1" spcCol="0" rtlCol="0" fromWordArt="0" anchor="ctr" anchorCtr="0" forceAA="0" compatLnSpc="1">
+            <a:prstTxWarp prst="textNoShape">
+              <a:avLst/>
+            </a:prstTxWarp>
+            <a:noAutofit/>
+          </a:bodyPr>
+          <a:lstStyle/>
+          <a:p>
+            <a:pPr algn="ctr">
+              <a:buClr>
+                <a:srgbClr val="000000"/>
+              </a:buClr>
+              <a:buSzPct val="100000"/>
+              <a:buFont typeface="Times New Roman" panose="02020603050405020304" pitchFamily="18" charset="0"/>
+              <a:buNone/>
+            </a:pPr>
+            <a:r>
+              <a:rPr lang="fr-CH" sz="1400" dirty="0">
+                <a:solidFill>
+                  <a:schemeClr val="tx1"/>
+                </a:solidFill>
+              </a:rPr>
+              <a:t>Modifier son mot de passe</a:t>
+            </a:r>
+          </a:p>
+        </p:txBody>
+      </p:sp>
+      <p:sp>
+        <p:nvSpPr>
+          <p:cNvPr id="25" name="Ellipse 24">
+            <a:extLst>
+              <a:ext uri="{FF2B5EF4-FFF2-40B4-BE49-F238E27FC236}">
+                <a16:creationId xmlns:a16="http://schemas.microsoft.com/office/drawing/2014/main" id="{28F409C7-9BCD-4E9D-983A-729A7A96E106}"/>
+              </a:ext>
+            </a:extLst>
+          </p:cNvPr>
+          <p:cNvSpPr/>
+          <p:nvPr/>
+        </p:nvSpPr>
+        <p:spPr bwMode="auto">
+          <a:xfrm>
+            <a:off x="7481834" y="3580224"/>
+            <a:ext cx="2736304" cy="795369"/>
+          </a:xfrm>
+          <a:prstGeom prst="ellipse">
+            <a:avLst/>
+          </a:prstGeom>
+          <a:solidFill>
+            <a:schemeClr val="bg1"/>
+          </a:solidFill>
+          <a:ln w="9525" cap="flat" cmpd="sng" algn="ctr">
+            <a:solidFill>
+              <a:schemeClr val="tx1"/>
+            </a:solidFill>
+            <a:prstDash val="solid"/>
+            <a:round/>
+            <a:headEnd type="none" w="med" len="med"/>
+            <a:tailEnd type="none" w="med" len="med"/>
+          </a:ln>
+          <a:effectLst/>
+        </p:spPr>
+        <p:txBody>
+          <a:bodyPr rot="0" spcFirstLastPara="0" vertOverflow="overflow" horzOverflow="overflow" vert="horz" wrap="square" lIns="91440" tIns="45720" rIns="91440" bIns="45720" numCol="1" spcCol="0" rtlCol="0" fromWordArt="0" anchor="ctr" anchorCtr="0" forceAA="0" compatLnSpc="1">
+            <a:prstTxWarp prst="textNoShape">
+              <a:avLst/>
+            </a:prstTxWarp>
+            <a:noAutofit/>
+          </a:bodyPr>
+          <a:lstStyle/>
+          <a:p>
+            <a:pPr algn="ctr">
+              <a:buClr>
+                <a:srgbClr val="000000"/>
+              </a:buClr>
+              <a:buSzPct val="100000"/>
+              <a:buFont typeface="Times New Roman" panose="02020603050405020304" pitchFamily="18" charset="0"/>
+              <a:buNone/>
+            </a:pPr>
+            <a:r>
+              <a:rPr lang="fr-CH" sz="1400" dirty="0">
+                <a:solidFill>
+                  <a:schemeClr val="tx1"/>
+                </a:solidFill>
+              </a:rPr>
+              <a:t>Ajouter son véhicule sur la plateforme</a:t>
+            </a:r>
+          </a:p>
+        </p:txBody>
+      </p:sp>
+      <p:cxnSp>
+        <p:nvCxnSpPr>
+          <p:cNvPr id="26" name="Connecteur droit 25">
+            <a:extLst>
+              <a:ext uri="{FF2B5EF4-FFF2-40B4-BE49-F238E27FC236}">
+                <a16:creationId xmlns:a16="http://schemas.microsoft.com/office/drawing/2014/main" id="{3DC89958-9B46-4B03-B593-24078030CE65}"/>
+              </a:ext>
+            </a:extLst>
+          </p:cNvPr>
+          <p:cNvCxnSpPr>
+            <a:endCxn id="21" idx="2"/>
+          </p:cNvCxnSpPr>
+          <p:nvPr/>
+        </p:nvCxnSpPr>
+        <p:spPr bwMode="auto">
+          <a:xfrm>
+            <a:off x="2617375" y="2278182"/>
+            <a:ext cx="4015018" cy="106076"/>
+          </a:xfrm>
+          <a:prstGeom prst="line">
+            <a:avLst/>
+          </a:prstGeom>
+          <a:solidFill>
+            <a:srgbClr val="00B8FF"/>
+          </a:solidFill>
+          <a:ln w="19050" cap="flat" cmpd="sng" algn="ctr">
+            <a:solidFill>
+              <a:schemeClr val="accent1"/>
+            </a:solidFill>
+            <a:prstDash val="solid"/>
+            <a:round/>
+            <a:headEnd type="none" w="med" len="med"/>
+            <a:tailEnd type="none" w="med" len="med"/>
+          </a:ln>
+          <a:effectLst/>
+          <a:extLst>
+            <a:ext uri="{AF507438-7753-43E0-B8FC-AC1667EBCBE1}">
+              <a14:hiddenEffects xmlns:a14="http://schemas.microsoft.com/office/drawing/2010/main">
+                <a:effectLst>
+                  <a:outerShdw dist="35921" dir="2700000" algn="ctr" rotWithShape="0">
+                    <a:schemeClr val="bg2"/>
+                  </a:outerShdw>
+                </a:effectLst>
+              </a14:hiddenEffects>
+            </a:ext>
+          </a:extLst>
+        </p:spPr>
+      </p:cxnSp>
+      <p:cxnSp>
+        <p:nvCxnSpPr>
+          <p:cNvPr id="28" name="Connecteur droit 27">
+            <a:extLst>
+              <a:ext uri="{FF2B5EF4-FFF2-40B4-BE49-F238E27FC236}">
+                <a16:creationId xmlns:a16="http://schemas.microsoft.com/office/drawing/2014/main" id="{24A04564-6631-4CA5-BEED-1D87375C28A7}"/>
+              </a:ext>
+            </a:extLst>
+          </p:cNvPr>
+          <p:cNvCxnSpPr>
+            <a:stCxn id="7" idx="3"/>
+            <a:endCxn id="22" idx="2"/>
+          </p:cNvCxnSpPr>
+          <p:nvPr/>
+        </p:nvCxnSpPr>
+        <p:spPr bwMode="auto">
+          <a:xfrm>
+            <a:off x="2649856" y="2447999"/>
+            <a:ext cx="4496406" cy="616395"/>
+          </a:xfrm>
+          <a:prstGeom prst="line">
+            <a:avLst/>
+          </a:prstGeom>
+          <a:solidFill>
+            <a:srgbClr val="00B8FF"/>
+          </a:solidFill>
+          <a:ln w="19050" cap="flat" cmpd="sng" algn="ctr">
+            <a:solidFill>
+              <a:schemeClr val="accent1"/>
+            </a:solidFill>
+            <a:prstDash val="solid"/>
+            <a:round/>
+            <a:headEnd type="none" w="med" len="med"/>
+            <a:tailEnd type="none" w="med" len="med"/>
+          </a:ln>
+          <a:effectLst/>
+          <a:extLst>
+            <a:ext uri="{AF507438-7753-43E0-B8FC-AC1667EBCBE1}">
+              <a14:hiddenEffects xmlns:a14="http://schemas.microsoft.com/office/drawing/2010/main">
+                <a:effectLst>
+                  <a:outerShdw dist="35921" dir="2700000" algn="ctr" rotWithShape="0">
+                    <a:schemeClr val="bg2"/>
+                  </a:outerShdw>
+                </a:effectLst>
+              </a14:hiddenEffects>
+            </a:ext>
+          </a:extLst>
+        </p:spPr>
+      </p:cxnSp>
+      <p:sp>
+        <p:nvSpPr>
+          <p:cNvPr id="31" name="Ellipse 30">
+            <a:extLst>
+              <a:ext uri="{FF2B5EF4-FFF2-40B4-BE49-F238E27FC236}">
+                <a16:creationId xmlns:a16="http://schemas.microsoft.com/office/drawing/2014/main" id="{6F601A16-EF4C-4963-9C50-B7ECF9D5FBD8}"/>
+              </a:ext>
+            </a:extLst>
+          </p:cNvPr>
+          <p:cNvSpPr/>
+          <p:nvPr/>
+        </p:nvSpPr>
+        <p:spPr bwMode="auto">
+          <a:xfrm>
+            <a:off x="7253955" y="5654500"/>
+            <a:ext cx="2842522" cy="504056"/>
+          </a:xfrm>
+          <a:prstGeom prst="ellipse">
+            <a:avLst/>
+          </a:prstGeom>
+          <a:solidFill>
+            <a:schemeClr val="bg1"/>
+          </a:solidFill>
+          <a:ln w="9525" cap="flat" cmpd="sng" algn="ctr">
+            <a:solidFill>
+              <a:schemeClr val="tx1"/>
+            </a:solidFill>
+            <a:prstDash val="solid"/>
+            <a:round/>
+            <a:headEnd type="none" w="med" len="med"/>
+            <a:tailEnd type="none" w="med" len="med"/>
+          </a:ln>
+          <a:effectLst/>
+        </p:spPr>
+        <p:txBody>
+          <a:bodyPr rot="0" spcFirstLastPara="0" vertOverflow="overflow" horzOverflow="overflow" vert="horz" wrap="square" lIns="91440" tIns="45720" rIns="91440" bIns="45720" numCol="1" spcCol="0" rtlCol="0" fromWordArt="0" anchor="ctr" anchorCtr="0" forceAA="0" compatLnSpc="1">
+            <a:prstTxWarp prst="textNoShape">
+              <a:avLst/>
+            </a:prstTxWarp>
+            <a:noAutofit/>
+          </a:bodyPr>
+          <a:lstStyle/>
+          <a:p>
+            <a:pPr algn="ctr">
+              <a:buClr>
+                <a:srgbClr val="000000"/>
+              </a:buClr>
+              <a:buSzPct val="100000"/>
+              <a:buFont typeface="Times New Roman" panose="02020603050405020304" pitchFamily="18" charset="0"/>
+              <a:buNone/>
+            </a:pPr>
+            <a:r>
+              <a:rPr lang="fr-CH" sz="1400" dirty="0">
+                <a:solidFill>
+                  <a:schemeClr val="tx1"/>
+                </a:solidFill>
+              </a:rPr>
+              <a:t>Acheter un véhicule</a:t>
+            </a:r>
+          </a:p>
+        </p:txBody>
+      </p:sp>
+      <p:sp>
+        <p:nvSpPr>
+          <p:cNvPr id="32" name="Ellipse 31">
+            <a:extLst>
+              <a:ext uri="{FF2B5EF4-FFF2-40B4-BE49-F238E27FC236}">
+                <a16:creationId xmlns:a16="http://schemas.microsoft.com/office/drawing/2014/main" id="{AACA7896-AFF0-4C3A-900A-112F2FB8F2CF}"/>
+              </a:ext>
+            </a:extLst>
+          </p:cNvPr>
+          <p:cNvSpPr/>
+          <p:nvPr/>
+        </p:nvSpPr>
+        <p:spPr bwMode="auto">
+          <a:xfrm>
+            <a:off x="7837848" y="4701891"/>
+            <a:ext cx="2415792" cy="676792"/>
+          </a:xfrm>
+          <a:prstGeom prst="ellipse">
+            <a:avLst/>
+          </a:prstGeom>
+          <a:solidFill>
+            <a:schemeClr val="bg1"/>
+          </a:solidFill>
+          <a:ln w="9525" cap="flat" cmpd="sng" algn="ctr">
+            <a:solidFill>
+              <a:schemeClr val="tx1"/>
+            </a:solidFill>
+            <a:prstDash val="solid"/>
+            <a:round/>
+            <a:headEnd type="none" w="med" len="med"/>
+            <a:tailEnd type="none" w="med" len="med"/>
+          </a:ln>
+          <a:effectLst/>
+        </p:spPr>
+        <p:txBody>
+          <a:bodyPr rot="0" spcFirstLastPara="0" vertOverflow="overflow" horzOverflow="overflow" vert="horz" wrap="square" lIns="91440" tIns="45720" rIns="91440" bIns="45720" numCol="1" spcCol="0" rtlCol="0" fromWordArt="0" anchor="ctr" anchorCtr="0" forceAA="0" compatLnSpc="1">
+            <a:prstTxWarp prst="textNoShape">
+              <a:avLst/>
+            </a:prstTxWarp>
+            <a:noAutofit/>
+          </a:bodyPr>
+          <a:lstStyle/>
+          <a:p>
+            <a:pPr algn="ctr">
+              <a:buClr>
+                <a:srgbClr val="000000"/>
+              </a:buClr>
+              <a:buSzPct val="100000"/>
+              <a:buFont typeface="Times New Roman" panose="02020603050405020304" pitchFamily="18" charset="0"/>
+              <a:buNone/>
+            </a:pPr>
+            <a:r>
+              <a:rPr lang="fr-CH" sz="1400" dirty="0">
+                <a:solidFill>
+                  <a:schemeClr val="tx1"/>
+                </a:solidFill>
+              </a:rPr>
+              <a:t>Consulter le détail d’un véhicule</a:t>
+            </a:r>
+          </a:p>
+        </p:txBody>
+      </p:sp>
+      <p:cxnSp>
+        <p:nvCxnSpPr>
+          <p:cNvPr id="37" name="Connecteur droit 36">
+            <a:extLst>
+              <a:ext uri="{FF2B5EF4-FFF2-40B4-BE49-F238E27FC236}">
+                <a16:creationId xmlns:a16="http://schemas.microsoft.com/office/drawing/2014/main" id="{9F2943EB-7178-480B-B7B9-18BE3D1D8A3A}"/>
+              </a:ext>
+            </a:extLst>
+          </p:cNvPr>
+          <p:cNvCxnSpPr>
+            <a:endCxn id="31" idx="2"/>
+          </p:cNvCxnSpPr>
+          <p:nvPr/>
+        </p:nvCxnSpPr>
+        <p:spPr bwMode="auto">
+          <a:xfrm>
+            <a:off x="2539432" y="3038839"/>
+            <a:ext cx="4714523" cy="2867689"/>
+          </a:xfrm>
+          <a:prstGeom prst="line">
+            <a:avLst/>
+          </a:prstGeom>
+          <a:solidFill>
+            <a:srgbClr val="00B8FF"/>
+          </a:solidFill>
+          <a:ln w="19050" cap="flat" cmpd="sng" algn="ctr">
+            <a:solidFill>
+              <a:schemeClr val="accent1"/>
+            </a:solidFill>
+            <a:prstDash val="solid"/>
+            <a:round/>
+            <a:headEnd type="none" w="med" len="med"/>
+            <a:tailEnd type="none" w="med" len="med"/>
+          </a:ln>
+          <a:effectLst/>
+          <a:extLst>
+            <a:ext uri="{AF507438-7753-43E0-B8FC-AC1667EBCBE1}">
+              <a14:hiddenEffects xmlns:a14="http://schemas.microsoft.com/office/drawing/2010/main">
+                <a:effectLst>
+                  <a:outerShdw dist="35921" dir="2700000" algn="ctr" rotWithShape="0">
+                    <a:schemeClr val="bg2"/>
+                  </a:outerShdw>
+                </a:effectLst>
+              </a14:hiddenEffects>
+            </a:ext>
+          </a:extLst>
+        </p:spPr>
+      </p:cxnSp>
+      <p:sp>
+        <p:nvSpPr>
+          <p:cNvPr id="23" name="Ellipse 22">
+            <a:extLst>
+              <a:ext uri="{FF2B5EF4-FFF2-40B4-BE49-F238E27FC236}">
+                <a16:creationId xmlns:a16="http://schemas.microsoft.com/office/drawing/2014/main" id="{6E4B0C2E-90EF-4A13-8424-5D2EDBC3F51B}"/>
+              </a:ext>
+            </a:extLst>
+          </p:cNvPr>
+          <p:cNvSpPr/>
+          <p:nvPr/>
+        </p:nvSpPr>
+        <p:spPr bwMode="auto">
+          <a:xfrm>
+            <a:off x="3720214" y="4534086"/>
+            <a:ext cx="3176168" cy="795369"/>
+          </a:xfrm>
+          <a:prstGeom prst="ellipse">
+            <a:avLst/>
+          </a:prstGeom>
+          <a:solidFill>
+            <a:schemeClr val="bg1"/>
+          </a:solidFill>
+          <a:ln w="9525" cap="flat" cmpd="sng" algn="ctr">
+            <a:solidFill>
+              <a:schemeClr val="tx1"/>
+            </a:solidFill>
+            <a:prstDash val="solid"/>
+            <a:round/>
+            <a:headEnd type="none" w="med" len="med"/>
+            <a:tailEnd type="none" w="med" len="med"/>
+          </a:ln>
+          <a:effectLst/>
+        </p:spPr>
+        <p:txBody>
+          <a:bodyPr rot="0" spcFirstLastPara="0" vertOverflow="overflow" horzOverflow="overflow" vert="horz" wrap="square" lIns="91440" tIns="45720" rIns="91440" bIns="45720" numCol="1" spcCol="0" rtlCol="0" fromWordArt="0" anchor="ctr" anchorCtr="0" forceAA="0" compatLnSpc="1">
+            <a:prstTxWarp prst="textNoShape">
+              <a:avLst/>
+            </a:prstTxWarp>
+            <a:noAutofit/>
+          </a:bodyPr>
+          <a:lstStyle/>
+          <a:p>
+            <a:pPr algn="ctr">
+              <a:buClr>
+                <a:srgbClr val="000000"/>
+              </a:buClr>
+              <a:buSzPct val="100000"/>
+              <a:buFont typeface="Times New Roman" panose="02020603050405020304" pitchFamily="18" charset="0"/>
+              <a:buNone/>
+            </a:pPr>
+            <a:r>
+              <a:rPr lang="fr-CH" sz="1400" dirty="0">
+                <a:solidFill>
+                  <a:schemeClr val="tx1"/>
+                </a:solidFill>
+              </a:rPr>
+              <a:t>Afficher les voitures en vente sur la plateforme </a:t>
+            </a:r>
+          </a:p>
+        </p:txBody>
+      </p:sp>
+      <p:cxnSp>
+        <p:nvCxnSpPr>
+          <p:cNvPr id="41" name="Connecteur droit 40">
+            <a:extLst>
+              <a:ext uri="{FF2B5EF4-FFF2-40B4-BE49-F238E27FC236}">
+                <a16:creationId xmlns:a16="http://schemas.microsoft.com/office/drawing/2014/main" id="{32ED7556-A6DA-40C3-B2C9-3F691FE3CE90}"/>
+              </a:ext>
+            </a:extLst>
+          </p:cNvPr>
+          <p:cNvCxnSpPr/>
+          <p:nvPr/>
+        </p:nvCxnSpPr>
+        <p:spPr bwMode="auto">
+          <a:xfrm>
+            <a:off x="2649856" y="2628725"/>
+            <a:ext cx="4912175" cy="1227757"/>
+          </a:xfrm>
+          <a:prstGeom prst="line">
+            <a:avLst/>
+          </a:prstGeom>
+          <a:solidFill>
+            <a:srgbClr val="00B8FF"/>
+          </a:solidFill>
+          <a:ln w="19050" cap="flat" cmpd="sng" algn="ctr">
+            <a:solidFill>
+              <a:schemeClr val="accent1"/>
+            </a:solidFill>
+            <a:prstDash val="solid"/>
+            <a:round/>
+            <a:headEnd type="none" w="med" len="med"/>
+            <a:tailEnd type="none" w="med" len="med"/>
+          </a:ln>
+          <a:effectLst/>
+          <a:extLst>
+            <a:ext uri="{AF507438-7753-43E0-B8FC-AC1667EBCBE1}">
+              <a14:hiddenEffects xmlns:a14="http://schemas.microsoft.com/office/drawing/2010/main">
+                <a:effectLst>
+                  <a:outerShdw dist="35921" dir="2700000" algn="ctr" rotWithShape="0">
+                    <a:schemeClr val="bg2"/>
+                  </a:outerShdw>
+                </a:effectLst>
+              </a14:hiddenEffects>
+            </a:ext>
+          </a:extLst>
+        </p:spPr>
+      </p:cxnSp>
+      <p:cxnSp>
+        <p:nvCxnSpPr>
+          <p:cNvPr id="44" name="Connecteur droit 43">
+            <a:extLst>
+              <a:ext uri="{FF2B5EF4-FFF2-40B4-BE49-F238E27FC236}">
+                <a16:creationId xmlns:a16="http://schemas.microsoft.com/office/drawing/2014/main" id="{C772D282-BFC8-4DBF-B94B-963E18A37D0D}"/>
+              </a:ext>
+            </a:extLst>
+          </p:cNvPr>
+          <p:cNvCxnSpPr/>
+          <p:nvPr/>
+        </p:nvCxnSpPr>
+        <p:spPr bwMode="auto">
+          <a:xfrm>
+            <a:off x="2641920" y="2781880"/>
+            <a:ext cx="6124521" cy="1929154"/>
+          </a:xfrm>
+          <a:prstGeom prst="line">
+            <a:avLst/>
+          </a:prstGeom>
+          <a:solidFill>
+            <a:srgbClr val="00B8FF"/>
+          </a:solidFill>
+          <a:ln w="19050" cap="flat" cmpd="sng" algn="ctr">
+            <a:solidFill>
+              <a:schemeClr val="accent1"/>
+            </a:solidFill>
+            <a:prstDash val="solid"/>
+            <a:round/>
+            <a:headEnd type="none" w="med" len="med"/>
+            <a:tailEnd type="none" w="med" len="med"/>
+          </a:ln>
+          <a:effectLst/>
+          <a:extLst>
+            <a:ext uri="{AF507438-7753-43E0-B8FC-AC1667EBCBE1}">
+              <a14:hiddenEffects xmlns:a14="http://schemas.microsoft.com/office/drawing/2010/main">
+                <a:effectLst>
+                  <a:outerShdw dist="35921" dir="2700000" algn="ctr" rotWithShape="0">
+                    <a:schemeClr val="bg2"/>
+                  </a:outerShdw>
+                </a:effectLst>
+              </a14:hiddenEffects>
+            </a:ext>
+          </a:extLst>
+        </p:spPr>
+      </p:cxnSp>
+      <p:sp>
+        <p:nvSpPr>
+          <p:cNvPr id="24" name="Ellipse 23">
+            <a:extLst>
+              <a:ext uri="{FF2B5EF4-FFF2-40B4-BE49-F238E27FC236}">
+                <a16:creationId xmlns:a16="http://schemas.microsoft.com/office/drawing/2014/main" id="{12BE6E5F-6CB4-46F6-B97E-DF09AF237042}"/>
+              </a:ext>
+            </a:extLst>
+          </p:cNvPr>
+          <p:cNvSpPr/>
+          <p:nvPr/>
+        </p:nvSpPr>
+        <p:spPr bwMode="auto">
+          <a:xfrm>
+            <a:off x="4137743" y="3255480"/>
+            <a:ext cx="3176168" cy="795370"/>
+          </a:xfrm>
+          <a:prstGeom prst="ellipse">
+            <a:avLst/>
+          </a:prstGeom>
+          <a:solidFill>
+            <a:schemeClr val="bg1"/>
+          </a:solidFill>
+          <a:ln w="9525" cap="flat" cmpd="sng" algn="ctr">
+            <a:solidFill>
+              <a:schemeClr val="tx1"/>
+            </a:solidFill>
+            <a:prstDash val="solid"/>
+            <a:round/>
+            <a:headEnd type="none" w="med" len="med"/>
+            <a:tailEnd type="none" w="med" len="med"/>
+          </a:ln>
+          <a:effectLst/>
+        </p:spPr>
+        <p:txBody>
+          <a:bodyPr rot="0" spcFirstLastPara="0" vertOverflow="overflow" horzOverflow="overflow" vert="horz" wrap="square" lIns="91440" tIns="45720" rIns="91440" bIns="45720" numCol="1" spcCol="0" rtlCol="0" fromWordArt="0" anchor="ctr" anchorCtr="0" forceAA="0" compatLnSpc="1">
+            <a:prstTxWarp prst="textNoShape">
+              <a:avLst/>
+            </a:prstTxWarp>
+            <a:noAutofit/>
+          </a:bodyPr>
+          <a:lstStyle/>
+          <a:p>
+            <a:pPr algn="ctr">
+              <a:buClr>
+                <a:srgbClr val="000000"/>
+              </a:buClr>
+              <a:buSzPct val="100000"/>
+              <a:buFont typeface="Times New Roman" panose="02020603050405020304" pitchFamily="18" charset="0"/>
+              <a:buNone/>
+            </a:pPr>
+            <a:r>
+              <a:rPr lang="fr-CH" sz="1400" dirty="0">
+                <a:solidFill>
+                  <a:schemeClr val="tx1"/>
+                </a:solidFill>
+              </a:rPr>
+              <a:t>Afficher les motos en vente sur la plateforme </a:t>
+            </a:r>
+          </a:p>
+        </p:txBody>
+      </p:sp>
+      <p:cxnSp>
+        <p:nvCxnSpPr>
+          <p:cNvPr id="48" name="Connecteur droit 47">
+            <a:extLst>
+              <a:ext uri="{FF2B5EF4-FFF2-40B4-BE49-F238E27FC236}">
+                <a16:creationId xmlns:a16="http://schemas.microsoft.com/office/drawing/2014/main" id="{DD0744D8-1C30-4DC1-9199-F1D3DEB8F2BA}"/>
+              </a:ext>
+            </a:extLst>
+          </p:cNvPr>
+          <p:cNvCxnSpPr>
+            <a:endCxn id="23" idx="1"/>
+          </p:cNvCxnSpPr>
+          <p:nvPr/>
+        </p:nvCxnSpPr>
+        <p:spPr bwMode="auto">
+          <a:xfrm>
+            <a:off x="2278713" y="3142278"/>
+            <a:ext cx="1906640" cy="1508287"/>
+          </a:xfrm>
+          <a:prstGeom prst="line">
+            <a:avLst/>
+          </a:prstGeom>
+          <a:solidFill>
+            <a:srgbClr val="00B8FF"/>
+          </a:solidFill>
+          <a:ln w="19050" cap="flat" cmpd="sng" algn="ctr">
+            <a:solidFill>
+              <a:schemeClr val="accent1"/>
+            </a:solidFill>
+            <a:prstDash val="solid"/>
+            <a:round/>
+            <a:headEnd type="none" w="med" len="med"/>
+            <a:tailEnd type="none" w="med" len="med"/>
+          </a:ln>
+          <a:effectLst/>
+          <a:extLst>
+            <a:ext uri="{AF507438-7753-43E0-B8FC-AC1667EBCBE1}">
+              <a14:hiddenEffects xmlns:a14="http://schemas.microsoft.com/office/drawing/2010/main">
+                <a:effectLst>
+                  <a:outerShdw dist="35921" dir="2700000" algn="ctr" rotWithShape="0">
+                    <a:schemeClr val="bg2"/>
+                  </a:outerShdw>
+                </a:effectLst>
+              </a14:hiddenEffects>
+            </a:ext>
+          </a:extLst>
+        </p:spPr>
+      </p:cxnSp>
+      <p:cxnSp>
+        <p:nvCxnSpPr>
+          <p:cNvPr id="51" name="Connecteur droit 50">
+            <a:extLst>
+              <a:ext uri="{FF2B5EF4-FFF2-40B4-BE49-F238E27FC236}">
+                <a16:creationId xmlns:a16="http://schemas.microsoft.com/office/drawing/2014/main" id="{0705C20C-89EF-4E49-8A62-330FBB3946EB}"/>
+              </a:ext>
+            </a:extLst>
+          </p:cNvPr>
+          <p:cNvCxnSpPr/>
+          <p:nvPr/>
+        </p:nvCxnSpPr>
+        <p:spPr bwMode="auto">
+          <a:xfrm>
+            <a:off x="2554698" y="2925213"/>
+            <a:ext cx="1630655" cy="597537"/>
+          </a:xfrm>
+          <a:prstGeom prst="line">
+            <a:avLst/>
+          </a:prstGeom>
+          <a:solidFill>
+            <a:srgbClr val="00B8FF"/>
+          </a:solidFill>
+          <a:ln w="19050" cap="flat" cmpd="sng" algn="ctr">
+            <a:solidFill>
+              <a:schemeClr val="accent1"/>
+            </a:solidFill>
+            <a:prstDash val="solid"/>
+            <a:round/>
+            <a:headEnd type="none" w="med" len="med"/>
+            <a:tailEnd type="none" w="med" len="med"/>
+          </a:ln>
+          <a:effectLst/>
+          <a:extLst>
+            <a:ext uri="{AF507438-7753-43E0-B8FC-AC1667EBCBE1}">
+              <a14:hiddenEffects xmlns:a14="http://schemas.microsoft.com/office/drawing/2010/main">
+                <a:effectLst>
+                  <a:outerShdw dist="35921" dir="2700000" algn="ctr" rotWithShape="0">
+                    <a:schemeClr val="bg2"/>
+                  </a:outerShdw>
+                </a:effectLst>
+              </a14:hiddenEffects>
+            </a:ext>
+          </a:extLst>
+        </p:spPr>
+      </p:cxnSp>
+    </p:spTree>
+    <p:extLst>
+      <p:ext uri="{BB962C8B-B14F-4D97-AF65-F5344CB8AC3E}">
+        <p14:creationId xmlns:p14="http://schemas.microsoft.com/office/powerpoint/2010/main" val="438029362"/>
+      </p:ext>
+    </p:extLst>
+  </p:cSld>
+  <p:clrMapOvr>
+    <a:masterClrMapping/>
+  </p:clrMapOvr>
+  <p:timing>
+    <p:tnLst>
+      <p:par>
+        <p:cTn id="1" dur="indefinite" restart="never" nodeType="tmRoot">
+          <p:childTnLst>
+            <p:seq concurrent="1" nextAc="seek">
+              <p:cTn id="2" dur="indefinite" nodeType="mainSeq">
+                <p:childTnLst>
+                  <p:par>
+                    <p:cTn id="3" fill="hold">
+                      <p:stCondLst>
+                        <p:cond delay="indefinite"/>
+                      </p:stCondLst>
+                      <p:childTnLst>
+                        <p:par>
+                          <p:cTn id="4" fill="hold">
+                            <p:stCondLst>
+                              <p:cond delay="0"/>
+                            </p:stCondLst>
+                            <p:childTnLst>
+                              <p:par>
+                                <p:cTn id="5" presetID="42" presetClass="entr" presetSubtype="0" fill="hold" grpId="0" nodeType="clickEffect">
+                                  <p:stCondLst>
+                                    <p:cond delay="0"/>
+                                  </p:stCondLst>
+                                  <p:childTnLst>
+                                    <p:set>
+                                      <p:cBhvr>
+                                        <p:cTn id="6" dur="1" fill="hold">
+                                          <p:stCondLst>
+                                            <p:cond delay="0"/>
+                                          </p:stCondLst>
+                                        </p:cTn>
+                                        <p:tgtEl>
+                                          <p:spTgt spid="8"/>
+                                        </p:tgtEl>
+                                        <p:attrNameLst>
+                                          <p:attrName>style.visibility</p:attrName>
+                                        </p:attrNameLst>
+                                      </p:cBhvr>
+                                      <p:to>
+                                        <p:strVal val="visible"/>
+                                      </p:to>
+                                    </p:set>
+                                    <p:animEffect transition="in" filter="fade">
+                                      <p:cBhvr>
+                                        <p:cTn id="7" dur="1000"/>
+                                        <p:tgtEl>
+                                          <p:spTgt spid="8"/>
+                                        </p:tgtEl>
+                                      </p:cBhvr>
+                                    </p:animEffect>
+                                    <p:anim calcmode="lin" valueType="num">
+                                      <p:cBhvr>
+                                        <p:cTn id="8" dur="1000" fill="hold"/>
+                                        <p:tgtEl>
+                                          <p:spTgt spid="8"/>
+                                        </p:tgtEl>
+                                        <p:attrNameLst>
+                                          <p:attrName>ppt_x</p:attrName>
+                                        </p:attrNameLst>
+                                      </p:cBhvr>
+                                      <p:tavLst>
+                                        <p:tav tm="0">
+                                          <p:val>
+                                            <p:strVal val="#ppt_x"/>
+                                          </p:val>
+                                        </p:tav>
+                                        <p:tav tm="100000">
+                                          <p:val>
+                                            <p:strVal val="#ppt_x"/>
+                                          </p:val>
+                                        </p:tav>
+                                      </p:tavLst>
+                                    </p:anim>
+                                    <p:anim calcmode="lin" valueType="num">
+                                      <p:cBhvr>
+                                        <p:cTn id="9" dur="1000" fill="hold"/>
+                                        <p:tgtEl>
+                                          <p:spTgt spid="8"/>
+                                        </p:tgtEl>
+                                        <p:attrNameLst>
+                                          <p:attrName>ppt_y</p:attrName>
+                                        </p:attrNameLst>
+                                      </p:cBhvr>
+                                      <p:tavLst>
+                                        <p:tav tm="0">
+                                          <p:val>
+                                            <p:strVal val="#ppt_y+.1"/>
+                                          </p:val>
+                                        </p:tav>
+                                        <p:tav tm="100000">
+                                          <p:val>
+                                            <p:strVal val="#ppt_y"/>
+                                          </p:val>
+                                        </p:tav>
+                                      </p:tavLst>
+                                    </p:anim>
+                                  </p:childTnLst>
+                                </p:cTn>
+                              </p:par>
+                            </p:childTnLst>
+                          </p:cTn>
+                        </p:par>
+                      </p:childTnLst>
+                    </p:cTn>
+                  </p:par>
+                  <p:par>
+                    <p:cTn id="10" fill="hold">
+                      <p:stCondLst>
+                        <p:cond delay="indefinite"/>
+                      </p:stCondLst>
+                      <p:childTnLst>
+                        <p:par>
+                          <p:cTn id="11" fill="hold">
+                            <p:stCondLst>
+                              <p:cond delay="0"/>
+                            </p:stCondLst>
+                            <p:childTnLst>
+                              <p:par>
+                                <p:cTn id="12" presetID="42" presetClass="entr" presetSubtype="0" fill="hold" nodeType="clickEffect">
+                                  <p:stCondLst>
+                                    <p:cond delay="0"/>
+                                  </p:stCondLst>
+                                  <p:childTnLst>
+                                    <p:set>
+                                      <p:cBhvr>
+                                        <p:cTn id="13" dur="1" fill="hold">
+                                          <p:stCondLst>
+                                            <p:cond delay="0"/>
+                                          </p:stCondLst>
+                                        </p:cTn>
+                                        <p:tgtEl>
+                                          <p:spTgt spid="7"/>
+                                        </p:tgtEl>
+                                        <p:attrNameLst>
+                                          <p:attrName>style.visibility</p:attrName>
+                                        </p:attrNameLst>
+                                      </p:cBhvr>
+                                      <p:to>
+                                        <p:strVal val="visible"/>
+                                      </p:to>
+                                    </p:set>
+                                    <p:animEffect transition="in" filter="fade">
+                                      <p:cBhvr>
+                                        <p:cTn id="14" dur="1000"/>
+                                        <p:tgtEl>
+                                          <p:spTgt spid="7"/>
+                                        </p:tgtEl>
+                                      </p:cBhvr>
+                                    </p:animEffect>
+                                    <p:anim calcmode="lin" valueType="num">
+                                      <p:cBhvr>
+                                        <p:cTn id="15" dur="1000" fill="hold"/>
+                                        <p:tgtEl>
+                                          <p:spTgt spid="7"/>
+                                        </p:tgtEl>
+                                        <p:attrNameLst>
+                                          <p:attrName>ppt_x</p:attrName>
+                                        </p:attrNameLst>
+                                      </p:cBhvr>
+                                      <p:tavLst>
+                                        <p:tav tm="0">
+                                          <p:val>
+                                            <p:strVal val="#ppt_x"/>
+                                          </p:val>
+                                        </p:tav>
+                                        <p:tav tm="100000">
+                                          <p:val>
+                                            <p:strVal val="#ppt_x"/>
+                                          </p:val>
+                                        </p:tav>
+                                      </p:tavLst>
+                                    </p:anim>
+                                    <p:anim calcmode="lin" valueType="num">
+                                      <p:cBhvr>
+                                        <p:cTn id="16" dur="1000" fill="hold"/>
+                                        <p:tgtEl>
+                                          <p:spTgt spid="7"/>
+                                        </p:tgtEl>
+                                        <p:attrNameLst>
+                                          <p:attrName>ppt_y</p:attrName>
+                                        </p:attrNameLst>
+                                      </p:cBhvr>
+                                      <p:tavLst>
+                                        <p:tav tm="0">
+                                          <p:val>
+                                            <p:strVal val="#ppt_y+.1"/>
+                                          </p:val>
+                                        </p:tav>
+                                        <p:tav tm="100000">
+                                          <p:val>
+                                            <p:strVal val="#ppt_y"/>
+                                          </p:val>
+                                        </p:tav>
+                                      </p:tavLst>
+                                    </p:anim>
+                                  </p:childTnLst>
+                                </p:cTn>
+                              </p:par>
+                              <p:par>
+                                <p:cTn id="17" presetID="42" presetClass="entr" presetSubtype="0" fill="hold" grpId="0" nodeType="withEffect">
+                                  <p:stCondLst>
+                                    <p:cond delay="0"/>
+                                  </p:stCondLst>
+                                  <p:childTnLst>
+                                    <p:set>
+                                      <p:cBhvr>
+                                        <p:cTn id="18" dur="1" fill="hold">
+                                          <p:stCondLst>
+                                            <p:cond delay="0"/>
+                                          </p:stCondLst>
+                                        </p:cTn>
+                                        <p:tgtEl>
+                                          <p:spTgt spid="9"/>
+                                        </p:tgtEl>
+                                        <p:attrNameLst>
+                                          <p:attrName>style.visibility</p:attrName>
+                                        </p:attrNameLst>
+                                      </p:cBhvr>
+                                      <p:to>
+                                        <p:strVal val="visible"/>
+                                      </p:to>
+                                    </p:set>
+                                    <p:animEffect transition="in" filter="fade">
+                                      <p:cBhvr>
+                                        <p:cTn id="19" dur="1000"/>
+                                        <p:tgtEl>
+                                          <p:spTgt spid="9"/>
+                                        </p:tgtEl>
+                                      </p:cBhvr>
+                                    </p:animEffect>
+                                    <p:anim calcmode="lin" valueType="num">
+                                      <p:cBhvr>
+                                        <p:cTn id="20" dur="1000" fill="hold"/>
+                                        <p:tgtEl>
+                                          <p:spTgt spid="9"/>
+                                        </p:tgtEl>
+                                        <p:attrNameLst>
+                                          <p:attrName>ppt_x</p:attrName>
+                                        </p:attrNameLst>
+                                      </p:cBhvr>
+                                      <p:tavLst>
+                                        <p:tav tm="0">
+                                          <p:val>
+                                            <p:strVal val="#ppt_x"/>
+                                          </p:val>
+                                        </p:tav>
+                                        <p:tav tm="100000">
+                                          <p:val>
+                                            <p:strVal val="#ppt_x"/>
+                                          </p:val>
+                                        </p:tav>
+                                      </p:tavLst>
+                                    </p:anim>
+                                    <p:anim calcmode="lin" valueType="num">
+                                      <p:cBhvr>
+                                        <p:cTn id="21" dur="1000" fill="hold"/>
+                                        <p:tgtEl>
+                                          <p:spTgt spid="9"/>
+                                        </p:tgtEl>
+                                        <p:attrNameLst>
+                                          <p:attrName>ppt_y</p:attrName>
+                                        </p:attrNameLst>
+                                      </p:cBhvr>
+                                      <p:tavLst>
+                                        <p:tav tm="0">
+                                          <p:val>
+                                            <p:strVal val="#ppt_y+.1"/>
+                                          </p:val>
+                                        </p:tav>
+                                        <p:tav tm="100000">
+                                          <p:val>
+                                            <p:strVal val="#ppt_y"/>
+                                          </p:val>
+                                        </p:tav>
+                                      </p:tavLst>
+                                    </p:anim>
+                                  </p:childTnLst>
+                                </p:cTn>
+                              </p:par>
+                            </p:childTnLst>
+                          </p:cTn>
+                        </p:par>
+                      </p:childTnLst>
+                    </p:cTn>
+                  </p:par>
+                  <p:par>
+                    <p:cTn id="22" fill="hold">
+                      <p:stCondLst>
+                        <p:cond delay="indefinite"/>
+                      </p:stCondLst>
+                      <p:childTnLst>
+                        <p:par>
+                          <p:cTn id="23" fill="hold">
+                            <p:stCondLst>
+                              <p:cond delay="0"/>
+                            </p:stCondLst>
+                            <p:childTnLst>
+                              <p:par>
+                                <p:cTn id="24" presetID="42" presetClass="entr" presetSubtype="0" fill="hold" grpId="0" nodeType="clickEffect">
+                                  <p:stCondLst>
+                                    <p:cond delay="0"/>
+                                  </p:stCondLst>
+                                  <p:childTnLst>
+                                    <p:set>
+                                      <p:cBhvr>
+                                        <p:cTn id="25" dur="1" fill="hold">
+                                          <p:stCondLst>
+                                            <p:cond delay="0"/>
+                                          </p:stCondLst>
+                                        </p:cTn>
+                                        <p:tgtEl>
+                                          <p:spTgt spid="10"/>
+                                        </p:tgtEl>
+                                        <p:attrNameLst>
+                                          <p:attrName>style.visibility</p:attrName>
+                                        </p:attrNameLst>
+                                      </p:cBhvr>
+                                      <p:to>
+                                        <p:strVal val="visible"/>
+                                      </p:to>
+                                    </p:set>
+                                    <p:animEffect transition="in" filter="fade">
+                                      <p:cBhvr>
+                                        <p:cTn id="26" dur="1000"/>
+                                        <p:tgtEl>
+                                          <p:spTgt spid="10"/>
+                                        </p:tgtEl>
+                                      </p:cBhvr>
+                                    </p:animEffect>
+                                    <p:anim calcmode="lin" valueType="num">
+                                      <p:cBhvr>
+                                        <p:cTn id="27" dur="1000" fill="hold"/>
+                                        <p:tgtEl>
+                                          <p:spTgt spid="10"/>
+                                        </p:tgtEl>
+                                        <p:attrNameLst>
+                                          <p:attrName>ppt_x</p:attrName>
+                                        </p:attrNameLst>
+                                      </p:cBhvr>
+                                      <p:tavLst>
+                                        <p:tav tm="0">
+                                          <p:val>
+                                            <p:strVal val="#ppt_x"/>
+                                          </p:val>
+                                        </p:tav>
+                                        <p:tav tm="100000">
+                                          <p:val>
+                                            <p:strVal val="#ppt_x"/>
+                                          </p:val>
+                                        </p:tav>
+                                      </p:tavLst>
+                                    </p:anim>
+                                    <p:anim calcmode="lin" valueType="num">
+                                      <p:cBhvr>
+                                        <p:cTn id="28" dur="1000" fill="hold"/>
+                                        <p:tgtEl>
+                                          <p:spTgt spid="10"/>
+                                        </p:tgtEl>
+                                        <p:attrNameLst>
+                                          <p:attrName>ppt_y</p:attrName>
+                                        </p:attrNameLst>
+                                      </p:cBhvr>
+                                      <p:tavLst>
+                                        <p:tav tm="0">
+                                          <p:val>
+                                            <p:strVal val="#ppt_y+.1"/>
+                                          </p:val>
+                                        </p:tav>
+                                        <p:tav tm="100000">
+                                          <p:val>
+                                            <p:strVal val="#ppt_y"/>
+                                          </p:val>
+                                        </p:tav>
+                                      </p:tavLst>
+                                    </p:anim>
+                                  </p:childTnLst>
+                                </p:cTn>
+                              </p:par>
+                              <p:par>
+                                <p:cTn id="29" presetID="42" presetClass="entr" presetSubtype="0" fill="hold" nodeType="withEffect">
+                                  <p:stCondLst>
+                                    <p:cond delay="0"/>
+                                  </p:stCondLst>
+                                  <p:childTnLst>
+                                    <p:set>
+                                      <p:cBhvr>
+                                        <p:cTn id="30" dur="1" fill="hold">
+                                          <p:stCondLst>
+                                            <p:cond delay="0"/>
+                                          </p:stCondLst>
+                                        </p:cTn>
+                                        <p:tgtEl>
+                                          <p:spTgt spid="5"/>
+                                        </p:tgtEl>
+                                        <p:attrNameLst>
+                                          <p:attrName>style.visibility</p:attrName>
+                                        </p:attrNameLst>
+                                      </p:cBhvr>
+                                      <p:to>
+                                        <p:strVal val="visible"/>
+                                      </p:to>
+                                    </p:set>
+                                    <p:animEffect transition="in" filter="fade">
+                                      <p:cBhvr>
+                                        <p:cTn id="31" dur="1000"/>
+                                        <p:tgtEl>
+                                          <p:spTgt spid="5"/>
+                                        </p:tgtEl>
+                                      </p:cBhvr>
+                                    </p:animEffect>
+                                    <p:anim calcmode="lin" valueType="num">
+                                      <p:cBhvr>
+                                        <p:cTn id="32" dur="1000" fill="hold"/>
+                                        <p:tgtEl>
+                                          <p:spTgt spid="5"/>
+                                        </p:tgtEl>
+                                        <p:attrNameLst>
+                                          <p:attrName>ppt_x</p:attrName>
+                                        </p:attrNameLst>
+                                      </p:cBhvr>
+                                      <p:tavLst>
+                                        <p:tav tm="0">
+                                          <p:val>
+                                            <p:strVal val="#ppt_x"/>
+                                          </p:val>
+                                        </p:tav>
+                                        <p:tav tm="100000">
+                                          <p:val>
+                                            <p:strVal val="#ppt_x"/>
+                                          </p:val>
+                                        </p:tav>
+                                      </p:tavLst>
+                                    </p:anim>
+                                    <p:anim calcmode="lin" valueType="num">
+                                      <p:cBhvr>
+                                        <p:cTn id="33" dur="1000" fill="hold"/>
+                                        <p:tgtEl>
+                                          <p:spTgt spid="5"/>
+                                        </p:tgtEl>
+                                        <p:attrNameLst>
+                                          <p:attrName>ppt_y</p:attrName>
+                                        </p:attrNameLst>
+                                      </p:cBhvr>
+                                      <p:tavLst>
+                                        <p:tav tm="0">
+                                          <p:val>
+                                            <p:strVal val="#ppt_y+.1"/>
+                                          </p:val>
+                                        </p:tav>
+                                        <p:tav tm="100000">
+                                          <p:val>
+                                            <p:strVal val="#ppt_y"/>
+                                          </p:val>
+                                        </p:tav>
+                                      </p:tavLst>
+                                    </p:anim>
+                                  </p:childTnLst>
+                                </p:cTn>
+                              </p:par>
+                            </p:childTnLst>
+                          </p:cTn>
+                        </p:par>
+                      </p:childTnLst>
+                    </p:cTn>
+                  </p:par>
+                  <p:par>
+                    <p:cTn id="34" fill="hold">
+                      <p:stCondLst>
+                        <p:cond delay="indefinite"/>
+                      </p:stCondLst>
+                      <p:childTnLst>
+                        <p:par>
+                          <p:cTn id="35" fill="hold">
+                            <p:stCondLst>
+                              <p:cond delay="0"/>
+                            </p:stCondLst>
+                            <p:childTnLst>
+                              <p:par>
+                                <p:cTn id="36" presetID="22" presetClass="entr" presetSubtype="4" fill="hold" nodeType="clickEffect">
+                                  <p:stCondLst>
+                                    <p:cond delay="0"/>
+                                  </p:stCondLst>
+                                  <p:childTnLst>
+                                    <p:set>
+                                      <p:cBhvr>
+                                        <p:cTn id="37" dur="1" fill="hold">
+                                          <p:stCondLst>
+                                            <p:cond delay="0"/>
+                                          </p:stCondLst>
+                                        </p:cTn>
+                                        <p:tgtEl>
+                                          <p:spTgt spid="17"/>
+                                        </p:tgtEl>
+                                        <p:attrNameLst>
+                                          <p:attrName>style.visibility</p:attrName>
+                                        </p:attrNameLst>
+                                      </p:cBhvr>
+                                      <p:to>
+                                        <p:strVal val="visible"/>
+                                      </p:to>
+                                    </p:set>
+                                    <p:animEffect transition="in" filter="wipe(down)">
+                                      <p:cBhvr>
+                                        <p:cTn id="38" dur="500"/>
+                                        <p:tgtEl>
+                                          <p:spTgt spid="17"/>
+                                        </p:tgtEl>
+                                      </p:cBhvr>
+                                    </p:animEffect>
+                                  </p:childTnLst>
+                                </p:cTn>
+                              </p:par>
+                              <p:par>
+                                <p:cTn id="39" presetID="22" presetClass="entr" presetSubtype="4" fill="hold" grpId="0" nodeType="withEffect">
+                                  <p:stCondLst>
+                                    <p:cond delay="0"/>
+                                  </p:stCondLst>
+                                  <p:childTnLst>
+                                    <p:set>
+                                      <p:cBhvr>
+                                        <p:cTn id="40" dur="1" fill="hold">
+                                          <p:stCondLst>
+                                            <p:cond delay="0"/>
+                                          </p:stCondLst>
+                                        </p:cTn>
+                                        <p:tgtEl>
+                                          <p:spTgt spid="16"/>
+                                        </p:tgtEl>
+                                        <p:attrNameLst>
+                                          <p:attrName>style.visibility</p:attrName>
+                                        </p:attrNameLst>
+                                      </p:cBhvr>
+                                      <p:to>
+                                        <p:strVal val="visible"/>
+                                      </p:to>
+                                    </p:set>
+                                    <p:animEffect transition="in" filter="wipe(down)">
+                                      <p:cBhvr>
+                                        <p:cTn id="41" dur="500"/>
+                                        <p:tgtEl>
+                                          <p:spTgt spid="16"/>
+                                        </p:tgtEl>
+                                      </p:cBhvr>
+                                    </p:animEffect>
+                                  </p:childTnLst>
+                                </p:cTn>
+                              </p:par>
+                            </p:childTnLst>
+                          </p:cTn>
+                        </p:par>
+                      </p:childTnLst>
+                    </p:cTn>
+                  </p:par>
+                  <p:par>
+                    <p:cTn id="42" fill="hold">
+                      <p:stCondLst>
+                        <p:cond delay="indefinite"/>
+                      </p:stCondLst>
+                      <p:childTnLst>
+                        <p:par>
+                          <p:cTn id="43" fill="hold">
+                            <p:stCondLst>
+                              <p:cond delay="0"/>
+                            </p:stCondLst>
+                            <p:childTnLst>
+                              <p:par>
+                                <p:cTn id="44" presetID="22" presetClass="entr" presetSubtype="4" fill="hold" nodeType="clickEffect">
+                                  <p:stCondLst>
+                                    <p:cond delay="0"/>
+                                  </p:stCondLst>
+                                  <p:childTnLst>
+                                    <p:set>
+                                      <p:cBhvr>
+                                        <p:cTn id="45" dur="1" fill="hold">
+                                          <p:stCondLst>
+                                            <p:cond delay="0"/>
+                                          </p:stCondLst>
+                                        </p:cTn>
+                                        <p:tgtEl>
+                                          <p:spTgt spid="26"/>
+                                        </p:tgtEl>
+                                        <p:attrNameLst>
+                                          <p:attrName>style.visibility</p:attrName>
+                                        </p:attrNameLst>
+                                      </p:cBhvr>
+                                      <p:to>
+                                        <p:strVal val="visible"/>
+                                      </p:to>
+                                    </p:set>
+                                    <p:animEffect transition="in" filter="wipe(down)">
+                                      <p:cBhvr>
+                                        <p:cTn id="46" dur="500"/>
+                                        <p:tgtEl>
+                                          <p:spTgt spid="26"/>
+                                        </p:tgtEl>
+                                      </p:cBhvr>
+                                    </p:animEffect>
+                                  </p:childTnLst>
+                                </p:cTn>
+                              </p:par>
+                              <p:par>
+                                <p:cTn id="47" presetID="22" presetClass="entr" presetSubtype="4" fill="hold" grpId="0" nodeType="withEffect">
+                                  <p:stCondLst>
+                                    <p:cond delay="0"/>
+                                  </p:stCondLst>
+                                  <p:childTnLst>
+                                    <p:set>
+                                      <p:cBhvr>
+                                        <p:cTn id="48" dur="1" fill="hold">
+                                          <p:stCondLst>
+                                            <p:cond delay="0"/>
+                                          </p:stCondLst>
+                                        </p:cTn>
+                                        <p:tgtEl>
+                                          <p:spTgt spid="21"/>
+                                        </p:tgtEl>
+                                        <p:attrNameLst>
+                                          <p:attrName>style.visibility</p:attrName>
+                                        </p:attrNameLst>
+                                      </p:cBhvr>
+                                      <p:to>
+                                        <p:strVal val="visible"/>
+                                      </p:to>
+                                    </p:set>
+                                    <p:animEffect transition="in" filter="wipe(down)">
+                                      <p:cBhvr>
+                                        <p:cTn id="49" dur="500"/>
+                                        <p:tgtEl>
+                                          <p:spTgt spid="21"/>
+                                        </p:tgtEl>
+                                      </p:cBhvr>
+                                    </p:animEffect>
+                                  </p:childTnLst>
+                                </p:cTn>
+                              </p:par>
+                            </p:childTnLst>
+                          </p:cTn>
+                        </p:par>
+                      </p:childTnLst>
+                    </p:cTn>
+                  </p:par>
+                  <p:par>
+                    <p:cTn id="50" fill="hold">
+                      <p:stCondLst>
+                        <p:cond delay="indefinite"/>
+                      </p:stCondLst>
+                      <p:childTnLst>
+                        <p:par>
+                          <p:cTn id="51" fill="hold">
+                            <p:stCondLst>
+                              <p:cond delay="0"/>
+                            </p:stCondLst>
+                            <p:childTnLst>
+                              <p:par>
+                                <p:cTn id="52" presetID="22" presetClass="entr" presetSubtype="4" fill="hold" nodeType="clickEffect">
+                                  <p:stCondLst>
+                                    <p:cond delay="0"/>
+                                  </p:stCondLst>
+                                  <p:childTnLst>
+                                    <p:set>
+                                      <p:cBhvr>
+                                        <p:cTn id="53" dur="1" fill="hold">
+                                          <p:stCondLst>
+                                            <p:cond delay="0"/>
+                                          </p:stCondLst>
+                                        </p:cTn>
+                                        <p:tgtEl>
+                                          <p:spTgt spid="28"/>
+                                        </p:tgtEl>
+                                        <p:attrNameLst>
+                                          <p:attrName>style.visibility</p:attrName>
+                                        </p:attrNameLst>
+                                      </p:cBhvr>
+                                      <p:to>
+                                        <p:strVal val="visible"/>
+                                      </p:to>
+                                    </p:set>
+                                    <p:animEffect transition="in" filter="wipe(down)">
+                                      <p:cBhvr>
+                                        <p:cTn id="54" dur="500"/>
+                                        <p:tgtEl>
+                                          <p:spTgt spid="28"/>
+                                        </p:tgtEl>
+                                      </p:cBhvr>
+                                    </p:animEffect>
+                                  </p:childTnLst>
+                                </p:cTn>
+                              </p:par>
+                              <p:par>
+                                <p:cTn id="55" presetID="22" presetClass="entr" presetSubtype="4" fill="hold" grpId="0" nodeType="withEffect">
+                                  <p:stCondLst>
+                                    <p:cond delay="0"/>
+                                  </p:stCondLst>
+                                  <p:childTnLst>
+                                    <p:set>
+                                      <p:cBhvr>
+                                        <p:cTn id="56" dur="1" fill="hold">
+                                          <p:stCondLst>
+                                            <p:cond delay="0"/>
+                                          </p:stCondLst>
+                                        </p:cTn>
+                                        <p:tgtEl>
+                                          <p:spTgt spid="22"/>
+                                        </p:tgtEl>
+                                        <p:attrNameLst>
+                                          <p:attrName>style.visibility</p:attrName>
+                                        </p:attrNameLst>
+                                      </p:cBhvr>
+                                      <p:to>
+                                        <p:strVal val="visible"/>
+                                      </p:to>
+                                    </p:set>
+                                    <p:animEffect transition="in" filter="wipe(down)">
+                                      <p:cBhvr>
+                                        <p:cTn id="57" dur="500"/>
+                                        <p:tgtEl>
+                                          <p:spTgt spid="22"/>
+                                        </p:tgtEl>
+                                      </p:cBhvr>
+                                    </p:animEffect>
+                                  </p:childTnLst>
+                                </p:cTn>
+                              </p:par>
+                            </p:childTnLst>
+                          </p:cTn>
+                        </p:par>
+                      </p:childTnLst>
+                    </p:cTn>
+                  </p:par>
+                  <p:par>
+                    <p:cTn id="58" fill="hold">
+                      <p:stCondLst>
+                        <p:cond delay="indefinite"/>
+                      </p:stCondLst>
+                      <p:childTnLst>
+                        <p:par>
+                          <p:cTn id="59" fill="hold">
+                            <p:stCondLst>
+                              <p:cond delay="0"/>
+                            </p:stCondLst>
+                            <p:childTnLst>
+                              <p:par>
+                                <p:cTn id="60" presetID="22" presetClass="entr" presetSubtype="4" fill="hold" grpId="0" nodeType="clickEffect">
+                                  <p:stCondLst>
+                                    <p:cond delay="0"/>
+                                  </p:stCondLst>
+                                  <p:childTnLst>
+                                    <p:set>
+                                      <p:cBhvr>
+                                        <p:cTn id="61" dur="1" fill="hold">
+                                          <p:stCondLst>
+                                            <p:cond delay="0"/>
+                                          </p:stCondLst>
+                                        </p:cTn>
+                                        <p:tgtEl>
+                                          <p:spTgt spid="11"/>
+                                        </p:tgtEl>
+                                        <p:attrNameLst>
+                                          <p:attrName>style.visibility</p:attrName>
+                                        </p:attrNameLst>
+                                      </p:cBhvr>
+                                      <p:to>
+                                        <p:strVal val="visible"/>
+                                      </p:to>
+                                    </p:set>
+                                    <p:animEffect transition="in" filter="wipe(down)">
+                                      <p:cBhvr>
+                                        <p:cTn id="62" dur="500"/>
+                                        <p:tgtEl>
+                                          <p:spTgt spid="11"/>
+                                        </p:tgtEl>
+                                      </p:cBhvr>
+                                    </p:animEffect>
+                                  </p:childTnLst>
+                                </p:cTn>
+                              </p:par>
+                              <p:par>
+                                <p:cTn id="63" presetID="22" presetClass="entr" presetSubtype="4" fill="hold" nodeType="withEffect">
+                                  <p:stCondLst>
+                                    <p:cond delay="0"/>
+                                  </p:stCondLst>
+                                  <p:childTnLst>
+                                    <p:set>
+                                      <p:cBhvr>
+                                        <p:cTn id="64" dur="1" fill="hold">
+                                          <p:stCondLst>
+                                            <p:cond delay="0"/>
+                                          </p:stCondLst>
+                                        </p:cTn>
+                                        <p:tgtEl>
+                                          <p:spTgt spid="13"/>
+                                        </p:tgtEl>
+                                        <p:attrNameLst>
+                                          <p:attrName>style.visibility</p:attrName>
+                                        </p:attrNameLst>
+                                      </p:cBhvr>
+                                      <p:to>
+                                        <p:strVal val="visible"/>
+                                      </p:to>
+                                    </p:set>
+                                    <p:animEffect transition="in" filter="wipe(down)">
+                                      <p:cBhvr>
+                                        <p:cTn id="65" dur="500"/>
+                                        <p:tgtEl>
+                                          <p:spTgt spid="13"/>
+                                        </p:tgtEl>
+                                      </p:cBhvr>
+                                    </p:animEffect>
+                                  </p:childTnLst>
+                                </p:cTn>
+                              </p:par>
+                            </p:childTnLst>
+                          </p:cTn>
+                        </p:par>
+                      </p:childTnLst>
+                    </p:cTn>
+                  </p:par>
+                  <p:par>
+                    <p:cTn id="66" fill="hold">
+                      <p:stCondLst>
+                        <p:cond delay="indefinite"/>
+                      </p:stCondLst>
+                      <p:childTnLst>
+                        <p:par>
+                          <p:cTn id="67" fill="hold">
+                            <p:stCondLst>
+                              <p:cond delay="0"/>
+                            </p:stCondLst>
+                            <p:childTnLst>
+                              <p:par>
+                                <p:cTn id="68" presetID="22" presetClass="entr" presetSubtype="4" fill="hold" grpId="0" nodeType="clickEffect">
+                                  <p:stCondLst>
+                                    <p:cond delay="0"/>
+                                  </p:stCondLst>
+                                  <p:childTnLst>
+                                    <p:set>
+                                      <p:cBhvr>
+                                        <p:cTn id="69" dur="1" fill="hold">
+                                          <p:stCondLst>
+                                            <p:cond delay="0"/>
+                                          </p:stCondLst>
+                                        </p:cTn>
+                                        <p:tgtEl>
+                                          <p:spTgt spid="25"/>
+                                        </p:tgtEl>
+                                        <p:attrNameLst>
+                                          <p:attrName>style.visibility</p:attrName>
+                                        </p:attrNameLst>
+                                      </p:cBhvr>
+                                      <p:to>
+                                        <p:strVal val="visible"/>
+                                      </p:to>
+                                    </p:set>
+                                    <p:animEffect transition="in" filter="wipe(down)">
+                                      <p:cBhvr>
+                                        <p:cTn id="70" dur="500"/>
+                                        <p:tgtEl>
+                                          <p:spTgt spid="25"/>
+                                        </p:tgtEl>
+                                      </p:cBhvr>
+                                    </p:animEffect>
+                                  </p:childTnLst>
+                                </p:cTn>
+                              </p:par>
+                              <p:par>
+                                <p:cTn id="71" presetID="22" presetClass="entr" presetSubtype="4" fill="hold" nodeType="withEffect">
+                                  <p:stCondLst>
+                                    <p:cond delay="0"/>
+                                  </p:stCondLst>
+                                  <p:childTnLst>
+                                    <p:set>
+                                      <p:cBhvr>
+                                        <p:cTn id="72" dur="1" fill="hold">
+                                          <p:stCondLst>
+                                            <p:cond delay="0"/>
+                                          </p:stCondLst>
+                                        </p:cTn>
+                                        <p:tgtEl>
+                                          <p:spTgt spid="41"/>
+                                        </p:tgtEl>
+                                        <p:attrNameLst>
+                                          <p:attrName>style.visibility</p:attrName>
+                                        </p:attrNameLst>
+                                      </p:cBhvr>
+                                      <p:to>
+                                        <p:strVal val="visible"/>
+                                      </p:to>
+                                    </p:set>
+                                    <p:animEffect transition="in" filter="wipe(down)">
+                                      <p:cBhvr>
+                                        <p:cTn id="73" dur="500"/>
+                                        <p:tgtEl>
+                                          <p:spTgt spid="41"/>
+                                        </p:tgtEl>
+                                      </p:cBhvr>
+                                    </p:animEffect>
+                                  </p:childTnLst>
+                                </p:cTn>
+                              </p:par>
+                            </p:childTnLst>
+                          </p:cTn>
+                        </p:par>
+                      </p:childTnLst>
+                    </p:cTn>
+                  </p:par>
+                  <p:par>
+                    <p:cTn id="74" fill="hold">
+                      <p:stCondLst>
+                        <p:cond delay="indefinite"/>
+                      </p:stCondLst>
+                      <p:childTnLst>
+                        <p:par>
+                          <p:cTn id="75" fill="hold">
+                            <p:stCondLst>
+                              <p:cond delay="0"/>
+                            </p:stCondLst>
+                            <p:childTnLst>
+                              <p:par>
+                                <p:cTn id="76" presetID="22" presetClass="entr" presetSubtype="4" fill="hold" grpId="0" nodeType="clickEffect">
+                                  <p:stCondLst>
+                                    <p:cond delay="0"/>
+                                  </p:stCondLst>
+                                  <p:childTnLst>
+                                    <p:set>
+                                      <p:cBhvr>
+                                        <p:cTn id="77" dur="1" fill="hold">
+                                          <p:stCondLst>
+                                            <p:cond delay="0"/>
+                                          </p:stCondLst>
+                                        </p:cTn>
+                                        <p:tgtEl>
+                                          <p:spTgt spid="23"/>
+                                        </p:tgtEl>
+                                        <p:attrNameLst>
+                                          <p:attrName>style.visibility</p:attrName>
+                                        </p:attrNameLst>
+                                      </p:cBhvr>
+                                      <p:to>
+                                        <p:strVal val="visible"/>
+                                      </p:to>
+                                    </p:set>
+                                    <p:animEffect transition="in" filter="wipe(down)">
+                                      <p:cBhvr>
+                                        <p:cTn id="78" dur="500"/>
+                                        <p:tgtEl>
+                                          <p:spTgt spid="23"/>
+                                        </p:tgtEl>
+                                      </p:cBhvr>
+                                    </p:animEffect>
+                                  </p:childTnLst>
+                                </p:cTn>
+                              </p:par>
+                              <p:par>
+                                <p:cTn id="79" presetID="22" presetClass="entr" presetSubtype="4" fill="hold" nodeType="withEffect">
+                                  <p:stCondLst>
+                                    <p:cond delay="0"/>
+                                  </p:stCondLst>
+                                  <p:childTnLst>
+                                    <p:set>
+                                      <p:cBhvr>
+                                        <p:cTn id="80" dur="1" fill="hold">
+                                          <p:stCondLst>
+                                            <p:cond delay="0"/>
+                                          </p:stCondLst>
+                                        </p:cTn>
+                                        <p:tgtEl>
+                                          <p:spTgt spid="48"/>
+                                        </p:tgtEl>
+                                        <p:attrNameLst>
+                                          <p:attrName>style.visibility</p:attrName>
+                                        </p:attrNameLst>
+                                      </p:cBhvr>
+                                      <p:to>
+                                        <p:strVal val="visible"/>
+                                      </p:to>
+                                    </p:set>
+                                    <p:animEffect transition="in" filter="wipe(down)">
+                                      <p:cBhvr>
+                                        <p:cTn id="81" dur="500"/>
+                                        <p:tgtEl>
+                                          <p:spTgt spid="48"/>
+                                        </p:tgtEl>
+                                      </p:cBhvr>
+                                    </p:animEffect>
+                                  </p:childTnLst>
+                                </p:cTn>
+                              </p:par>
+                            </p:childTnLst>
+                          </p:cTn>
+                        </p:par>
+                      </p:childTnLst>
+                    </p:cTn>
+                  </p:par>
+                  <p:par>
+                    <p:cTn id="82" fill="hold">
+                      <p:stCondLst>
+                        <p:cond delay="indefinite"/>
+                      </p:stCondLst>
+                      <p:childTnLst>
+                        <p:par>
+                          <p:cTn id="83" fill="hold">
+                            <p:stCondLst>
+                              <p:cond delay="0"/>
+                            </p:stCondLst>
+                            <p:childTnLst>
+                              <p:par>
+                                <p:cTn id="84" presetID="22" presetClass="entr" presetSubtype="4" fill="hold" grpId="0" nodeType="clickEffect">
+                                  <p:stCondLst>
+                                    <p:cond delay="0"/>
+                                  </p:stCondLst>
+                                  <p:childTnLst>
+                                    <p:set>
+                                      <p:cBhvr>
+                                        <p:cTn id="85" dur="1" fill="hold">
+                                          <p:stCondLst>
+                                            <p:cond delay="0"/>
+                                          </p:stCondLst>
+                                        </p:cTn>
+                                        <p:tgtEl>
+                                          <p:spTgt spid="24"/>
+                                        </p:tgtEl>
+                                        <p:attrNameLst>
+                                          <p:attrName>style.visibility</p:attrName>
+                                        </p:attrNameLst>
+                                      </p:cBhvr>
+                                      <p:to>
+                                        <p:strVal val="visible"/>
+                                      </p:to>
+                                    </p:set>
+                                    <p:animEffect transition="in" filter="wipe(down)">
+                                      <p:cBhvr>
+                                        <p:cTn id="86" dur="500"/>
+                                        <p:tgtEl>
+                                          <p:spTgt spid="24"/>
+                                        </p:tgtEl>
+                                      </p:cBhvr>
+                                    </p:animEffect>
+                                  </p:childTnLst>
+                                </p:cTn>
+                              </p:par>
+                              <p:par>
+                                <p:cTn id="87" presetID="22" presetClass="entr" presetSubtype="4" fill="hold" nodeType="withEffect">
+                                  <p:stCondLst>
+                                    <p:cond delay="0"/>
+                                  </p:stCondLst>
+                                  <p:childTnLst>
+                                    <p:set>
+                                      <p:cBhvr>
+                                        <p:cTn id="88" dur="1" fill="hold">
+                                          <p:stCondLst>
+                                            <p:cond delay="0"/>
+                                          </p:stCondLst>
+                                        </p:cTn>
+                                        <p:tgtEl>
+                                          <p:spTgt spid="51"/>
+                                        </p:tgtEl>
+                                        <p:attrNameLst>
+                                          <p:attrName>style.visibility</p:attrName>
+                                        </p:attrNameLst>
+                                      </p:cBhvr>
+                                      <p:to>
+                                        <p:strVal val="visible"/>
+                                      </p:to>
+                                    </p:set>
+                                    <p:animEffect transition="in" filter="wipe(down)">
+                                      <p:cBhvr>
+                                        <p:cTn id="89" dur="500"/>
+                                        <p:tgtEl>
+                                          <p:spTgt spid="51"/>
+                                        </p:tgtEl>
+                                      </p:cBhvr>
+                                    </p:animEffect>
+                                  </p:childTnLst>
+                                </p:cTn>
+                              </p:par>
+                            </p:childTnLst>
+                          </p:cTn>
+                        </p:par>
+                      </p:childTnLst>
+                    </p:cTn>
+                  </p:par>
+                  <p:par>
+                    <p:cTn id="90" fill="hold">
+                      <p:stCondLst>
+                        <p:cond delay="indefinite"/>
+                      </p:stCondLst>
+                      <p:childTnLst>
+                        <p:par>
+                          <p:cTn id="91" fill="hold">
+                            <p:stCondLst>
+                              <p:cond delay="0"/>
+                            </p:stCondLst>
+                            <p:childTnLst>
+                              <p:par>
+                                <p:cTn id="92" presetID="22" presetClass="entr" presetSubtype="4" fill="hold" grpId="0" nodeType="clickEffect">
+                                  <p:stCondLst>
+                                    <p:cond delay="0"/>
+                                  </p:stCondLst>
+                                  <p:childTnLst>
+                                    <p:set>
+                                      <p:cBhvr>
+                                        <p:cTn id="93" dur="1" fill="hold">
+                                          <p:stCondLst>
+                                            <p:cond delay="0"/>
+                                          </p:stCondLst>
+                                        </p:cTn>
+                                        <p:tgtEl>
+                                          <p:spTgt spid="32"/>
+                                        </p:tgtEl>
+                                        <p:attrNameLst>
+                                          <p:attrName>style.visibility</p:attrName>
+                                        </p:attrNameLst>
+                                      </p:cBhvr>
+                                      <p:to>
+                                        <p:strVal val="visible"/>
+                                      </p:to>
+                                    </p:set>
+                                    <p:animEffect transition="in" filter="wipe(down)">
+                                      <p:cBhvr>
+                                        <p:cTn id="94" dur="500"/>
+                                        <p:tgtEl>
+                                          <p:spTgt spid="32"/>
+                                        </p:tgtEl>
+                                      </p:cBhvr>
+                                    </p:animEffect>
+                                  </p:childTnLst>
+                                </p:cTn>
+                              </p:par>
+                              <p:par>
+                                <p:cTn id="95" presetID="22" presetClass="entr" presetSubtype="4" fill="hold" nodeType="withEffect">
+                                  <p:stCondLst>
+                                    <p:cond delay="0"/>
+                                  </p:stCondLst>
+                                  <p:childTnLst>
+                                    <p:set>
+                                      <p:cBhvr>
+                                        <p:cTn id="96" dur="1" fill="hold">
+                                          <p:stCondLst>
+                                            <p:cond delay="0"/>
+                                          </p:stCondLst>
+                                        </p:cTn>
+                                        <p:tgtEl>
+                                          <p:spTgt spid="44"/>
+                                        </p:tgtEl>
+                                        <p:attrNameLst>
+                                          <p:attrName>style.visibility</p:attrName>
+                                        </p:attrNameLst>
+                                      </p:cBhvr>
+                                      <p:to>
+                                        <p:strVal val="visible"/>
+                                      </p:to>
+                                    </p:set>
+                                    <p:animEffect transition="in" filter="wipe(down)">
+                                      <p:cBhvr>
+                                        <p:cTn id="97" dur="500"/>
+                                        <p:tgtEl>
+                                          <p:spTgt spid="44"/>
+                                        </p:tgtEl>
+                                      </p:cBhvr>
+                                    </p:animEffect>
+                                  </p:childTnLst>
+                                </p:cTn>
+                              </p:par>
+                            </p:childTnLst>
+                          </p:cTn>
+                        </p:par>
+                      </p:childTnLst>
+                    </p:cTn>
+                  </p:par>
+                  <p:par>
+                    <p:cTn id="98" fill="hold">
+                      <p:stCondLst>
+                        <p:cond delay="indefinite"/>
+                      </p:stCondLst>
+                      <p:childTnLst>
+                        <p:par>
+                          <p:cTn id="99" fill="hold">
+                            <p:stCondLst>
+                              <p:cond delay="0"/>
+                            </p:stCondLst>
+                            <p:childTnLst>
+                              <p:par>
+                                <p:cTn id="100" presetID="22" presetClass="entr" presetSubtype="4" fill="hold" grpId="0" nodeType="clickEffect">
+                                  <p:stCondLst>
+                                    <p:cond delay="0"/>
+                                  </p:stCondLst>
+                                  <p:childTnLst>
+                                    <p:set>
+                                      <p:cBhvr>
+                                        <p:cTn id="101" dur="1" fill="hold">
+                                          <p:stCondLst>
+                                            <p:cond delay="0"/>
+                                          </p:stCondLst>
+                                        </p:cTn>
+                                        <p:tgtEl>
+                                          <p:spTgt spid="31"/>
+                                        </p:tgtEl>
+                                        <p:attrNameLst>
+                                          <p:attrName>style.visibility</p:attrName>
+                                        </p:attrNameLst>
+                                      </p:cBhvr>
+                                      <p:to>
+                                        <p:strVal val="visible"/>
+                                      </p:to>
+                                    </p:set>
+                                    <p:animEffect transition="in" filter="wipe(down)">
+                                      <p:cBhvr>
+                                        <p:cTn id="102" dur="500"/>
+                                        <p:tgtEl>
+                                          <p:spTgt spid="31"/>
+                                        </p:tgtEl>
+                                      </p:cBhvr>
+                                    </p:animEffect>
+                                  </p:childTnLst>
+                                </p:cTn>
+                              </p:par>
+                              <p:par>
+                                <p:cTn id="103" presetID="22" presetClass="entr" presetSubtype="4" fill="hold" nodeType="withEffect">
+                                  <p:stCondLst>
+                                    <p:cond delay="0"/>
+                                  </p:stCondLst>
+                                  <p:childTnLst>
+                                    <p:set>
+                                      <p:cBhvr>
+                                        <p:cTn id="104" dur="1" fill="hold">
+                                          <p:stCondLst>
+                                            <p:cond delay="0"/>
+                                          </p:stCondLst>
+                                        </p:cTn>
+                                        <p:tgtEl>
+                                          <p:spTgt spid="37"/>
+                                        </p:tgtEl>
+                                        <p:attrNameLst>
+                                          <p:attrName>style.visibility</p:attrName>
+                                        </p:attrNameLst>
+                                      </p:cBhvr>
+                                      <p:to>
+                                        <p:strVal val="visible"/>
+                                      </p:to>
+                                    </p:set>
+                                    <p:animEffect transition="in" filter="wipe(down)">
+                                      <p:cBhvr>
+                                        <p:cTn id="105" dur="500"/>
+                                        <p:tgtEl>
+                                          <p:spTgt spid="37"/>
+                                        </p:tgtEl>
+                                      </p:cBhvr>
+                                    </p:animEffect>
+                                  </p:childTnLst>
+                                </p:cTn>
+                              </p:par>
+                            </p:childTnLst>
+                          </p:cTn>
+                        </p:par>
+                      </p:childTnLst>
+                    </p:cTn>
+                  </p:par>
+                </p:childTnLst>
+              </p:cTn>
+              <p:prevCondLst>
+                <p:cond evt="onPrev" delay="0">
+                  <p:tgtEl>
+                    <p:sldTgt/>
+                  </p:tgtEl>
+                </p:cond>
+              </p:prevCondLst>
+              <p:nextCondLst>
+                <p:cond evt="onNext" delay="0">
+                  <p:tgtEl>
+                    <p:sldTgt/>
+                  </p:tgtEl>
+                </p:cond>
+              </p:nextCondLst>
+            </p:seq>
+          </p:childTnLst>
+        </p:cTn>
+      </p:par>
+    </p:tnLst>
+    <p:bldLst>
+      <p:bldP spid="8" grpId="0"/>
+      <p:bldP spid="9" grpId="0"/>
+      <p:bldP spid="10" grpId="0"/>
+      <p:bldP spid="11" grpId="0" animBg="1"/>
+      <p:bldP spid="16" grpId="0" animBg="1"/>
+      <p:bldP spid="21" grpId="0" animBg="1"/>
+      <p:bldP spid="22" grpId="0" animBg="1"/>
+      <p:bldP spid="25" grpId="0" animBg="1"/>
+      <p:bldP spid="31" grpId="0" animBg="1"/>
+      <p:bldP spid="32" grpId="0" animBg="1"/>
+      <p:bldP spid="23" grpId="0" animBg="1"/>
+      <p:bldP spid="24" grpId="0" animBg="1"/>
+    </p:bldLst>
+  </p:timing>
+</p:sld>
+</file>
+
+<file path=ppt/slides/slide4.xml><?xml version="1.0" encoding="utf-8"?>
+<p:sld xmlns:a="http://schemas.openxmlformats.org/drawingml/2006/main" xmlns:r="http://schemas.openxmlformats.org/officeDocument/2006/relationships" xmlns:p="http://schemas.openxmlformats.org/presentationml/2006/main">
+  <p:cSld>
+    <p:spTree>
+      <p:nvGrpSpPr>
+        <p:cNvPr id="1" name=""/>
+        <p:cNvGrpSpPr/>
+        <p:nvPr/>
+      </p:nvGrpSpPr>
+      <p:grpSpPr>
+        <a:xfrm>
+          <a:off x="0" y="0"/>
+          <a:ext cx="0" cy="0"/>
+          <a:chOff x="0" y="0"/>
+          <a:chExt cx="0" cy="0"/>
+        </a:xfrm>
+      </p:grpSpPr>
+      <p:pic>
+        <p:nvPicPr>
+          <p:cNvPr id="3" name="Image 2">
+            <a:extLst>
+              <a:ext uri="{FF2B5EF4-FFF2-40B4-BE49-F238E27FC236}">
+                <a16:creationId xmlns:a16="http://schemas.microsoft.com/office/drawing/2014/main" id="{0A28BC6A-3CC6-4125-958D-D5F3717FDE73}"/>
+              </a:ext>
+            </a:extLst>
+          </p:cNvPr>
+          <p:cNvPicPr>
+            <a:picLocks noChangeAspect="1"/>
+          </p:cNvPicPr>
+          <p:nvPr/>
+        </p:nvPicPr>
+        <p:blipFill>
+          <a:blip r:embed="rId2"/>
+          <a:stretch>
+            <a:fillRect/>
+          </a:stretch>
+        </p:blipFill>
+        <p:spPr>
+          <a:xfrm>
+            <a:off x="393690" y="1799927"/>
+            <a:ext cx="3840813" cy="937341"/>
+          </a:xfrm>
+          <a:prstGeom prst="rect">
+            <a:avLst/>
+          </a:prstGeom>
+        </p:spPr>
+      </p:pic>
+      <p:sp>
+        <p:nvSpPr>
+          <p:cNvPr id="4" name="Text Box 1">
+            <a:extLst>
+              <a:ext uri="{FF2B5EF4-FFF2-40B4-BE49-F238E27FC236}">
+                <a16:creationId xmlns:a16="http://schemas.microsoft.com/office/drawing/2014/main" id="{8118B50D-9A44-46FD-9E32-AC4B58280387}"/>
+              </a:ext>
+            </a:extLst>
+          </p:cNvPr>
+          <p:cNvSpPr txBox="1">
+            <a:spLocks noChangeArrowheads="1"/>
+          </p:cNvSpPr>
+          <p:nvPr/>
+        </p:nvSpPr>
+        <p:spPr bwMode="auto">
+          <a:xfrm>
+            <a:off x="398177" y="431775"/>
+            <a:ext cx="10655300" cy="900113"/>
+          </a:xfrm>
+          <a:prstGeom prst="rect">
+            <a:avLst/>
+          </a:prstGeom>
+          <a:noFill/>
+          <a:ln>
+            <a:noFill/>
+          </a:ln>
+          <a:effectLst/>
+          <a:extLst>
+            <a:ext uri="{909E8E84-426E-40DD-AFC4-6F175D3DCCD1}">
+              <a14:hiddenFill xmlns:a14="http://schemas.microsoft.com/office/drawing/2010/main">
+                <a:solidFill>
+                  <a:srgbClr val="FFFFFF"/>
+                </a:solidFill>
+              </a14:hiddenFill>
+            </a:ext>
+            <a:ext uri="{91240B29-F687-4F45-9708-019B960494DF}">
+              <a14:hiddenLine xmlns:a14="http://schemas.microsoft.com/office/drawing/2010/main" w="9525">
+                <a:solidFill>
+                  <a:srgbClr val="808080"/>
+                </a:solidFill>
+                <a:round/>
+                <a:headEnd/>
+                <a:tailEnd/>
+              </a14:hiddenLine>
+            </a:ext>
+            <a:ext uri="{AF507438-7753-43E0-B8FC-AC1667EBCBE1}">
+              <a14:hiddenEffects xmlns:a14="http://schemas.microsoft.com/office/drawing/2010/main">
+                <a:effectLst>
+                  <a:outerShdw dist="35921" dir="2700000" algn="ctr" rotWithShape="0">
+                    <a:srgbClr val="808080"/>
+                  </a:outerShdw>
+                </a:effectLst>
+              </a14:hiddenEffects>
+            </a:ext>
+          </a:extLst>
+        </p:spPr>
+        <p:txBody>
+          <a:bodyPr lIns="0" tIns="0" rIns="0" bIns="0"/>
+          <a:lstStyle>
+            <a:lvl1pPr>
+              <a:buClr>
+                <a:srgbClr val="000000"/>
+              </a:buClr>
+              <a:buSzPct val="100000"/>
+              <a:buFont typeface="Times New Roman" panose="02020603050405020304" pitchFamily="18" charset="0"/>
+              <a:tabLst>
+                <a:tab pos="0" algn="l"/>
+                <a:tab pos="447675" algn="l"/>
+                <a:tab pos="896938" algn="l"/>
+                <a:tab pos="1346200" algn="l"/>
+                <a:tab pos="1795463" algn="l"/>
+                <a:tab pos="2244725" algn="l"/>
+                <a:tab pos="2693988" algn="l"/>
+                <a:tab pos="3143250" algn="l"/>
+                <a:tab pos="3592513" algn="l"/>
+                <a:tab pos="4041775" algn="l"/>
+                <a:tab pos="4491038" algn="l"/>
+                <a:tab pos="4940300" algn="l"/>
+                <a:tab pos="5389563" algn="l"/>
+                <a:tab pos="5838825" algn="l"/>
+                <a:tab pos="6288088" algn="l"/>
+                <a:tab pos="6737350" algn="l"/>
+                <a:tab pos="7186613" algn="l"/>
+                <a:tab pos="7635875" algn="l"/>
+                <a:tab pos="8085138" algn="l"/>
+                <a:tab pos="8534400" algn="l"/>
+                <a:tab pos="8983663" algn="l"/>
+                <a:tab pos="9410700" algn="l"/>
+                <a:tab pos="10134600" algn="l"/>
+              </a:tabLst>
+              <a:defRPr sz="2000">
+                <a:solidFill>
+                  <a:schemeClr val="bg1"/>
+                </a:solidFill>
+                <a:latin typeface="Arial" panose="020B0604020202020204" pitchFamily="34" charset="0"/>
+                <a:ea typeface="Microsoft YaHei" panose="020B0503020204020204" pitchFamily="34" charset="-122"/>
+              </a:defRPr>
+            </a:lvl1pPr>
+            <a:lvl2pPr>
+              <a:buClr>
+                <a:srgbClr val="000000"/>
+              </a:buClr>
+              <a:buSzPct val="100000"/>
+              <a:buFont typeface="Times New Roman" panose="02020603050405020304" pitchFamily="18" charset="0"/>
+              <a:tabLst>
+                <a:tab pos="0" algn="l"/>
+                <a:tab pos="447675" algn="l"/>
+                <a:tab pos="896938" algn="l"/>
+                <a:tab pos="1346200" algn="l"/>
+                <a:tab pos="1795463" algn="l"/>
+                <a:tab pos="2244725" algn="l"/>
+                <a:tab pos="2693988" algn="l"/>
+                <a:tab pos="3143250" algn="l"/>
+                <a:tab pos="3592513" algn="l"/>
+                <a:tab pos="4041775" algn="l"/>
+                <a:tab pos="4491038" algn="l"/>
+                <a:tab pos="4940300" algn="l"/>
+                <a:tab pos="5389563" algn="l"/>
+                <a:tab pos="5838825" algn="l"/>
+                <a:tab pos="6288088" algn="l"/>
+                <a:tab pos="6737350" algn="l"/>
+                <a:tab pos="7186613" algn="l"/>
+                <a:tab pos="7635875" algn="l"/>
+                <a:tab pos="8085138" algn="l"/>
+                <a:tab pos="8534400" algn="l"/>
+                <a:tab pos="8983663" algn="l"/>
+                <a:tab pos="9410700" algn="l"/>
+                <a:tab pos="10134600" algn="l"/>
+              </a:tabLst>
+              <a:defRPr sz="2000">
+                <a:solidFill>
+                  <a:schemeClr val="bg1"/>
+                </a:solidFill>
+                <a:latin typeface="Arial" panose="020B0604020202020204" pitchFamily="34" charset="0"/>
+                <a:ea typeface="Microsoft YaHei" panose="020B0503020204020204" pitchFamily="34" charset="-122"/>
+              </a:defRPr>
+            </a:lvl2pPr>
+            <a:lvl3pPr>
+              <a:buClr>
+                <a:srgbClr val="000000"/>
+              </a:buClr>
+              <a:buSzPct val="100000"/>
+              <a:buFont typeface="Times New Roman" panose="02020603050405020304" pitchFamily="18" charset="0"/>
+              <a:tabLst>
+                <a:tab pos="0" algn="l"/>
+                <a:tab pos="447675" algn="l"/>
+                <a:tab pos="896938" algn="l"/>
+                <a:tab pos="1346200" algn="l"/>
+                <a:tab pos="1795463" algn="l"/>
+                <a:tab pos="2244725" algn="l"/>
+                <a:tab pos="2693988" algn="l"/>
+                <a:tab pos="3143250" algn="l"/>
+                <a:tab pos="3592513" algn="l"/>
+                <a:tab pos="4041775" algn="l"/>
+                <a:tab pos="4491038" algn="l"/>
+                <a:tab pos="4940300" algn="l"/>
+                <a:tab pos="5389563" algn="l"/>
+                <a:tab pos="5838825" algn="l"/>
+                <a:tab pos="6288088" algn="l"/>
+                <a:tab pos="6737350" algn="l"/>
+                <a:tab pos="7186613" algn="l"/>
+                <a:tab pos="7635875" algn="l"/>
+                <a:tab pos="8085138" algn="l"/>
+                <a:tab pos="8534400" algn="l"/>
+                <a:tab pos="8983663" algn="l"/>
+                <a:tab pos="9410700" algn="l"/>
+                <a:tab pos="10134600" algn="l"/>
+              </a:tabLst>
+              <a:defRPr sz="2000">
+                <a:solidFill>
+                  <a:schemeClr val="bg1"/>
+                </a:solidFill>
+                <a:latin typeface="Arial" panose="020B0604020202020204" pitchFamily="34" charset="0"/>
+                <a:ea typeface="Microsoft YaHei" panose="020B0503020204020204" pitchFamily="34" charset="-122"/>
+              </a:defRPr>
+            </a:lvl3pPr>
+            <a:lvl4pPr>
+              <a:buClr>
+                <a:srgbClr val="000000"/>
+              </a:buClr>
+              <a:buSzPct val="100000"/>
+              <a:buFont typeface="Times New Roman" panose="02020603050405020304" pitchFamily="18" charset="0"/>
+              <a:tabLst>
+                <a:tab pos="0" algn="l"/>
+                <a:tab pos="447675" algn="l"/>
+                <a:tab pos="896938" algn="l"/>
+                <a:tab pos="1346200" algn="l"/>
+                <a:tab pos="1795463" algn="l"/>
+                <a:tab pos="2244725" algn="l"/>
+                <a:tab pos="2693988" algn="l"/>
+                <a:tab pos="3143250" algn="l"/>
+                <a:tab pos="3592513" algn="l"/>
+                <a:tab pos="4041775" algn="l"/>
+                <a:tab pos="4491038" algn="l"/>
+                <a:tab pos="4940300" algn="l"/>
+                <a:tab pos="5389563" algn="l"/>
+                <a:tab pos="5838825" algn="l"/>
+                <a:tab pos="6288088" algn="l"/>
+                <a:tab pos="6737350" algn="l"/>
+                <a:tab pos="7186613" algn="l"/>
+                <a:tab pos="7635875" algn="l"/>
+                <a:tab pos="8085138" algn="l"/>
+                <a:tab pos="8534400" algn="l"/>
+                <a:tab pos="8983663" algn="l"/>
+                <a:tab pos="9410700" algn="l"/>
+                <a:tab pos="10134600" algn="l"/>
+              </a:tabLst>
+              <a:defRPr sz="2000">
+                <a:solidFill>
+                  <a:schemeClr val="bg1"/>
+                </a:solidFill>
+                <a:latin typeface="Arial" panose="020B0604020202020204" pitchFamily="34" charset="0"/>
+                <a:ea typeface="Microsoft YaHei" panose="020B0503020204020204" pitchFamily="34" charset="-122"/>
+              </a:defRPr>
+            </a:lvl4pPr>
+            <a:lvl5pPr>
+              <a:buClr>
+                <a:srgbClr val="000000"/>
+              </a:buClr>
+              <a:buSzPct val="100000"/>
+              <a:buFont typeface="Times New Roman" panose="02020603050405020304" pitchFamily="18" charset="0"/>
+              <a:tabLst>
+                <a:tab pos="0" algn="l"/>
+                <a:tab pos="447675" algn="l"/>
+                <a:tab pos="896938" algn="l"/>
+                <a:tab pos="1346200" algn="l"/>
+                <a:tab pos="1795463" algn="l"/>
+                <a:tab pos="2244725" algn="l"/>
+                <a:tab pos="2693988" algn="l"/>
+                <a:tab pos="3143250" algn="l"/>
+                <a:tab pos="3592513" algn="l"/>
+                <a:tab pos="4041775" algn="l"/>
+                <a:tab pos="4491038" algn="l"/>
+                <a:tab pos="4940300" algn="l"/>
+                <a:tab pos="5389563" algn="l"/>
+                <a:tab pos="5838825" algn="l"/>
+                <a:tab pos="6288088" algn="l"/>
+                <a:tab pos="6737350" algn="l"/>
+                <a:tab pos="7186613" algn="l"/>
+                <a:tab pos="7635875" algn="l"/>
+                <a:tab pos="8085138" algn="l"/>
+                <a:tab pos="8534400" algn="l"/>
+                <a:tab pos="8983663" algn="l"/>
+                <a:tab pos="9410700" algn="l"/>
+                <a:tab pos="10134600" algn="l"/>
+              </a:tabLst>
+              <a:defRPr sz="2000">
+                <a:solidFill>
+                  <a:schemeClr val="bg1"/>
+                </a:solidFill>
+                <a:latin typeface="Arial" panose="020B0604020202020204" pitchFamily="34" charset="0"/>
+                <a:ea typeface="Microsoft YaHei" panose="020B0503020204020204" pitchFamily="34" charset="-122"/>
+              </a:defRPr>
+            </a:lvl5pPr>
+            <a:lvl6pPr marL="2514600" indent="-228600" defTabSz="449263" eaLnBrk="0" fontAlgn="base" hangingPunct="0">
+              <a:spcBef>
+                <a:spcPct val="0"/>
+              </a:spcBef>
+              <a:spcAft>
+                <a:spcPct val="0"/>
+              </a:spcAft>
+              <a:buClr>
+                <a:srgbClr val="000000"/>
+              </a:buClr>
+              <a:buSzPct val="100000"/>
+              <a:buFont typeface="Times New Roman" panose="02020603050405020304" pitchFamily="18" charset="0"/>
+              <a:tabLst>
+                <a:tab pos="0" algn="l"/>
+                <a:tab pos="447675" algn="l"/>
+                <a:tab pos="896938" algn="l"/>
+                <a:tab pos="1346200" algn="l"/>
+                <a:tab pos="1795463" algn="l"/>
+                <a:tab pos="2244725" algn="l"/>
+                <a:tab pos="2693988" algn="l"/>
+                <a:tab pos="3143250" algn="l"/>
+                <a:tab pos="3592513" algn="l"/>
+                <a:tab pos="4041775" algn="l"/>
+                <a:tab pos="4491038" algn="l"/>
+                <a:tab pos="4940300" algn="l"/>
+                <a:tab pos="5389563" algn="l"/>
+                <a:tab pos="5838825" algn="l"/>
+                <a:tab pos="6288088" algn="l"/>
+                <a:tab pos="6737350" algn="l"/>
+                <a:tab pos="7186613" algn="l"/>
+                <a:tab pos="7635875" algn="l"/>
+                <a:tab pos="8085138" algn="l"/>
+                <a:tab pos="8534400" algn="l"/>
+                <a:tab pos="8983663" algn="l"/>
+                <a:tab pos="9410700" algn="l"/>
+                <a:tab pos="10134600" algn="l"/>
+              </a:tabLst>
+              <a:defRPr sz="2000">
+                <a:solidFill>
+                  <a:schemeClr val="bg1"/>
+                </a:solidFill>
+                <a:latin typeface="Arial" panose="020B0604020202020204" pitchFamily="34" charset="0"/>
+                <a:ea typeface="Microsoft YaHei" panose="020B0503020204020204" pitchFamily="34" charset="-122"/>
+              </a:defRPr>
+            </a:lvl6pPr>
+            <a:lvl7pPr marL="2971800" indent="-228600" defTabSz="449263" eaLnBrk="0" fontAlgn="base" hangingPunct="0">
+              <a:spcBef>
+                <a:spcPct val="0"/>
+              </a:spcBef>
+              <a:spcAft>
+                <a:spcPct val="0"/>
+              </a:spcAft>
+              <a:buClr>
+                <a:srgbClr val="000000"/>
+              </a:buClr>
+              <a:buSzPct val="100000"/>
+              <a:buFont typeface="Times New Roman" panose="02020603050405020304" pitchFamily="18" charset="0"/>
+              <a:tabLst>
+                <a:tab pos="0" algn="l"/>
+                <a:tab pos="447675" algn="l"/>
+                <a:tab pos="896938" algn="l"/>
+                <a:tab pos="1346200" algn="l"/>
+                <a:tab pos="1795463" algn="l"/>
+                <a:tab pos="2244725" algn="l"/>
+                <a:tab pos="2693988" algn="l"/>
+                <a:tab pos="3143250" algn="l"/>
+                <a:tab pos="3592513" algn="l"/>
+                <a:tab pos="4041775" algn="l"/>
+                <a:tab pos="4491038" algn="l"/>
+                <a:tab pos="4940300" algn="l"/>
+                <a:tab pos="5389563" algn="l"/>
+                <a:tab pos="5838825" algn="l"/>
+                <a:tab pos="6288088" algn="l"/>
+                <a:tab pos="6737350" algn="l"/>
+                <a:tab pos="7186613" algn="l"/>
+                <a:tab pos="7635875" algn="l"/>
+                <a:tab pos="8085138" algn="l"/>
+                <a:tab pos="8534400" algn="l"/>
+                <a:tab pos="8983663" algn="l"/>
+                <a:tab pos="9410700" algn="l"/>
+                <a:tab pos="10134600" algn="l"/>
+              </a:tabLst>
+              <a:defRPr sz="2000">
+                <a:solidFill>
+                  <a:schemeClr val="bg1"/>
+                </a:solidFill>
+                <a:latin typeface="Arial" panose="020B0604020202020204" pitchFamily="34" charset="0"/>
+                <a:ea typeface="Microsoft YaHei" panose="020B0503020204020204" pitchFamily="34" charset="-122"/>
+              </a:defRPr>
+            </a:lvl7pPr>
+            <a:lvl8pPr marL="3429000" indent="-228600" defTabSz="449263" eaLnBrk="0" fontAlgn="base" hangingPunct="0">
+              <a:spcBef>
+                <a:spcPct val="0"/>
+              </a:spcBef>
+              <a:spcAft>
+                <a:spcPct val="0"/>
+              </a:spcAft>
+              <a:buClr>
+                <a:srgbClr val="000000"/>
+              </a:buClr>
+              <a:buSzPct val="100000"/>
+              <a:buFont typeface="Times New Roman" panose="02020603050405020304" pitchFamily="18" charset="0"/>
+              <a:tabLst>
+                <a:tab pos="0" algn="l"/>
+                <a:tab pos="447675" algn="l"/>
+                <a:tab pos="896938" algn="l"/>
+                <a:tab pos="1346200" algn="l"/>
+                <a:tab pos="1795463" algn="l"/>
+                <a:tab pos="2244725" algn="l"/>
+                <a:tab pos="2693988" algn="l"/>
+                <a:tab pos="3143250" algn="l"/>
+                <a:tab pos="3592513" algn="l"/>
+                <a:tab pos="4041775" algn="l"/>
+                <a:tab pos="4491038" algn="l"/>
+                <a:tab pos="4940300" algn="l"/>
+                <a:tab pos="5389563" algn="l"/>
+                <a:tab pos="5838825" algn="l"/>
+                <a:tab pos="6288088" algn="l"/>
+                <a:tab pos="6737350" algn="l"/>
+                <a:tab pos="7186613" algn="l"/>
+                <a:tab pos="7635875" algn="l"/>
+                <a:tab pos="8085138" algn="l"/>
+                <a:tab pos="8534400" algn="l"/>
+                <a:tab pos="8983663" algn="l"/>
+                <a:tab pos="9410700" algn="l"/>
+                <a:tab pos="10134600" algn="l"/>
+              </a:tabLst>
+              <a:defRPr sz="2000">
+                <a:solidFill>
+                  <a:schemeClr val="bg1"/>
+                </a:solidFill>
+                <a:latin typeface="Arial" panose="020B0604020202020204" pitchFamily="34" charset="0"/>
+                <a:ea typeface="Microsoft YaHei" panose="020B0503020204020204" pitchFamily="34" charset="-122"/>
+              </a:defRPr>
+            </a:lvl8pPr>
+            <a:lvl9pPr marL="3886200" indent="-228600" defTabSz="449263" eaLnBrk="0" fontAlgn="base" hangingPunct="0">
+              <a:spcBef>
+                <a:spcPct val="0"/>
+              </a:spcBef>
+              <a:spcAft>
+                <a:spcPct val="0"/>
+              </a:spcAft>
+              <a:buClr>
+                <a:srgbClr val="000000"/>
+              </a:buClr>
+              <a:buSzPct val="100000"/>
+              <a:buFont typeface="Times New Roman" panose="02020603050405020304" pitchFamily="18" charset="0"/>
+              <a:tabLst>
+                <a:tab pos="0" algn="l"/>
+                <a:tab pos="447675" algn="l"/>
+                <a:tab pos="896938" algn="l"/>
+                <a:tab pos="1346200" algn="l"/>
+                <a:tab pos="1795463" algn="l"/>
+                <a:tab pos="2244725" algn="l"/>
+                <a:tab pos="2693988" algn="l"/>
+                <a:tab pos="3143250" algn="l"/>
+                <a:tab pos="3592513" algn="l"/>
+                <a:tab pos="4041775" algn="l"/>
+                <a:tab pos="4491038" algn="l"/>
+                <a:tab pos="4940300" algn="l"/>
+                <a:tab pos="5389563" algn="l"/>
+                <a:tab pos="5838825" algn="l"/>
+                <a:tab pos="6288088" algn="l"/>
+                <a:tab pos="6737350" algn="l"/>
+                <a:tab pos="7186613" algn="l"/>
+                <a:tab pos="7635875" algn="l"/>
+                <a:tab pos="8085138" algn="l"/>
+                <a:tab pos="8534400" algn="l"/>
+                <a:tab pos="8983663" algn="l"/>
+                <a:tab pos="9410700" algn="l"/>
+                <a:tab pos="10134600" algn="l"/>
+              </a:tabLst>
+              <a:defRPr sz="2000">
+                <a:solidFill>
+                  <a:schemeClr val="bg1"/>
+                </a:solidFill>
+                <a:latin typeface="Arial" panose="020B0604020202020204" pitchFamily="34" charset="0"/>
+                <a:ea typeface="Microsoft YaHei" panose="020B0503020204020204" pitchFamily="34" charset="-122"/>
+              </a:defRPr>
+            </a:lvl9pPr>
+          </a:lstStyle>
+          <a:p>
+            <a:pPr eaLnBrk="1" hangingPunct="1">
+              <a:buClrTx/>
+            </a:pPr>
+            <a:r>
+              <a:rPr lang="fr-CH" altLang="fr-FR" sz="4800" b="1" dirty="0">
+                <a:solidFill>
+                  <a:srgbClr val="000000"/>
+                </a:solidFill>
+              </a:rPr>
+              <a:t>Divers tests effectués</a:t>
+            </a:r>
+          </a:p>
+        </p:txBody>
+      </p:sp>
+      <p:pic>
+        <p:nvPicPr>
+          <p:cNvPr id="5" name="Image 4">
+            <a:extLst>
+              <a:ext uri="{FF2B5EF4-FFF2-40B4-BE49-F238E27FC236}">
+                <a16:creationId xmlns:a16="http://schemas.microsoft.com/office/drawing/2014/main" id="{43F46561-6352-46DB-BAD0-4A1108F19177}"/>
+              </a:ext>
+            </a:extLst>
+          </p:cNvPr>
+          <p:cNvPicPr>
+            <a:picLocks noChangeAspect="1"/>
+          </p:cNvPicPr>
+          <p:nvPr/>
+        </p:nvPicPr>
+        <p:blipFill>
+          <a:blip r:embed="rId3"/>
+          <a:stretch>
+            <a:fillRect/>
+          </a:stretch>
+        </p:blipFill>
+        <p:spPr>
+          <a:xfrm>
+            <a:off x="4393679" y="1738961"/>
+            <a:ext cx="3795089" cy="1059272"/>
+          </a:xfrm>
+          <a:prstGeom prst="rect">
+            <a:avLst/>
+          </a:prstGeom>
+        </p:spPr>
+      </p:pic>
+      <p:pic>
+        <p:nvPicPr>
+          <p:cNvPr id="6" name="Image 5">
+            <a:extLst>
+              <a:ext uri="{FF2B5EF4-FFF2-40B4-BE49-F238E27FC236}">
+                <a16:creationId xmlns:a16="http://schemas.microsoft.com/office/drawing/2014/main" id="{E6FEE39D-C0A6-40DB-8DD2-25C9C9D20C13}"/>
+              </a:ext>
+            </a:extLst>
+          </p:cNvPr>
+          <p:cNvPicPr>
+            <a:picLocks noChangeAspect="1"/>
+          </p:cNvPicPr>
+          <p:nvPr/>
+        </p:nvPicPr>
+        <p:blipFill>
+          <a:blip r:embed="rId4"/>
+          <a:stretch>
+            <a:fillRect/>
+          </a:stretch>
+        </p:blipFill>
+        <p:spPr>
+          <a:xfrm>
+            <a:off x="3745607" y="2996082"/>
+            <a:ext cx="3063505" cy="746825"/>
+          </a:xfrm>
+          <a:prstGeom prst="rect">
+            <a:avLst/>
+          </a:prstGeom>
+        </p:spPr>
+      </p:pic>
+    </p:spTree>
+    <p:extLst>
+      <p:ext uri="{BB962C8B-B14F-4D97-AF65-F5344CB8AC3E}">
+        <p14:creationId xmlns:p14="http://schemas.microsoft.com/office/powerpoint/2010/main" val="2135504256"/>
+      </p:ext>
+    </p:extLst>
+  </p:cSld>
+  <p:clrMapOvr>
+    <a:masterClrMapping/>
+  </p:clrMapOvr>
+</p:sld>
+</file>
+
+<file path=ppt/slides/slide5.xml><?xml version="1.0" encoding="utf-8"?>
 <p:sld xmlns:a="http://schemas.openxmlformats.org/drawingml/2006/main" xmlns:r="http://schemas.openxmlformats.org/officeDocument/2006/relationships" xmlns:p="http://schemas.openxmlformats.org/presentationml/2006/main">
   <p:cSld>
     <p:spTree>

--- a/Montaine_Valentin_ByeByeCar.pptx
+++ b/Montaine_Valentin_ByeByeCar.pptx
@@ -17540,36 +17540,6 @@
           <a:chExt cx="0" cy="0"/>
         </a:xfrm>
       </p:grpSpPr>
-      <p:pic>
-        <p:nvPicPr>
-          <p:cNvPr id="3" name="Image 2">
-            <a:extLst>
-              <a:ext uri="{FF2B5EF4-FFF2-40B4-BE49-F238E27FC236}">
-                <a16:creationId xmlns:a16="http://schemas.microsoft.com/office/drawing/2014/main" id="{0A28BC6A-3CC6-4125-958D-D5F3717FDE73}"/>
-              </a:ext>
-            </a:extLst>
-          </p:cNvPr>
-          <p:cNvPicPr>
-            <a:picLocks noChangeAspect="1"/>
-          </p:cNvPicPr>
-          <p:nvPr/>
-        </p:nvPicPr>
-        <p:blipFill>
-          <a:blip r:embed="rId2"/>
-          <a:stretch>
-            <a:fillRect/>
-          </a:stretch>
-        </p:blipFill>
-        <p:spPr>
-          <a:xfrm>
-            <a:off x="393690" y="1799927"/>
-            <a:ext cx="3840813" cy="937341"/>
-          </a:xfrm>
-          <a:prstGeom prst="rect">
-            <a:avLst/>
-          </a:prstGeom>
-        </p:spPr>
-      </p:pic>
       <p:sp>
         <p:nvSpPr>
           <p:cNvPr id="4" name="Text Box 1">
@@ -18022,10 +17992,40 @@
       </p:sp>
       <p:pic>
         <p:nvPicPr>
-          <p:cNvPr id="5" name="Image 4">
+          <p:cNvPr id="2" name="Image 1">
             <a:extLst>
               <a:ext uri="{FF2B5EF4-FFF2-40B4-BE49-F238E27FC236}">
-                <a16:creationId xmlns:a16="http://schemas.microsoft.com/office/drawing/2014/main" id="{43F46561-6352-46DB-BAD0-4A1108F19177}"/>
+                <a16:creationId xmlns:a16="http://schemas.microsoft.com/office/drawing/2014/main" id="{11D5AF30-BB96-401E-8CEF-661C0236B0B6}"/>
+              </a:ext>
+            </a:extLst>
+          </p:cNvPr>
+          <p:cNvPicPr>
+            <a:picLocks noChangeAspect="1"/>
+          </p:cNvPicPr>
+          <p:nvPr/>
+        </p:nvPicPr>
+        <p:blipFill>
+          <a:blip r:embed="rId2"/>
+          <a:stretch>
+            <a:fillRect/>
+          </a:stretch>
+        </p:blipFill>
+        <p:spPr>
+          <a:xfrm>
+            <a:off x="1081311" y="1799927"/>
+            <a:ext cx="3360711" cy="419136"/>
+          </a:xfrm>
+          <a:prstGeom prst="rect">
+            <a:avLst/>
+          </a:prstGeom>
+        </p:spPr>
+      </p:pic>
+      <p:pic>
+        <p:nvPicPr>
+          <p:cNvPr id="7" name="Image 6">
+            <a:extLst>
+              <a:ext uri="{FF2B5EF4-FFF2-40B4-BE49-F238E27FC236}">
+                <a16:creationId xmlns:a16="http://schemas.microsoft.com/office/drawing/2014/main" id="{09E6AF76-B09A-4036-97C0-B21FBB8763EE}"/>
               </a:ext>
             </a:extLst>
           </p:cNvPr>
@@ -18042,8 +18042,8 @@
         </p:blipFill>
         <p:spPr>
           <a:xfrm>
-            <a:off x="4393679" y="1738961"/>
-            <a:ext cx="3795089" cy="1059272"/>
+            <a:off x="1225327" y="2375991"/>
+            <a:ext cx="4054191" cy="762066"/>
           </a:xfrm>
           <a:prstGeom prst="rect">
             <a:avLst/>
@@ -18052,10 +18052,10 @@
       </p:pic>
       <p:pic>
         <p:nvPicPr>
-          <p:cNvPr id="6" name="Image 5">
+          <p:cNvPr id="8" name="Image 7">
             <a:extLst>
               <a:ext uri="{FF2B5EF4-FFF2-40B4-BE49-F238E27FC236}">
-                <a16:creationId xmlns:a16="http://schemas.microsoft.com/office/drawing/2014/main" id="{E6FEE39D-C0A6-40DB-8DD2-25C9C9D20C13}"/>
+                <a16:creationId xmlns:a16="http://schemas.microsoft.com/office/drawing/2014/main" id="{4D3852A0-CB15-41BA-B8EC-4ED264711B6C}"/>
               </a:ext>
             </a:extLst>
           </p:cNvPr>
@@ -18072,8 +18072,38 @@
         </p:blipFill>
         <p:spPr>
           <a:xfrm>
-            <a:off x="3745607" y="2996082"/>
-            <a:ext cx="3063505" cy="746825"/>
+            <a:off x="1873399" y="3326428"/>
+            <a:ext cx="3505504" cy="1828958"/>
+          </a:xfrm>
+          <a:prstGeom prst="rect">
+            <a:avLst/>
+          </a:prstGeom>
+        </p:spPr>
+      </p:pic>
+      <p:pic>
+        <p:nvPicPr>
+          <p:cNvPr id="9" name="Image 8">
+            <a:extLst>
+              <a:ext uri="{FF2B5EF4-FFF2-40B4-BE49-F238E27FC236}">
+                <a16:creationId xmlns:a16="http://schemas.microsoft.com/office/drawing/2014/main" id="{D5DEDFC3-B524-42DF-BB2E-3A932B584E36}"/>
+              </a:ext>
+            </a:extLst>
+          </p:cNvPr>
+          <p:cNvPicPr>
+            <a:picLocks noChangeAspect="1"/>
+          </p:cNvPicPr>
+          <p:nvPr/>
+        </p:nvPicPr>
+        <p:blipFill>
+          <a:blip r:embed="rId5"/>
+          <a:stretch>
+            <a:fillRect/>
+          </a:stretch>
+        </p:blipFill>
+        <p:spPr>
+          <a:xfrm>
+            <a:off x="5833839" y="2200716"/>
+            <a:ext cx="5105842" cy="937341"/>
           </a:xfrm>
           <a:prstGeom prst="rect">
             <a:avLst/>

--- a/Montaine_Valentin_ByeByeCar.pptx
+++ b/Montaine_Valentin_ByeByeCar.pptx
@@ -6,14 +6,16 @@
     <p:sldMasterId id="2147483649" r:id="rId2"/>
   </p:sldMasterIdLst>
   <p:notesMasterIdLst>
-    <p:notesMasterId r:id="rId8"/>
+    <p:notesMasterId r:id="rId10"/>
   </p:notesMasterIdLst>
   <p:sldIdLst>
     <p:sldId id="256" r:id="rId3"/>
     <p:sldId id="261" r:id="rId4"/>
     <p:sldId id="279" r:id="rId5"/>
-    <p:sldId id="278" r:id="rId6"/>
-    <p:sldId id="277" r:id="rId7"/>
+    <p:sldId id="280" r:id="rId6"/>
+    <p:sldId id="278" r:id="rId7"/>
+    <p:sldId id="281" r:id="rId8"/>
+    <p:sldId id="277" r:id="rId9"/>
   </p:sldIdLst>
   <p:sldSz cx="11523663" cy="6480175"/>
   <p:notesSz cx="6858000" cy="9144000"/>
@@ -17540,12 +17542,433 @@
           <a:chExt cx="0" cy="0"/>
         </a:xfrm>
       </p:grpSpPr>
+      <p:graphicFrame>
+        <p:nvGraphicFramePr>
+          <p:cNvPr id="3" name="Tableau 2">
+            <a:extLst>
+              <a:ext uri="{FF2B5EF4-FFF2-40B4-BE49-F238E27FC236}">
+                <a16:creationId xmlns:a16="http://schemas.microsoft.com/office/drawing/2014/main" id="{6B3213F2-2D2F-4E7C-A292-C3FD125DEECE}"/>
+              </a:ext>
+            </a:extLst>
+          </p:cNvPr>
+          <p:cNvGraphicFramePr>
+            <a:graphicFrameLocks noGrp="1"/>
+          </p:cNvGraphicFramePr>
+          <p:nvPr>
+            <p:extLst>
+              <p:ext uri="{D42A27DB-BD31-4B8C-83A1-F6EECF244321}">
+                <p14:modId xmlns:p14="http://schemas.microsoft.com/office/powerpoint/2010/main" val="1558527249"/>
+              </p:ext>
+            </p:extLst>
+          </p:nvPr>
+        </p:nvGraphicFramePr>
+        <p:xfrm>
+          <a:off x="483241" y="1493011"/>
+          <a:ext cx="10557179" cy="4033520"/>
+        </p:xfrm>
+        <a:graphic>
+          <a:graphicData uri="http://schemas.openxmlformats.org/drawingml/2006/table">
+            <a:tbl>
+              <a:tblPr firstRow="1" bandRow="1">
+                <a:tableStyleId>{21E4AEA4-8DFA-4A89-87EB-49C32662AFE0}</a:tableStyleId>
+              </a:tblPr>
+              <a:tblGrid>
+                <a:gridCol w="3622791">
+                  <a:extLst>
+                    <a:ext uri="{9D8B030D-6E8A-4147-A177-3AD203B41FA5}">
+                      <a16:colId xmlns:a16="http://schemas.microsoft.com/office/drawing/2014/main" val="1048375150"/>
+                    </a:ext>
+                  </a:extLst>
+                </a:gridCol>
+                <a:gridCol w="6934388">
+                  <a:extLst>
+                    <a:ext uri="{9D8B030D-6E8A-4147-A177-3AD203B41FA5}">
+                      <a16:colId xmlns:a16="http://schemas.microsoft.com/office/drawing/2014/main" val="2969970233"/>
+                    </a:ext>
+                  </a:extLst>
+                </a:gridCol>
+              </a:tblGrid>
+              <a:tr h="370840">
+                <a:tc>
+                  <a:txBody>
+                    <a:bodyPr/>
+                    <a:lstStyle/>
+                    <a:p>
+                      <a:r>
+                        <a:rPr lang="fr-CH" dirty="0"/>
+                        <a:t>Technologie</a:t>
+                      </a:r>
+                    </a:p>
+                  </a:txBody>
+                  <a:tcPr/>
+                </a:tc>
+                <a:tc>
+                  <a:txBody>
+                    <a:bodyPr/>
+                    <a:lstStyle/>
+                    <a:p>
+                      <a:r>
+                        <a:rPr lang="fr-CH" dirty="0"/>
+                        <a:t>Illustration</a:t>
+                      </a:r>
+                    </a:p>
+                  </a:txBody>
+                  <a:tcPr/>
+                </a:tc>
+                <a:extLst>
+                  <a:ext uri="{0D108BD9-81ED-4DB2-BD59-A6C34878D82A}">
+                    <a16:rowId xmlns:a16="http://schemas.microsoft.com/office/drawing/2014/main" val="1941489533"/>
+                  </a:ext>
+                </a:extLst>
+              </a:tr>
+              <a:tr h="370840">
+                <a:tc>
+                  <a:txBody>
+                    <a:bodyPr/>
+                    <a:lstStyle/>
+                    <a:p>
+                      <a:pPr marL="0" marR="0" lvl="0" indent="0" algn="l" defTabSz="914400" rtl="0" eaLnBrk="1" fontAlgn="auto" latinLnBrk="0" hangingPunct="1">
+                        <a:lnSpc>
+                          <a:spcPct val="100000"/>
+                        </a:lnSpc>
+                        <a:spcBef>
+                          <a:spcPts val="0"/>
+                        </a:spcBef>
+                        <a:spcAft>
+                          <a:spcPts val="0"/>
+                        </a:spcAft>
+                        <a:buClrTx/>
+                        <a:buSzTx/>
+                        <a:buFontTx/>
+                        <a:buNone/>
+                        <a:tabLst/>
+                        <a:defRPr/>
+                      </a:pPr>
+                      <a:endParaRPr lang="fr-CH" dirty="0"/>
+                    </a:p>
+                    <a:p>
+                      <a:pPr marL="0" marR="0" lvl="0" indent="0" algn="l" defTabSz="914400" rtl="0" eaLnBrk="1" fontAlgn="auto" latinLnBrk="0" hangingPunct="1">
+                        <a:lnSpc>
+                          <a:spcPct val="100000"/>
+                        </a:lnSpc>
+                        <a:spcBef>
+                          <a:spcPts val="0"/>
+                        </a:spcBef>
+                        <a:spcAft>
+                          <a:spcPts val="0"/>
+                        </a:spcAft>
+                        <a:buClrTx/>
+                        <a:buSzTx/>
+                        <a:buFontTx/>
+                        <a:buNone/>
+                        <a:tabLst/>
+                        <a:defRPr/>
+                      </a:pPr>
+                      <a:endParaRPr lang="fr-CH" dirty="0"/>
+                    </a:p>
+                    <a:p>
+                      <a:pPr marL="0" marR="0" lvl="0" indent="0" algn="l" defTabSz="914400" rtl="0" eaLnBrk="1" fontAlgn="auto" latinLnBrk="0" hangingPunct="1">
+                        <a:lnSpc>
+                          <a:spcPct val="100000"/>
+                        </a:lnSpc>
+                        <a:spcBef>
+                          <a:spcPts val="0"/>
+                        </a:spcBef>
+                        <a:spcAft>
+                          <a:spcPts val="0"/>
+                        </a:spcAft>
+                        <a:buClrTx/>
+                        <a:buSzTx/>
+                        <a:buFontTx/>
+                        <a:buNone/>
+                        <a:tabLst/>
+                        <a:defRPr/>
+                      </a:pPr>
+                      <a:r>
+                        <a:rPr lang="fr-CH" dirty="0"/>
+                        <a:t>@</a:t>
+                      </a:r>
+                      <a:r>
+                        <a:rPr lang="fr-CH" dirty="0" err="1"/>
+                        <a:t>TransactionAttribute</a:t>
+                      </a:r>
+                      <a:endParaRPr lang="fr-CH" dirty="0"/>
+                    </a:p>
+                    <a:p>
+                      <a:pPr marL="0" marR="0" lvl="0" indent="0" algn="l" defTabSz="914400" rtl="0" eaLnBrk="1" fontAlgn="auto" latinLnBrk="0" hangingPunct="1">
+                        <a:lnSpc>
+                          <a:spcPct val="100000"/>
+                        </a:lnSpc>
+                        <a:spcBef>
+                          <a:spcPts val="0"/>
+                        </a:spcBef>
+                        <a:spcAft>
+                          <a:spcPts val="0"/>
+                        </a:spcAft>
+                        <a:buClrTx/>
+                        <a:buSzTx/>
+                        <a:buFontTx/>
+                        <a:buNone/>
+                        <a:tabLst/>
+                        <a:defRPr/>
+                      </a:pPr>
+                      <a:endParaRPr lang="fr-CH" dirty="0"/>
+                    </a:p>
+                    <a:p>
+                      <a:pPr marL="0" marR="0" lvl="0" indent="0" algn="l" defTabSz="914400" rtl="0" eaLnBrk="1" fontAlgn="auto" latinLnBrk="0" hangingPunct="1">
+                        <a:lnSpc>
+                          <a:spcPct val="100000"/>
+                        </a:lnSpc>
+                        <a:spcBef>
+                          <a:spcPts val="0"/>
+                        </a:spcBef>
+                        <a:spcAft>
+                          <a:spcPts val="0"/>
+                        </a:spcAft>
+                        <a:buClrTx/>
+                        <a:buSzTx/>
+                        <a:buFontTx/>
+                        <a:buNone/>
+                        <a:tabLst/>
+                        <a:defRPr/>
+                      </a:pPr>
+                      <a:endParaRPr lang="fr-CH" dirty="0"/>
+                    </a:p>
+                  </a:txBody>
+                  <a:tcPr anchor="ctr"/>
+                </a:tc>
+                <a:tc>
+                  <a:txBody>
+                    <a:bodyPr/>
+                    <a:lstStyle/>
+                    <a:p>
+                      <a:endParaRPr lang="fr-CH" dirty="0"/>
+                    </a:p>
+                  </a:txBody>
+                  <a:tcPr/>
+                </a:tc>
+                <a:extLst>
+                  <a:ext uri="{0D108BD9-81ED-4DB2-BD59-A6C34878D82A}">
+                    <a16:rowId xmlns:a16="http://schemas.microsoft.com/office/drawing/2014/main" val="647502944"/>
+                  </a:ext>
+                </a:extLst>
+              </a:tr>
+              <a:tr h="370840">
+                <a:tc>
+                  <a:txBody>
+                    <a:bodyPr/>
+                    <a:lstStyle/>
+                    <a:p>
+                      <a:pPr marL="0" marR="0" lvl="0" indent="0" algn="l" defTabSz="914400" rtl="0" eaLnBrk="1" fontAlgn="auto" latinLnBrk="0" hangingPunct="1">
+                        <a:lnSpc>
+                          <a:spcPct val="100000"/>
+                        </a:lnSpc>
+                        <a:spcBef>
+                          <a:spcPts val="0"/>
+                        </a:spcBef>
+                        <a:spcAft>
+                          <a:spcPts val="0"/>
+                        </a:spcAft>
+                        <a:buClrTx/>
+                        <a:buSzTx/>
+                        <a:buFontTx/>
+                        <a:buNone/>
+                        <a:tabLst/>
+                        <a:defRPr/>
+                      </a:pPr>
+                      <a:endParaRPr lang="fr-CH" dirty="0"/>
+                    </a:p>
+                    <a:p>
+                      <a:pPr marL="0" marR="0" lvl="0" indent="0" algn="l" defTabSz="914400" rtl="0" eaLnBrk="1" fontAlgn="auto" latinLnBrk="0" hangingPunct="1">
+                        <a:lnSpc>
+                          <a:spcPct val="100000"/>
+                        </a:lnSpc>
+                        <a:spcBef>
+                          <a:spcPts val="0"/>
+                        </a:spcBef>
+                        <a:spcAft>
+                          <a:spcPts val="0"/>
+                        </a:spcAft>
+                        <a:buClrTx/>
+                        <a:buSzTx/>
+                        <a:buFontTx/>
+                        <a:buNone/>
+                        <a:tabLst/>
+                        <a:defRPr/>
+                      </a:pPr>
+                      <a:r>
+                        <a:rPr lang="fr-CH" dirty="0" err="1"/>
+                        <a:t>Inheritance</a:t>
+                      </a:r>
+                      <a:endParaRPr lang="fr-CH" dirty="0"/>
+                    </a:p>
+                    <a:p>
+                      <a:endParaRPr lang="fr-CH" dirty="0"/>
+                    </a:p>
+                  </a:txBody>
+                  <a:tcPr/>
+                </a:tc>
+                <a:tc>
+                  <a:txBody>
+                    <a:bodyPr/>
+                    <a:lstStyle/>
+                    <a:p>
+                      <a:endParaRPr lang="fr-CH"/>
+                    </a:p>
+                  </a:txBody>
+                  <a:tcPr/>
+                </a:tc>
+                <a:extLst>
+                  <a:ext uri="{0D108BD9-81ED-4DB2-BD59-A6C34878D82A}">
+                    <a16:rowId xmlns:a16="http://schemas.microsoft.com/office/drawing/2014/main" val="2415852597"/>
+                  </a:ext>
+                </a:extLst>
+              </a:tr>
+              <a:tr h="370840">
+                <a:tc>
+                  <a:txBody>
+                    <a:bodyPr/>
+                    <a:lstStyle/>
+                    <a:p>
+                      <a:pPr marL="0" marR="0" lvl="0" indent="0" algn="l" defTabSz="914400" rtl="0" eaLnBrk="1" fontAlgn="auto" latinLnBrk="0" hangingPunct="1">
+                        <a:lnSpc>
+                          <a:spcPct val="100000"/>
+                        </a:lnSpc>
+                        <a:spcBef>
+                          <a:spcPts val="0"/>
+                        </a:spcBef>
+                        <a:spcAft>
+                          <a:spcPts val="0"/>
+                        </a:spcAft>
+                        <a:buClrTx/>
+                        <a:buSzTx/>
+                        <a:buFontTx/>
+                        <a:buNone/>
+                        <a:tabLst/>
+                        <a:defRPr/>
+                      </a:pPr>
+                      <a:endParaRPr lang="fr-CH" dirty="0"/>
+                    </a:p>
+                    <a:p>
+                      <a:pPr marL="0" marR="0" lvl="0" indent="0" algn="l" defTabSz="914400" rtl="0" eaLnBrk="1" fontAlgn="auto" latinLnBrk="0" hangingPunct="1">
+                        <a:lnSpc>
+                          <a:spcPct val="100000"/>
+                        </a:lnSpc>
+                        <a:spcBef>
+                          <a:spcPts val="0"/>
+                        </a:spcBef>
+                        <a:spcAft>
+                          <a:spcPts val="0"/>
+                        </a:spcAft>
+                        <a:buClrTx/>
+                        <a:buSzTx/>
+                        <a:buFontTx/>
+                        <a:buNone/>
+                        <a:tabLst/>
+                        <a:defRPr/>
+                      </a:pPr>
+                      <a:r>
+                        <a:rPr lang="fr-CH" dirty="0" err="1"/>
+                        <a:t>Embedding</a:t>
+                      </a:r>
+                      <a:endParaRPr lang="fr-CH" dirty="0"/>
+                    </a:p>
+                    <a:p>
+                      <a:pPr marL="0" marR="0" lvl="0" indent="0" algn="l" defTabSz="914400" rtl="0" eaLnBrk="1" fontAlgn="auto" latinLnBrk="0" hangingPunct="1">
+                        <a:lnSpc>
+                          <a:spcPct val="100000"/>
+                        </a:lnSpc>
+                        <a:spcBef>
+                          <a:spcPts val="0"/>
+                        </a:spcBef>
+                        <a:spcAft>
+                          <a:spcPts val="0"/>
+                        </a:spcAft>
+                        <a:buClrTx/>
+                        <a:buSzTx/>
+                        <a:buFontTx/>
+                        <a:buNone/>
+                        <a:tabLst/>
+                        <a:defRPr/>
+                      </a:pPr>
+                      <a:endParaRPr lang="fr-CH" dirty="0"/>
+                    </a:p>
+                  </a:txBody>
+                  <a:tcPr/>
+                </a:tc>
+                <a:tc>
+                  <a:txBody>
+                    <a:bodyPr/>
+                    <a:lstStyle/>
+                    <a:p>
+                      <a:endParaRPr lang="fr-CH"/>
+                    </a:p>
+                  </a:txBody>
+                  <a:tcPr/>
+                </a:tc>
+                <a:extLst>
+                  <a:ext uri="{0D108BD9-81ED-4DB2-BD59-A6C34878D82A}">
+                    <a16:rowId xmlns:a16="http://schemas.microsoft.com/office/drawing/2014/main" val="3436118537"/>
+                  </a:ext>
+                </a:extLst>
+              </a:tr>
+              <a:tr h="370840">
+                <a:tc>
+                  <a:txBody>
+                    <a:bodyPr/>
+                    <a:lstStyle/>
+                    <a:p>
+                      <a:pPr marL="0" marR="0" lvl="0" indent="0" algn="l" defTabSz="914400" rtl="0" eaLnBrk="1" fontAlgn="auto" latinLnBrk="0" hangingPunct="1">
+                        <a:lnSpc>
+                          <a:spcPct val="100000"/>
+                        </a:lnSpc>
+                        <a:spcBef>
+                          <a:spcPts val="0"/>
+                        </a:spcBef>
+                        <a:spcAft>
+                          <a:spcPts val="0"/>
+                        </a:spcAft>
+                        <a:buClrTx/>
+                        <a:buSzTx/>
+                        <a:buFontTx/>
+                        <a:buNone/>
+                        <a:tabLst/>
+                        <a:defRPr/>
+                      </a:pPr>
+                      <a:r>
+                        <a:rPr lang="fr-CH" dirty="0"/>
+                        <a:t>Security</a:t>
+                      </a:r>
+                    </a:p>
+                  </a:txBody>
+                  <a:tcPr/>
+                </a:tc>
+                <a:tc>
+                  <a:txBody>
+                    <a:bodyPr/>
+                    <a:lstStyle/>
+                    <a:p>
+                      <a:endParaRPr lang="fr-CH" dirty="0"/>
+                    </a:p>
+                  </a:txBody>
+                  <a:tcPr/>
+                </a:tc>
+                <a:extLst>
+                  <a:ext uri="{0D108BD9-81ED-4DB2-BD59-A6C34878D82A}">
+                    <a16:rowId xmlns:a16="http://schemas.microsoft.com/office/drawing/2014/main" val="1415314562"/>
+                  </a:ext>
+                </a:extLst>
+              </a:tr>
+            </a:tbl>
+          </a:graphicData>
+        </a:graphic>
+      </p:graphicFrame>
       <p:sp>
         <p:nvSpPr>
-          <p:cNvPr id="4" name="Text Box 1">
+          <p:cNvPr id="2" name="Text Box 1">
             <a:extLst>
               <a:ext uri="{FF2B5EF4-FFF2-40B4-BE49-F238E27FC236}">
-                <a16:creationId xmlns:a16="http://schemas.microsoft.com/office/drawing/2014/main" id="{8118B50D-9A44-46FD-9E32-AC4B58280387}"/>
+                <a16:creationId xmlns:a16="http://schemas.microsoft.com/office/drawing/2014/main" id="{6D3AD965-A5AA-401F-BF87-5436E248DCED}"/>
               </a:ext>
             </a:extLst>
           </p:cNvPr>
@@ -17985,6 +18408,1363 @@
                   <a:srgbClr val="000000"/>
                 </a:solidFill>
               </a:rPr>
+              <a:t>Technologies choisies</a:t>
+            </a:r>
+          </a:p>
+        </p:txBody>
+      </p:sp>
+      <p:pic>
+        <p:nvPicPr>
+          <p:cNvPr id="4" name="Image 3">
+            <a:extLst>
+              <a:ext uri="{FF2B5EF4-FFF2-40B4-BE49-F238E27FC236}">
+                <a16:creationId xmlns:a16="http://schemas.microsoft.com/office/drawing/2014/main" id="{DF41698D-D074-4CCD-9F0A-368FFB22931C}"/>
+              </a:ext>
+            </a:extLst>
+          </p:cNvPr>
+          <p:cNvPicPr>
+            <a:picLocks noChangeAspect="1"/>
+          </p:cNvPicPr>
+          <p:nvPr/>
+        </p:nvPicPr>
+        <p:blipFill>
+          <a:blip r:embed="rId2"/>
+          <a:stretch>
+            <a:fillRect/>
+          </a:stretch>
+        </p:blipFill>
+        <p:spPr>
+          <a:xfrm>
+            <a:off x="4177655" y="5271121"/>
+            <a:ext cx="2979678" cy="182896"/>
+          </a:xfrm>
+          <a:prstGeom prst="rect">
+            <a:avLst/>
+          </a:prstGeom>
+        </p:spPr>
+      </p:pic>
+      <p:pic>
+        <p:nvPicPr>
+          <p:cNvPr id="5" name="Image 4">
+            <a:extLst>
+              <a:ext uri="{FF2B5EF4-FFF2-40B4-BE49-F238E27FC236}">
+                <a16:creationId xmlns:a16="http://schemas.microsoft.com/office/drawing/2014/main" id="{1F2173DE-77C2-44DA-9655-182182EAF463}"/>
+              </a:ext>
+            </a:extLst>
+          </p:cNvPr>
+          <p:cNvPicPr>
+            <a:picLocks noChangeAspect="1"/>
+          </p:cNvPicPr>
+          <p:nvPr/>
+        </p:nvPicPr>
+        <p:blipFill>
+          <a:blip r:embed="rId3"/>
+          <a:stretch>
+            <a:fillRect/>
+          </a:stretch>
+        </p:blipFill>
+        <p:spPr>
+          <a:xfrm>
+            <a:off x="4249663" y="4384448"/>
+            <a:ext cx="1783235" cy="586791"/>
+          </a:xfrm>
+          <a:prstGeom prst="rect">
+            <a:avLst/>
+          </a:prstGeom>
+        </p:spPr>
+      </p:pic>
+      <p:pic>
+        <p:nvPicPr>
+          <p:cNvPr id="6" name="Image 5">
+            <a:extLst>
+              <a:ext uri="{FF2B5EF4-FFF2-40B4-BE49-F238E27FC236}">
+                <a16:creationId xmlns:a16="http://schemas.microsoft.com/office/drawing/2014/main" id="{25153320-3B5B-4BDE-999D-E0D47B48FFA2}"/>
+              </a:ext>
+            </a:extLst>
+          </p:cNvPr>
+          <p:cNvPicPr>
+            <a:picLocks noChangeAspect="1"/>
+          </p:cNvPicPr>
+          <p:nvPr/>
+        </p:nvPicPr>
+        <p:blipFill>
+          <a:blip r:embed="rId4"/>
+          <a:stretch>
+            <a:fillRect/>
+          </a:stretch>
+        </p:blipFill>
+        <p:spPr>
+          <a:xfrm>
+            <a:off x="8237453" y="3370071"/>
+            <a:ext cx="2453853" cy="358171"/>
+          </a:xfrm>
+          <a:prstGeom prst="rect">
+            <a:avLst/>
+          </a:prstGeom>
+        </p:spPr>
+      </p:pic>
+      <p:pic>
+        <p:nvPicPr>
+          <p:cNvPr id="7" name="Image 6">
+            <a:extLst>
+              <a:ext uri="{FF2B5EF4-FFF2-40B4-BE49-F238E27FC236}">
+                <a16:creationId xmlns:a16="http://schemas.microsoft.com/office/drawing/2014/main" id="{853F189F-BE11-4263-847F-315BCC3A2661}"/>
+              </a:ext>
+            </a:extLst>
+          </p:cNvPr>
+          <p:cNvPicPr>
+            <a:picLocks noChangeAspect="1"/>
+          </p:cNvPicPr>
+          <p:nvPr/>
+        </p:nvPicPr>
+        <p:blipFill>
+          <a:blip r:embed="rId5"/>
+          <a:stretch>
+            <a:fillRect/>
+          </a:stretch>
+        </p:blipFill>
+        <p:spPr>
+          <a:xfrm>
+            <a:off x="8237453" y="3811952"/>
+            <a:ext cx="2484335" cy="335309"/>
+          </a:xfrm>
+          <a:prstGeom prst="rect">
+            <a:avLst/>
+          </a:prstGeom>
+        </p:spPr>
+      </p:pic>
+      <p:pic>
+        <p:nvPicPr>
+          <p:cNvPr id="8" name="Image 7">
+            <a:extLst>
+              <a:ext uri="{FF2B5EF4-FFF2-40B4-BE49-F238E27FC236}">
+                <a16:creationId xmlns:a16="http://schemas.microsoft.com/office/drawing/2014/main" id="{A47DCD13-32A3-456F-BE2C-83B69171850A}"/>
+              </a:ext>
+            </a:extLst>
+          </p:cNvPr>
+          <p:cNvPicPr>
+            <a:picLocks noChangeAspect="1"/>
+          </p:cNvPicPr>
+          <p:nvPr/>
+        </p:nvPicPr>
+        <p:blipFill>
+          <a:blip r:embed="rId6"/>
+          <a:stretch>
+            <a:fillRect/>
+          </a:stretch>
+        </p:blipFill>
+        <p:spPr>
+          <a:xfrm>
+            <a:off x="4177655" y="3471123"/>
+            <a:ext cx="3977985" cy="358171"/>
+          </a:xfrm>
+          <a:prstGeom prst="rect">
+            <a:avLst/>
+          </a:prstGeom>
+        </p:spPr>
+      </p:pic>
+      <p:pic>
+        <p:nvPicPr>
+          <p:cNvPr id="9" name="Image 8">
+            <a:extLst>
+              <a:ext uri="{FF2B5EF4-FFF2-40B4-BE49-F238E27FC236}">
+                <a16:creationId xmlns:a16="http://schemas.microsoft.com/office/drawing/2014/main" id="{74962165-CBE7-416B-B123-783419DC5FA2}"/>
+              </a:ext>
+            </a:extLst>
+          </p:cNvPr>
+          <p:cNvPicPr>
+            <a:picLocks noChangeAspect="1"/>
+          </p:cNvPicPr>
+          <p:nvPr/>
+        </p:nvPicPr>
+        <p:blipFill rotWithShape="1">
+          <a:blip r:embed="rId7"/>
+          <a:srcRect t="-1" b="93443"/>
+          <a:stretch/>
+        </p:blipFill>
+        <p:spPr>
+          <a:xfrm>
+            <a:off x="4249663" y="1985098"/>
+            <a:ext cx="6492803" cy="218899"/>
+          </a:xfrm>
+          <a:prstGeom prst="rect">
+            <a:avLst/>
+          </a:prstGeom>
+        </p:spPr>
+      </p:pic>
+      <p:pic>
+        <p:nvPicPr>
+          <p:cNvPr id="10" name="Image 9">
+            <a:extLst>
+              <a:ext uri="{FF2B5EF4-FFF2-40B4-BE49-F238E27FC236}">
+                <a16:creationId xmlns:a16="http://schemas.microsoft.com/office/drawing/2014/main" id="{4281D17D-6458-48F4-9D24-CC7A0B49A1FB}"/>
+              </a:ext>
+            </a:extLst>
+          </p:cNvPr>
+          <p:cNvPicPr>
+            <a:picLocks noChangeAspect="1"/>
+          </p:cNvPicPr>
+          <p:nvPr/>
+        </p:nvPicPr>
+        <p:blipFill rotWithShape="1">
+          <a:blip r:embed="rId7"/>
+          <a:srcRect t="41643" b="29930"/>
+          <a:stretch/>
+        </p:blipFill>
+        <p:spPr>
+          <a:xfrm>
+            <a:off x="4249663" y="2241864"/>
+            <a:ext cx="6492803" cy="948862"/>
+          </a:xfrm>
+          <a:prstGeom prst="rect">
+            <a:avLst/>
+          </a:prstGeom>
+        </p:spPr>
+      </p:pic>
+    </p:spTree>
+    <p:extLst>
+      <p:ext uri="{BB962C8B-B14F-4D97-AF65-F5344CB8AC3E}">
+        <p14:creationId xmlns:p14="http://schemas.microsoft.com/office/powerpoint/2010/main" val="2941455977"/>
+      </p:ext>
+    </p:extLst>
+  </p:cSld>
+  <p:clrMapOvr>
+    <a:masterClrMapping/>
+  </p:clrMapOvr>
+  <p:timing>
+    <p:tnLst>
+      <p:par>
+        <p:cTn id="1" dur="indefinite" restart="never" nodeType="tmRoot">
+          <p:childTnLst>
+            <p:seq concurrent="1" nextAc="seek">
+              <p:cTn id="2" dur="indefinite" nodeType="mainSeq">
+                <p:childTnLst>
+                  <p:par>
+                    <p:cTn id="3" fill="hold">
+                      <p:stCondLst>
+                        <p:cond delay="indefinite"/>
+                      </p:stCondLst>
+                      <p:childTnLst>
+                        <p:par>
+                          <p:cTn id="4" fill="hold">
+                            <p:stCondLst>
+                              <p:cond delay="0"/>
+                            </p:stCondLst>
+                            <p:childTnLst>
+                              <p:par>
+                                <p:cTn id="5" presetID="42" presetClass="entr" presetSubtype="0" fill="hold" nodeType="clickEffect">
+                                  <p:stCondLst>
+                                    <p:cond delay="0"/>
+                                  </p:stCondLst>
+                                  <p:childTnLst>
+                                    <p:set>
+                                      <p:cBhvr>
+                                        <p:cTn id="6" dur="1" fill="hold">
+                                          <p:stCondLst>
+                                            <p:cond delay="0"/>
+                                          </p:stCondLst>
+                                        </p:cTn>
+                                        <p:tgtEl>
+                                          <p:spTgt spid="9"/>
+                                        </p:tgtEl>
+                                        <p:attrNameLst>
+                                          <p:attrName>style.visibility</p:attrName>
+                                        </p:attrNameLst>
+                                      </p:cBhvr>
+                                      <p:to>
+                                        <p:strVal val="visible"/>
+                                      </p:to>
+                                    </p:set>
+                                    <p:animEffect transition="in" filter="fade">
+                                      <p:cBhvr>
+                                        <p:cTn id="7" dur="1000"/>
+                                        <p:tgtEl>
+                                          <p:spTgt spid="9"/>
+                                        </p:tgtEl>
+                                      </p:cBhvr>
+                                    </p:animEffect>
+                                    <p:anim calcmode="lin" valueType="num">
+                                      <p:cBhvr>
+                                        <p:cTn id="8" dur="1000" fill="hold"/>
+                                        <p:tgtEl>
+                                          <p:spTgt spid="9"/>
+                                        </p:tgtEl>
+                                        <p:attrNameLst>
+                                          <p:attrName>ppt_x</p:attrName>
+                                        </p:attrNameLst>
+                                      </p:cBhvr>
+                                      <p:tavLst>
+                                        <p:tav tm="0">
+                                          <p:val>
+                                            <p:strVal val="#ppt_x"/>
+                                          </p:val>
+                                        </p:tav>
+                                        <p:tav tm="100000">
+                                          <p:val>
+                                            <p:strVal val="#ppt_x"/>
+                                          </p:val>
+                                        </p:tav>
+                                      </p:tavLst>
+                                    </p:anim>
+                                    <p:anim calcmode="lin" valueType="num">
+                                      <p:cBhvr>
+                                        <p:cTn id="9" dur="1000" fill="hold"/>
+                                        <p:tgtEl>
+                                          <p:spTgt spid="9"/>
+                                        </p:tgtEl>
+                                        <p:attrNameLst>
+                                          <p:attrName>ppt_y</p:attrName>
+                                        </p:attrNameLst>
+                                      </p:cBhvr>
+                                      <p:tavLst>
+                                        <p:tav tm="0">
+                                          <p:val>
+                                            <p:strVal val="#ppt_y+.1"/>
+                                          </p:val>
+                                        </p:tav>
+                                        <p:tav tm="100000">
+                                          <p:val>
+                                            <p:strVal val="#ppt_y"/>
+                                          </p:val>
+                                        </p:tav>
+                                      </p:tavLst>
+                                    </p:anim>
+                                  </p:childTnLst>
+                                </p:cTn>
+                              </p:par>
+                              <p:par>
+                                <p:cTn id="10" presetID="42" presetClass="entr" presetSubtype="0" fill="hold" nodeType="withEffect">
+                                  <p:stCondLst>
+                                    <p:cond delay="0"/>
+                                  </p:stCondLst>
+                                  <p:childTnLst>
+                                    <p:set>
+                                      <p:cBhvr>
+                                        <p:cTn id="11" dur="1" fill="hold">
+                                          <p:stCondLst>
+                                            <p:cond delay="0"/>
+                                          </p:stCondLst>
+                                        </p:cTn>
+                                        <p:tgtEl>
+                                          <p:spTgt spid="10"/>
+                                        </p:tgtEl>
+                                        <p:attrNameLst>
+                                          <p:attrName>style.visibility</p:attrName>
+                                        </p:attrNameLst>
+                                      </p:cBhvr>
+                                      <p:to>
+                                        <p:strVal val="visible"/>
+                                      </p:to>
+                                    </p:set>
+                                    <p:animEffect transition="in" filter="fade">
+                                      <p:cBhvr>
+                                        <p:cTn id="12" dur="1000"/>
+                                        <p:tgtEl>
+                                          <p:spTgt spid="10"/>
+                                        </p:tgtEl>
+                                      </p:cBhvr>
+                                    </p:animEffect>
+                                    <p:anim calcmode="lin" valueType="num">
+                                      <p:cBhvr>
+                                        <p:cTn id="13" dur="1000" fill="hold"/>
+                                        <p:tgtEl>
+                                          <p:spTgt spid="10"/>
+                                        </p:tgtEl>
+                                        <p:attrNameLst>
+                                          <p:attrName>ppt_x</p:attrName>
+                                        </p:attrNameLst>
+                                      </p:cBhvr>
+                                      <p:tavLst>
+                                        <p:tav tm="0">
+                                          <p:val>
+                                            <p:strVal val="#ppt_x"/>
+                                          </p:val>
+                                        </p:tav>
+                                        <p:tav tm="100000">
+                                          <p:val>
+                                            <p:strVal val="#ppt_x"/>
+                                          </p:val>
+                                        </p:tav>
+                                      </p:tavLst>
+                                    </p:anim>
+                                    <p:anim calcmode="lin" valueType="num">
+                                      <p:cBhvr>
+                                        <p:cTn id="14" dur="1000" fill="hold"/>
+                                        <p:tgtEl>
+                                          <p:spTgt spid="10"/>
+                                        </p:tgtEl>
+                                        <p:attrNameLst>
+                                          <p:attrName>ppt_y</p:attrName>
+                                        </p:attrNameLst>
+                                      </p:cBhvr>
+                                      <p:tavLst>
+                                        <p:tav tm="0">
+                                          <p:val>
+                                            <p:strVal val="#ppt_y+.1"/>
+                                          </p:val>
+                                        </p:tav>
+                                        <p:tav tm="100000">
+                                          <p:val>
+                                            <p:strVal val="#ppt_y"/>
+                                          </p:val>
+                                        </p:tav>
+                                      </p:tavLst>
+                                    </p:anim>
+                                  </p:childTnLst>
+                                </p:cTn>
+                              </p:par>
+                            </p:childTnLst>
+                          </p:cTn>
+                        </p:par>
+                      </p:childTnLst>
+                    </p:cTn>
+                  </p:par>
+                  <p:par>
+                    <p:cTn id="15" fill="hold">
+                      <p:stCondLst>
+                        <p:cond delay="indefinite"/>
+                      </p:stCondLst>
+                      <p:childTnLst>
+                        <p:par>
+                          <p:cTn id="16" fill="hold">
+                            <p:stCondLst>
+                              <p:cond delay="0"/>
+                            </p:stCondLst>
+                            <p:childTnLst>
+                              <p:par>
+                                <p:cTn id="17" presetID="42" presetClass="entr" presetSubtype="0" fill="hold" nodeType="clickEffect">
+                                  <p:stCondLst>
+                                    <p:cond delay="0"/>
+                                  </p:stCondLst>
+                                  <p:childTnLst>
+                                    <p:set>
+                                      <p:cBhvr>
+                                        <p:cTn id="18" dur="1" fill="hold">
+                                          <p:stCondLst>
+                                            <p:cond delay="0"/>
+                                          </p:stCondLst>
+                                        </p:cTn>
+                                        <p:tgtEl>
+                                          <p:spTgt spid="8"/>
+                                        </p:tgtEl>
+                                        <p:attrNameLst>
+                                          <p:attrName>style.visibility</p:attrName>
+                                        </p:attrNameLst>
+                                      </p:cBhvr>
+                                      <p:to>
+                                        <p:strVal val="visible"/>
+                                      </p:to>
+                                    </p:set>
+                                    <p:animEffect transition="in" filter="fade">
+                                      <p:cBhvr>
+                                        <p:cTn id="19" dur="1000"/>
+                                        <p:tgtEl>
+                                          <p:spTgt spid="8"/>
+                                        </p:tgtEl>
+                                      </p:cBhvr>
+                                    </p:animEffect>
+                                    <p:anim calcmode="lin" valueType="num">
+                                      <p:cBhvr>
+                                        <p:cTn id="20" dur="1000" fill="hold"/>
+                                        <p:tgtEl>
+                                          <p:spTgt spid="8"/>
+                                        </p:tgtEl>
+                                        <p:attrNameLst>
+                                          <p:attrName>ppt_x</p:attrName>
+                                        </p:attrNameLst>
+                                      </p:cBhvr>
+                                      <p:tavLst>
+                                        <p:tav tm="0">
+                                          <p:val>
+                                            <p:strVal val="#ppt_x"/>
+                                          </p:val>
+                                        </p:tav>
+                                        <p:tav tm="100000">
+                                          <p:val>
+                                            <p:strVal val="#ppt_x"/>
+                                          </p:val>
+                                        </p:tav>
+                                      </p:tavLst>
+                                    </p:anim>
+                                    <p:anim calcmode="lin" valueType="num">
+                                      <p:cBhvr>
+                                        <p:cTn id="21" dur="1000" fill="hold"/>
+                                        <p:tgtEl>
+                                          <p:spTgt spid="8"/>
+                                        </p:tgtEl>
+                                        <p:attrNameLst>
+                                          <p:attrName>ppt_y</p:attrName>
+                                        </p:attrNameLst>
+                                      </p:cBhvr>
+                                      <p:tavLst>
+                                        <p:tav tm="0">
+                                          <p:val>
+                                            <p:strVal val="#ppt_y+.1"/>
+                                          </p:val>
+                                        </p:tav>
+                                        <p:tav tm="100000">
+                                          <p:val>
+                                            <p:strVal val="#ppt_y"/>
+                                          </p:val>
+                                        </p:tav>
+                                      </p:tavLst>
+                                    </p:anim>
+                                  </p:childTnLst>
+                                </p:cTn>
+                              </p:par>
+                              <p:par>
+                                <p:cTn id="22" presetID="42" presetClass="entr" presetSubtype="0" fill="hold" nodeType="withEffect">
+                                  <p:stCondLst>
+                                    <p:cond delay="0"/>
+                                  </p:stCondLst>
+                                  <p:childTnLst>
+                                    <p:set>
+                                      <p:cBhvr>
+                                        <p:cTn id="23" dur="1" fill="hold">
+                                          <p:stCondLst>
+                                            <p:cond delay="0"/>
+                                          </p:stCondLst>
+                                        </p:cTn>
+                                        <p:tgtEl>
+                                          <p:spTgt spid="6"/>
+                                        </p:tgtEl>
+                                        <p:attrNameLst>
+                                          <p:attrName>style.visibility</p:attrName>
+                                        </p:attrNameLst>
+                                      </p:cBhvr>
+                                      <p:to>
+                                        <p:strVal val="visible"/>
+                                      </p:to>
+                                    </p:set>
+                                    <p:animEffect transition="in" filter="fade">
+                                      <p:cBhvr>
+                                        <p:cTn id="24" dur="1000"/>
+                                        <p:tgtEl>
+                                          <p:spTgt spid="6"/>
+                                        </p:tgtEl>
+                                      </p:cBhvr>
+                                    </p:animEffect>
+                                    <p:anim calcmode="lin" valueType="num">
+                                      <p:cBhvr>
+                                        <p:cTn id="25" dur="1000" fill="hold"/>
+                                        <p:tgtEl>
+                                          <p:spTgt spid="6"/>
+                                        </p:tgtEl>
+                                        <p:attrNameLst>
+                                          <p:attrName>ppt_x</p:attrName>
+                                        </p:attrNameLst>
+                                      </p:cBhvr>
+                                      <p:tavLst>
+                                        <p:tav tm="0">
+                                          <p:val>
+                                            <p:strVal val="#ppt_x"/>
+                                          </p:val>
+                                        </p:tav>
+                                        <p:tav tm="100000">
+                                          <p:val>
+                                            <p:strVal val="#ppt_x"/>
+                                          </p:val>
+                                        </p:tav>
+                                      </p:tavLst>
+                                    </p:anim>
+                                    <p:anim calcmode="lin" valueType="num">
+                                      <p:cBhvr>
+                                        <p:cTn id="26" dur="1000" fill="hold"/>
+                                        <p:tgtEl>
+                                          <p:spTgt spid="6"/>
+                                        </p:tgtEl>
+                                        <p:attrNameLst>
+                                          <p:attrName>ppt_y</p:attrName>
+                                        </p:attrNameLst>
+                                      </p:cBhvr>
+                                      <p:tavLst>
+                                        <p:tav tm="0">
+                                          <p:val>
+                                            <p:strVal val="#ppt_y+.1"/>
+                                          </p:val>
+                                        </p:tav>
+                                        <p:tav tm="100000">
+                                          <p:val>
+                                            <p:strVal val="#ppt_y"/>
+                                          </p:val>
+                                        </p:tav>
+                                      </p:tavLst>
+                                    </p:anim>
+                                  </p:childTnLst>
+                                </p:cTn>
+                              </p:par>
+                              <p:par>
+                                <p:cTn id="27" presetID="42" presetClass="entr" presetSubtype="0" fill="hold" nodeType="withEffect">
+                                  <p:stCondLst>
+                                    <p:cond delay="0"/>
+                                  </p:stCondLst>
+                                  <p:childTnLst>
+                                    <p:set>
+                                      <p:cBhvr>
+                                        <p:cTn id="28" dur="1" fill="hold">
+                                          <p:stCondLst>
+                                            <p:cond delay="0"/>
+                                          </p:stCondLst>
+                                        </p:cTn>
+                                        <p:tgtEl>
+                                          <p:spTgt spid="7"/>
+                                        </p:tgtEl>
+                                        <p:attrNameLst>
+                                          <p:attrName>style.visibility</p:attrName>
+                                        </p:attrNameLst>
+                                      </p:cBhvr>
+                                      <p:to>
+                                        <p:strVal val="visible"/>
+                                      </p:to>
+                                    </p:set>
+                                    <p:animEffect transition="in" filter="fade">
+                                      <p:cBhvr>
+                                        <p:cTn id="29" dur="1000"/>
+                                        <p:tgtEl>
+                                          <p:spTgt spid="7"/>
+                                        </p:tgtEl>
+                                      </p:cBhvr>
+                                    </p:animEffect>
+                                    <p:anim calcmode="lin" valueType="num">
+                                      <p:cBhvr>
+                                        <p:cTn id="30" dur="1000" fill="hold"/>
+                                        <p:tgtEl>
+                                          <p:spTgt spid="7"/>
+                                        </p:tgtEl>
+                                        <p:attrNameLst>
+                                          <p:attrName>ppt_x</p:attrName>
+                                        </p:attrNameLst>
+                                      </p:cBhvr>
+                                      <p:tavLst>
+                                        <p:tav tm="0">
+                                          <p:val>
+                                            <p:strVal val="#ppt_x"/>
+                                          </p:val>
+                                        </p:tav>
+                                        <p:tav tm="100000">
+                                          <p:val>
+                                            <p:strVal val="#ppt_x"/>
+                                          </p:val>
+                                        </p:tav>
+                                      </p:tavLst>
+                                    </p:anim>
+                                    <p:anim calcmode="lin" valueType="num">
+                                      <p:cBhvr>
+                                        <p:cTn id="31" dur="1000" fill="hold"/>
+                                        <p:tgtEl>
+                                          <p:spTgt spid="7"/>
+                                        </p:tgtEl>
+                                        <p:attrNameLst>
+                                          <p:attrName>ppt_y</p:attrName>
+                                        </p:attrNameLst>
+                                      </p:cBhvr>
+                                      <p:tavLst>
+                                        <p:tav tm="0">
+                                          <p:val>
+                                            <p:strVal val="#ppt_y+.1"/>
+                                          </p:val>
+                                        </p:tav>
+                                        <p:tav tm="100000">
+                                          <p:val>
+                                            <p:strVal val="#ppt_y"/>
+                                          </p:val>
+                                        </p:tav>
+                                      </p:tavLst>
+                                    </p:anim>
+                                  </p:childTnLst>
+                                </p:cTn>
+                              </p:par>
+                            </p:childTnLst>
+                          </p:cTn>
+                        </p:par>
+                      </p:childTnLst>
+                    </p:cTn>
+                  </p:par>
+                  <p:par>
+                    <p:cTn id="32" fill="hold">
+                      <p:stCondLst>
+                        <p:cond delay="indefinite"/>
+                      </p:stCondLst>
+                      <p:childTnLst>
+                        <p:par>
+                          <p:cTn id="33" fill="hold">
+                            <p:stCondLst>
+                              <p:cond delay="0"/>
+                            </p:stCondLst>
+                            <p:childTnLst>
+                              <p:par>
+                                <p:cTn id="34" presetID="42" presetClass="entr" presetSubtype="0" fill="hold" nodeType="clickEffect">
+                                  <p:stCondLst>
+                                    <p:cond delay="0"/>
+                                  </p:stCondLst>
+                                  <p:childTnLst>
+                                    <p:set>
+                                      <p:cBhvr>
+                                        <p:cTn id="35" dur="1" fill="hold">
+                                          <p:stCondLst>
+                                            <p:cond delay="0"/>
+                                          </p:stCondLst>
+                                        </p:cTn>
+                                        <p:tgtEl>
+                                          <p:spTgt spid="5"/>
+                                        </p:tgtEl>
+                                        <p:attrNameLst>
+                                          <p:attrName>style.visibility</p:attrName>
+                                        </p:attrNameLst>
+                                      </p:cBhvr>
+                                      <p:to>
+                                        <p:strVal val="visible"/>
+                                      </p:to>
+                                    </p:set>
+                                    <p:animEffect transition="in" filter="fade">
+                                      <p:cBhvr>
+                                        <p:cTn id="36" dur="1000"/>
+                                        <p:tgtEl>
+                                          <p:spTgt spid="5"/>
+                                        </p:tgtEl>
+                                      </p:cBhvr>
+                                    </p:animEffect>
+                                    <p:anim calcmode="lin" valueType="num">
+                                      <p:cBhvr>
+                                        <p:cTn id="37" dur="1000" fill="hold"/>
+                                        <p:tgtEl>
+                                          <p:spTgt spid="5"/>
+                                        </p:tgtEl>
+                                        <p:attrNameLst>
+                                          <p:attrName>ppt_x</p:attrName>
+                                        </p:attrNameLst>
+                                      </p:cBhvr>
+                                      <p:tavLst>
+                                        <p:tav tm="0">
+                                          <p:val>
+                                            <p:strVal val="#ppt_x"/>
+                                          </p:val>
+                                        </p:tav>
+                                        <p:tav tm="100000">
+                                          <p:val>
+                                            <p:strVal val="#ppt_x"/>
+                                          </p:val>
+                                        </p:tav>
+                                      </p:tavLst>
+                                    </p:anim>
+                                    <p:anim calcmode="lin" valueType="num">
+                                      <p:cBhvr>
+                                        <p:cTn id="38" dur="1000" fill="hold"/>
+                                        <p:tgtEl>
+                                          <p:spTgt spid="5"/>
+                                        </p:tgtEl>
+                                        <p:attrNameLst>
+                                          <p:attrName>ppt_y</p:attrName>
+                                        </p:attrNameLst>
+                                      </p:cBhvr>
+                                      <p:tavLst>
+                                        <p:tav tm="0">
+                                          <p:val>
+                                            <p:strVal val="#ppt_y+.1"/>
+                                          </p:val>
+                                        </p:tav>
+                                        <p:tav tm="100000">
+                                          <p:val>
+                                            <p:strVal val="#ppt_y"/>
+                                          </p:val>
+                                        </p:tav>
+                                      </p:tavLst>
+                                    </p:anim>
+                                  </p:childTnLst>
+                                </p:cTn>
+                              </p:par>
+                            </p:childTnLst>
+                          </p:cTn>
+                        </p:par>
+                      </p:childTnLst>
+                    </p:cTn>
+                  </p:par>
+                  <p:par>
+                    <p:cTn id="39" fill="hold">
+                      <p:stCondLst>
+                        <p:cond delay="indefinite"/>
+                      </p:stCondLst>
+                      <p:childTnLst>
+                        <p:par>
+                          <p:cTn id="40" fill="hold">
+                            <p:stCondLst>
+                              <p:cond delay="0"/>
+                            </p:stCondLst>
+                            <p:childTnLst>
+                              <p:par>
+                                <p:cTn id="41" presetID="42" presetClass="entr" presetSubtype="0" fill="hold" nodeType="clickEffect">
+                                  <p:stCondLst>
+                                    <p:cond delay="0"/>
+                                  </p:stCondLst>
+                                  <p:childTnLst>
+                                    <p:set>
+                                      <p:cBhvr>
+                                        <p:cTn id="42" dur="1" fill="hold">
+                                          <p:stCondLst>
+                                            <p:cond delay="0"/>
+                                          </p:stCondLst>
+                                        </p:cTn>
+                                        <p:tgtEl>
+                                          <p:spTgt spid="4"/>
+                                        </p:tgtEl>
+                                        <p:attrNameLst>
+                                          <p:attrName>style.visibility</p:attrName>
+                                        </p:attrNameLst>
+                                      </p:cBhvr>
+                                      <p:to>
+                                        <p:strVal val="visible"/>
+                                      </p:to>
+                                    </p:set>
+                                    <p:animEffect transition="in" filter="fade">
+                                      <p:cBhvr>
+                                        <p:cTn id="43" dur="1000"/>
+                                        <p:tgtEl>
+                                          <p:spTgt spid="4"/>
+                                        </p:tgtEl>
+                                      </p:cBhvr>
+                                    </p:animEffect>
+                                    <p:anim calcmode="lin" valueType="num">
+                                      <p:cBhvr>
+                                        <p:cTn id="44" dur="1000" fill="hold"/>
+                                        <p:tgtEl>
+                                          <p:spTgt spid="4"/>
+                                        </p:tgtEl>
+                                        <p:attrNameLst>
+                                          <p:attrName>ppt_x</p:attrName>
+                                        </p:attrNameLst>
+                                      </p:cBhvr>
+                                      <p:tavLst>
+                                        <p:tav tm="0">
+                                          <p:val>
+                                            <p:strVal val="#ppt_x"/>
+                                          </p:val>
+                                        </p:tav>
+                                        <p:tav tm="100000">
+                                          <p:val>
+                                            <p:strVal val="#ppt_x"/>
+                                          </p:val>
+                                        </p:tav>
+                                      </p:tavLst>
+                                    </p:anim>
+                                    <p:anim calcmode="lin" valueType="num">
+                                      <p:cBhvr>
+                                        <p:cTn id="45" dur="1000" fill="hold"/>
+                                        <p:tgtEl>
+                                          <p:spTgt spid="4"/>
+                                        </p:tgtEl>
+                                        <p:attrNameLst>
+                                          <p:attrName>ppt_y</p:attrName>
+                                        </p:attrNameLst>
+                                      </p:cBhvr>
+                                      <p:tavLst>
+                                        <p:tav tm="0">
+                                          <p:val>
+                                            <p:strVal val="#ppt_y+.1"/>
+                                          </p:val>
+                                        </p:tav>
+                                        <p:tav tm="100000">
+                                          <p:val>
+                                            <p:strVal val="#ppt_y"/>
+                                          </p:val>
+                                        </p:tav>
+                                      </p:tavLst>
+                                    </p:anim>
+                                  </p:childTnLst>
+                                </p:cTn>
+                              </p:par>
+                            </p:childTnLst>
+                          </p:cTn>
+                        </p:par>
+                      </p:childTnLst>
+                    </p:cTn>
+                  </p:par>
+                </p:childTnLst>
+              </p:cTn>
+              <p:prevCondLst>
+                <p:cond evt="onPrev" delay="0">
+                  <p:tgtEl>
+                    <p:sldTgt/>
+                  </p:tgtEl>
+                </p:cond>
+              </p:prevCondLst>
+              <p:nextCondLst>
+                <p:cond evt="onNext" delay="0">
+                  <p:tgtEl>
+                    <p:sldTgt/>
+                  </p:tgtEl>
+                </p:cond>
+              </p:nextCondLst>
+            </p:seq>
+          </p:childTnLst>
+        </p:cTn>
+      </p:par>
+    </p:tnLst>
+  </p:timing>
+</p:sld>
+</file>
+
+<file path=ppt/slides/slide5.xml><?xml version="1.0" encoding="utf-8"?>
+<p:sld xmlns:a="http://schemas.openxmlformats.org/drawingml/2006/main" xmlns:r="http://schemas.openxmlformats.org/officeDocument/2006/relationships" xmlns:p="http://schemas.openxmlformats.org/presentationml/2006/main">
+  <p:cSld>
+    <p:spTree>
+      <p:nvGrpSpPr>
+        <p:cNvPr id="1" name=""/>
+        <p:cNvGrpSpPr/>
+        <p:nvPr/>
+      </p:nvGrpSpPr>
+      <p:grpSpPr>
+        <a:xfrm>
+          <a:off x="0" y="0"/>
+          <a:ext cx="0" cy="0"/>
+          <a:chOff x="0" y="0"/>
+          <a:chExt cx="0" cy="0"/>
+        </a:xfrm>
+      </p:grpSpPr>
+      <p:sp>
+        <p:nvSpPr>
+          <p:cNvPr id="4" name="Text Box 1">
+            <a:extLst>
+              <a:ext uri="{FF2B5EF4-FFF2-40B4-BE49-F238E27FC236}">
+                <a16:creationId xmlns:a16="http://schemas.microsoft.com/office/drawing/2014/main" id="{8118B50D-9A44-46FD-9E32-AC4B58280387}"/>
+              </a:ext>
+            </a:extLst>
+          </p:cNvPr>
+          <p:cNvSpPr txBox="1">
+            <a:spLocks noChangeArrowheads="1"/>
+          </p:cNvSpPr>
+          <p:nvPr/>
+        </p:nvSpPr>
+        <p:spPr bwMode="auto">
+          <a:xfrm>
+            <a:off x="398177" y="431775"/>
+            <a:ext cx="10655300" cy="900113"/>
+          </a:xfrm>
+          <a:prstGeom prst="rect">
+            <a:avLst/>
+          </a:prstGeom>
+          <a:noFill/>
+          <a:ln>
+            <a:noFill/>
+          </a:ln>
+          <a:effectLst/>
+          <a:extLst>
+            <a:ext uri="{909E8E84-426E-40DD-AFC4-6F175D3DCCD1}">
+              <a14:hiddenFill xmlns:a14="http://schemas.microsoft.com/office/drawing/2010/main">
+                <a:solidFill>
+                  <a:srgbClr val="FFFFFF"/>
+                </a:solidFill>
+              </a14:hiddenFill>
+            </a:ext>
+            <a:ext uri="{91240B29-F687-4F45-9708-019B960494DF}">
+              <a14:hiddenLine xmlns:a14="http://schemas.microsoft.com/office/drawing/2010/main" w="9525">
+                <a:solidFill>
+                  <a:srgbClr val="808080"/>
+                </a:solidFill>
+                <a:round/>
+                <a:headEnd/>
+                <a:tailEnd/>
+              </a14:hiddenLine>
+            </a:ext>
+            <a:ext uri="{AF507438-7753-43E0-B8FC-AC1667EBCBE1}">
+              <a14:hiddenEffects xmlns:a14="http://schemas.microsoft.com/office/drawing/2010/main">
+                <a:effectLst>
+                  <a:outerShdw dist="35921" dir="2700000" algn="ctr" rotWithShape="0">
+                    <a:srgbClr val="808080"/>
+                  </a:outerShdw>
+                </a:effectLst>
+              </a14:hiddenEffects>
+            </a:ext>
+          </a:extLst>
+        </p:spPr>
+        <p:txBody>
+          <a:bodyPr lIns="0" tIns="0" rIns="0" bIns="0"/>
+          <a:lstStyle>
+            <a:lvl1pPr>
+              <a:buClr>
+                <a:srgbClr val="000000"/>
+              </a:buClr>
+              <a:buSzPct val="100000"/>
+              <a:buFont typeface="Times New Roman" panose="02020603050405020304" pitchFamily="18" charset="0"/>
+              <a:tabLst>
+                <a:tab pos="0" algn="l"/>
+                <a:tab pos="447675" algn="l"/>
+                <a:tab pos="896938" algn="l"/>
+                <a:tab pos="1346200" algn="l"/>
+                <a:tab pos="1795463" algn="l"/>
+                <a:tab pos="2244725" algn="l"/>
+                <a:tab pos="2693988" algn="l"/>
+                <a:tab pos="3143250" algn="l"/>
+                <a:tab pos="3592513" algn="l"/>
+                <a:tab pos="4041775" algn="l"/>
+                <a:tab pos="4491038" algn="l"/>
+                <a:tab pos="4940300" algn="l"/>
+                <a:tab pos="5389563" algn="l"/>
+                <a:tab pos="5838825" algn="l"/>
+                <a:tab pos="6288088" algn="l"/>
+                <a:tab pos="6737350" algn="l"/>
+                <a:tab pos="7186613" algn="l"/>
+                <a:tab pos="7635875" algn="l"/>
+                <a:tab pos="8085138" algn="l"/>
+                <a:tab pos="8534400" algn="l"/>
+                <a:tab pos="8983663" algn="l"/>
+                <a:tab pos="9410700" algn="l"/>
+                <a:tab pos="10134600" algn="l"/>
+              </a:tabLst>
+              <a:defRPr sz="2000">
+                <a:solidFill>
+                  <a:schemeClr val="bg1"/>
+                </a:solidFill>
+                <a:latin typeface="Arial" panose="020B0604020202020204" pitchFamily="34" charset="0"/>
+                <a:ea typeface="Microsoft YaHei" panose="020B0503020204020204" pitchFamily="34" charset="-122"/>
+              </a:defRPr>
+            </a:lvl1pPr>
+            <a:lvl2pPr>
+              <a:buClr>
+                <a:srgbClr val="000000"/>
+              </a:buClr>
+              <a:buSzPct val="100000"/>
+              <a:buFont typeface="Times New Roman" panose="02020603050405020304" pitchFamily="18" charset="0"/>
+              <a:tabLst>
+                <a:tab pos="0" algn="l"/>
+                <a:tab pos="447675" algn="l"/>
+                <a:tab pos="896938" algn="l"/>
+                <a:tab pos="1346200" algn="l"/>
+                <a:tab pos="1795463" algn="l"/>
+                <a:tab pos="2244725" algn="l"/>
+                <a:tab pos="2693988" algn="l"/>
+                <a:tab pos="3143250" algn="l"/>
+                <a:tab pos="3592513" algn="l"/>
+                <a:tab pos="4041775" algn="l"/>
+                <a:tab pos="4491038" algn="l"/>
+                <a:tab pos="4940300" algn="l"/>
+                <a:tab pos="5389563" algn="l"/>
+                <a:tab pos="5838825" algn="l"/>
+                <a:tab pos="6288088" algn="l"/>
+                <a:tab pos="6737350" algn="l"/>
+                <a:tab pos="7186613" algn="l"/>
+                <a:tab pos="7635875" algn="l"/>
+                <a:tab pos="8085138" algn="l"/>
+                <a:tab pos="8534400" algn="l"/>
+                <a:tab pos="8983663" algn="l"/>
+                <a:tab pos="9410700" algn="l"/>
+                <a:tab pos="10134600" algn="l"/>
+              </a:tabLst>
+              <a:defRPr sz="2000">
+                <a:solidFill>
+                  <a:schemeClr val="bg1"/>
+                </a:solidFill>
+                <a:latin typeface="Arial" panose="020B0604020202020204" pitchFamily="34" charset="0"/>
+                <a:ea typeface="Microsoft YaHei" panose="020B0503020204020204" pitchFamily="34" charset="-122"/>
+              </a:defRPr>
+            </a:lvl2pPr>
+            <a:lvl3pPr>
+              <a:buClr>
+                <a:srgbClr val="000000"/>
+              </a:buClr>
+              <a:buSzPct val="100000"/>
+              <a:buFont typeface="Times New Roman" panose="02020603050405020304" pitchFamily="18" charset="0"/>
+              <a:tabLst>
+                <a:tab pos="0" algn="l"/>
+                <a:tab pos="447675" algn="l"/>
+                <a:tab pos="896938" algn="l"/>
+                <a:tab pos="1346200" algn="l"/>
+                <a:tab pos="1795463" algn="l"/>
+                <a:tab pos="2244725" algn="l"/>
+                <a:tab pos="2693988" algn="l"/>
+                <a:tab pos="3143250" algn="l"/>
+                <a:tab pos="3592513" algn="l"/>
+                <a:tab pos="4041775" algn="l"/>
+                <a:tab pos="4491038" algn="l"/>
+                <a:tab pos="4940300" algn="l"/>
+                <a:tab pos="5389563" algn="l"/>
+                <a:tab pos="5838825" algn="l"/>
+                <a:tab pos="6288088" algn="l"/>
+                <a:tab pos="6737350" algn="l"/>
+                <a:tab pos="7186613" algn="l"/>
+                <a:tab pos="7635875" algn="l"/>
+                <a:tab pos="8085138" algn="l"/>
+                <a:tab pos="8534400" algn="l"/>
+                <a:tab pos="8983663" algn="l"/>
+                <a:tab pos="9410700" algn="l"/>
+                <a:tab pos="10134600" algn="l"/>
+              </a:tabLst>
+              <a:defRPr sz="2000">
+                <a:solidFill>
+                  <a:schemeClr val="bg1"/>
+                </a:solidFill>
+                <a:latin typeface="Arial" panose="020B0604020202020204" pitchFamily="34" charset="0"/>
+                <a:ea typeface="Microsoft YaHei" panose="020B0503020204020204" pitchFamily="34" charset="-122"/>
+              </a:defRPr>
+            </a:lvl3pPr>
+            <a:lvl4pPr>
+              <a:buClr>
+                <a:srgbClr val="000000"/>
+              </a:buClr>
+              <a:buSzPct val="100000"/>
+              <a:buFont typeface="Times New Roman" panose="02020603050405020304" pitchFamily="18" charset="0"/>
+              <a:tabLst>
+                <a:tab pos="0" algn="l"/>
+                <a:tab pos="447675" algn="l"/>
+                <a:tab pos="896938" algn="l"/>
+                <a:tab pos="1346200" algn="l"/>
+                <a:tab pos="1795463" algn="l"/>
+                <a:tab pos="2244725" algn="l"/>
+                <a:tab pos="2693988" algn="l"/>
+                <a:tab pos="3143250" algn="l"/>
+                <a:tab pos="3592513" algn="l"/>
+                <a:tab pos="4041775" algn="l"/>
+                <a:tab pos="4491038" algn="l"/>
+                <a:tab pos="4940300" algn="l"/>
+                <a:tab pos="5389563" algn="l"/>
+                <a:tab pos="5838825" algn="l"/>
+                <a:tab pos="6288088" algn="l"/>
+                <a:tab pos="6737350" algn="l"/>
+                <a:tab pos="7186613" algn="l"/>
+                <a:tab pos="7635875" algn="l"/>
+                <a:tab pos="8085138" algn="l"/>
+                <a:tab pos="8534400" algn="l"/>
+                <a:tab pos="8983663" algn="l"/>
+                <a:tab pos="9410700" algn="l"/>
+                <a:tab pos="10134600" algn="l"/>
+              </a:tabLst>
+              <a:defRPr sz="2000">
+                <a:solidFill>
+                  <a:schemeClr val="bg1"/>
+                </a:solidFill>
+                <a:latin typeface="Arial" panose="020B0604020202020204" pitchFamily="34" charset="0"/>
+                <a:ea typeface="Microsoft YaHei" panose="020B0503020204020204" pitchFamily="34" charset="-122"/>
+              </a:defRPr>
+            </a:lvl4pPr>
+            <a:lvl5pPr>
+              <a:buClr>
+                <a:srgbClr val="000000"/>
+              </a:buClr>
+              <a:buSzPct val="100000"/>
+              <a:buFont typeface="Times New Roman" panose="02020603050405020304" pitchFamily="18" charset="0"/>
+              <a:tabLst>
+                <a:tab pos="0" algn="l"/>
+                <a:tab pos="447675" algn="l"/>
+                <a:tab pos="896938" algn="l"/>
+                <a:tab pos="1346200" algn="l"/>
+                <a:tab pos="1795463" algn="l"/>
+                <a:tab pos="2244725" algn="l"/>
+                <a:tab pos="2693988" algn="l"/>
+                <a:tab pos="3143250" algn="l"/>
+                <a:tab pos="3592513" algn="l"/>
+                <a:tab pos="4041775" algn="l"/>
+                <a:tab pos="4491038" algn="l"/>
+                <a:tab pos="4940300" algn="l"/>
+                <a:tab pos="5389563" algn="l"/>
+                <a:tab pos="5838825" algn="l"/>
+                <a:tab pos="6288088" algn="l"/>
+                <a:tab pos="6737350" algn="l"/>
+                <a:tab pos="7186613" algn="l"/>
+                <a:tab pos="7635875" algn="l"/>
+                <a:tab pos="8085138" algn="l"/>
+                <a:tab pos="8534400" algn="l"/>
+                <a:tab pos="8983663" algn="l"/>
+                <a:tab pos="9410700" algn="l"/>
+                <a:tab pos="10134600" algn="l"/>
+              </a:tabLst>
+              <a:defRPr sz="2000">
+                <a:solidFill>
+                  <a:schemeClr val="bg1"/>
+                </a:solidFill>
+                <a:latin typeface="Arial" panose="020B0604020202020204" pitchFamily="34" charset="0"/>
+                <a:ea typeface="Microsoft YaHei" panose="020B0503020204020204" pitchFamily="34" charset="-122"/>
+              </a:defRPr>
+            </a:lvl5pPr>
+            <a:lvl6pPr marL="2514600" indent="-228600" defTabSz="449263" eaLnBrk="0" fontAlgn="base" hangingPunct="0">
+              <a:spcBef>
+                <a:spcPct val="0"/>
+              </a:spcBef>
+              <a:spcAft>
+                <a:spcPct val="0"/>
+              </a:spcAft>
+              <a:buClr>
+                <a:srgbClr val="000000"/>
+              </a:buClr>
+              <a:buSzPct val="100000"/>
+              <a:buFont typeface="Times New Roman" panose="02020603050405020304" pitchFamily="18" charset="0"/>
+              <a:tabLst>
+                <a:tab pos="0" algn="l"/>
+                <a:tab pos="447675" algn="l"/>
+                <a:tab pos="896938" algn="l"/>
+                <a:tab pos="1346200" algn="l"/>
+                <a:tab pos="1795463" algn="l"/>
+                <a:tab pos="2244725" algn="l"/>
+                <a:tab pos="2693988" algn="l"/>
+                <a:tab pos="3143250" algn="l"/>
+                <a:tab pos="3592513" algn="l"/>
+                <a:tab pos="4041775" algn="l"/>
+                <a:tab pos="4491038" algn="l"/>
+                <a:tab pos="4940300" algn="l"/>
+                <a:tab pos="5389563" algn="l"/>
+                <a:tab pos="5838825" algn="l"/>
+                <a:tab pos="6288088" algn="l"/>
+                <a:tab pos="6737350" algn="l"/>
+                <a:tab pos="7186613" algn="l"/>
+                <a:tab pos="7635875" algn="l"/>
+                <a:tab pos="8085138" algn="l"/>
+                <a:tab pos="8534400" algn="l"/>
+                <a:tab pos="8983663" algn="l"/>
+                <a:tab pos="9410700" algn="l"/>
+                <a:tab pos="10134600" algn="l"/>
+              </a:tabLst>
+              <a:defRPr sz="2000">
+                <a:solidFill>
+                  <a:schemeClr val="bg1"/>
+                </a:solidFill>
+                <a:latin typeface="Arial" panose="020B0604020202020204" pitchFamily="34" charset="0"/>
+                <a:ea typeface="Microsoft YaHei" panose="020B0503020204020204" pitchFamily="34" charset="-122"/>
+              </a:defRPr>
+            </a:lvl6pPr>
+            <a:lvl7pPr marL="2971800" indent="-228600" defTabSz="449263" eaLnBrk="0" fontAlgn="base" hangingPunct="0">
+              <a:spcBef>
+                <a:spcPct val="0"/>
+              </a:spcBef>
+              <a:spcAft>
+                <a:spcPct val="0"/>
+              </a:spcAft>
+              <a:buClr>
+                <a:srgbClr val="000000"/>
+              </a:buClr>
+              <a:buSzPct val="100000"/>
+              <a:buFont typeface="Times New Roman" panose="02020603050405020304" pitchFamily="18" charset="0"/>
+              <a:tabLst>
+                <a:tab pos="0" algn="l"/>
+                <a:tab pos="447675" algn="l"/>
+                <a:tab pos="896938" algn="l"/>
+                <a:tab pos="1346200" algn="l"/>
+                <a:tab pos="1795463" algn="l"/>
+                <a:tab pos="2244725" algn="l"/>
+                <a:tab pos="2693988" algn="l"/>
+                <a:tab pos="3143250" algn="l"/>
+                <a:tab pos="3592513" algn="l"/>
+                <a:tab pos="4041775" algn="l"/>
+                <a:tab pos="4491038" algn="l"/>
+                <a:tab pos="4940300" algn="l"/>
+                <a:tab pos="5389563" algn="l"/>
+                <a:tab pos="5838825" algn="l"/>
+                <a:tab pos="6288088" algn="l"/>
+                <a:tab pos="6737350" algn="l"/>
+                <a:tab pos="7186613" algn="l"/>
+                <a:tab pos="7635875" algn="l"/>
+                <a:tab pos="8085138" algn="l"/>
+                <a:tab pos="8534400" algn="l"/>
+                <a:tab pos="8983663" algn="l"/>
+                <a:tab pos="9410700" algn="l"/>
+                <a:tab pos="10134600" algn="l"/>
+              </a:tabLst>
+              <a:defRPr sz="2000">
+                <a:solidFill>
+                  <a:schemeClr val="bg1"/>
+                </a:solidFill>
+                <a:latin typeface="Arial" panose="020B0604020202020204" pitchFamily="34" charset="0"/>
+                <a:ea typeface="Microsoft YaHei" panose="020B0503020204020204" pitchFamily="34" charset="-122"/>
+              </a:defRPr>
+            </a:lvl7pPr>
+            <a:lvl8pPr marL="3429000" indent="-228600" defTabSz="449263" eaLnBrk="0" fontAlgn="base" hangingPunct="0">
+              <a:spcBef>
+                <a:spcPct val="0"/>
+              </a:spcBef>
+              <a:spcAft>
+                <a:spcPct val="0"/>
+              </a:spcAft>
+              <a:buClr>
+                <a:srgbClr val="000000"/>
+              </a:buClr>
+              <a:buSzPct val="100000"/>
+              <a:buFont typeface="Times New Roman" panose="02020603050405020304" pitchFamily="18" charset="0"/>
+              <a:tabLst>
+                <a:tab pos="0" algn="l"/>
+                <a:tab pos="447675" algn="l"/>
+                <a:tab pos="896938" algn="l"/>
+                <a:tab pos="1346200" algn="l"/>
+                <a:tab pos="1795463" algn="l"/>
+                <a:tab pos="2244725" algn="l"/>
+                <a:tab pos="2693988" algn="l"/>
+                <a:tab pos="3143250" algn="l"/>
+                <a:tab pos="3592513" algn="l"/>
+                <a:tab pos="4041775" algn="l"/>
+                <a:tab pos="4491038" algn="l"/>
+                <a:tab pos="4940300" algn="l"/>
+                <a:tab pos="5389563" algn="l"/>
+                <a:tab pos="5838825" algn="l"/>
+                <a:tab pos="6288088" algn="l"/>
+                <a:tab pos="6737350" algn="l"/>
+                <a:tab pos="7186613" algn="l"/>
+                <a:tab pos="7635875" algn="l"/>
+                <a:tab pos="8085138" algn="l"/>
+                <a:tab pos="8534400" algn="l"/>
+                <a:tab pos="8983663" algn="l"/>
+                <a:tab pos="9410700" algn="l"/>
+                <a:tab pos="10134600" algn="l"/>
+              </a:tabLst>
+              <a:defRPr sz="2000">
+                <a:solidFill>
+                  <a:schemeClr val="bg1"/>
+                </a:solidFill>
+                <a:latin typeface="Arial" panose="020B0604020202020204" pitchFamily="34" charset="0"/>
+                <a:ea typeface="Microsoft YaHei" panose="020B0503020204020204" pitchFamily="34" charset="-122"/>
+              </a:defRPr>
+            </a:lvl8pPr>
+            <a:lvl9pPr marL="3886200" indent="-228600" defTabSz="449263" eaLnBrk="0" fontAlgn="base" hangingPunct="0">
+              <a:spcBef>
+                <a:spcPct val="0"/>
+              </a:spcBef>
+              <a:spcAft>
+                <a:spcPct val="0"/>
+              </a:spcAft>
+              <a:buClr>
+                <a:srgbClr val="000000"/>
+              </a:buClr>
+              <a:buSzPct val="100000"/>
+              <a:buFont typeface="Times New Roman" panose="02020603050405020304" pitchFamily="18" charset="0"/>
+              <a:tabLst>
+                <a:tab pos="0" algn="l"/>
+                <a:tab pos="447675" algn="l"/>
+                <a:tab pos="896938" algn="l"/>
+                <a:tab pos="1346200" algn="l"/>
+                <a:tab pos="1795463" algn="l"/>
+                <a:tab pos="2244725" algn="l"/>
+                <a:tab pos="2693988" algn="l"/>
+                <a:tab pos="3143250" algn="l"/>
+                <a:tab pos="3592513" algn="l"/>
+                <a:tab pos="4041775" algn="l"/>
+                <a:tab pos="4491038" algn="l"/>
+                <a:tab pos="4940300" algn="l"/>
+                <a:tab pos="5389563" algn="l"/>
+                <a:tab pos="5838825" algn="l"/>
+                <a:tab pos="6288088" algn="l"/>
+                <a:tab pos="6737350" algn="l"/>
+                <a:tab pos="7186613" algn="l"/>
+                <a:tab pos="7635875" algn="l"/>
+                <a:tab pos="8085138" algn="l"/>
+                <a:tab pos="8534400" algn="l"/>
+                <a:tab pos="8983663" algn="l"/>
+                <a:tab pos="9410700" algn="l"/>
+                <a:tab pos="10134600" algn="l"/>
+              </a:tabLst>
+              <a:defRPr sz="2000">
+                <a:solidFill>
+                  <a:schemeClr val="bg1"/>
+                </a:solidFill>
+                <a:latin typeface="Arial" panose="020B0604020202020204" pitchFamily="34" charset="0"/>
+                <a:ea typeface="Microsoft YaHei" panose="020B0503020204020204" pitchFamily="34" charset="-122"/>
+              </a:defRPr>
+            </a:lvl9pPr>
+          </a:lstStyle>
+          <a:p>
+            <a:pPr eaLnBrk="1" hangingPunct="1">
+              <a:buClrTx/>
+            </a:pPr>
+            <a:r>
+              <a:rPr lang="fr-CH" altLang="fr-FR" sz="4800" b="1" dirty="0">
+                <a:solidFill>
+                  <a:srgbClr val="000000"/>
+                </a:solidFill>
+              </a:rPr>
               <a:t>Divers tests effectués</a:t>
             </a:r>
           </a:p>
@@ -18012,8 +19792,8 @@
         </p:blipFill>
         <p:spPr>
           <a:xfrm>
-            <a:off x="1081311" y="1799927"/>
-            <a:ext cx="3360711" cy="419136"/>
+            <a:off x="937294" y="1947727"/>
+            <a:ext cx="4041615" cy="504056"/>
           </a:xfrm>
           <a:prstGeom prst="rect">
             <a:avLst/>
@@ -18042,7 +19822,7 @@
         </p:blipFill>
         <p:spPr>
           <a:xfrm>
-            <a:off x="1225327" y="2375991"/>
+            <a:off x="6219302" y="2508406"/>
             <a:ext cx="4054191" cy="762066"/>
           </a:xfrm>
           <a:prstGeom prst="rect">
@@ -18072,8 +19852,8 @@
         </p:blipFill>
         <p:spPr>
           <a:xfrm>
-            <a:off x="1873399" y="3326428"/>
-            <a:ext cx="3505504" cy="1828958"/>
+            <a:off x="611839" y="2736031"/>
+            <a:ext cx="4692523" cy="2448272"/>
           </a:xfrm>
           <a:prstGeom prst="rect">
             <a:avLst/>
@@ -18102,7 +19882,7 @@
         </p:blipFill>
         <p:spPr>
           <a:xfrm>
-            <a:off x="5833839" y="2200716"/>
+            <a:off x="5716878" y="3491496"/>
             <a:ext cx="5105842" cy="937341"/>
           </a:xfrm>
           <a:prstGeom prst="rect">
@@ -18120,10 +19900,574 @@
   <p:clrMapOvr>
     <a:masterClrMapping/>
   </p:clrMapOvr>
+  <mc:AlternateContent xmlns:mc="http://schemas.openxmlformats.org/markup-compatibility/2006">
+    <mc:Choice xmlns:p14="http://schemas.microsoft.com/office/powerpoint/2010/main" Requires="p14">
+      <p:transition spd="med" p14:dur="700">
+        <p:fade/>
+      </p:transition>
+    </mc:Choice>
+    <mc:Fallback>
+      <p:transition spd="med">
+        <p:fade/>
+      </p:transition>
+    </mc:Fallback>
+  </mc:AlternateContent>
 </p:sld>
 </file>
 
-<file path=ppt/slides/slide5.xml><?xml version="1.0" encoding="utf-8"?>
+<file path=ppt/slides/slide6.xml><?xml version="1.0" encoding="utf-8"?>
+<p:sld xmlns:a="http://schemas.openxmlformats.org/drawingml/2006/main" xmlns:r="http://schemas.openxmlformats.org/officeDocument/2006/relationships" xmlns:p="http://schemas.openxmlformats.org/presentationml/2006/main">
+  <p:cSld>
+    <p:spTree>
+      <p:nvGrpSpPr>
+        <p:cNvPr id="1" name=""/>
+        <p:cNvGrpSpPr/>
+        <p:nvPr/>
+      </p:nvGrpSpPr>
+      <p:grpSpPr>
+        <a:xfrm>
+          <a:off x="0" y="0"/>
+          <a:ext cx="0" cy="0"/>
+          <a:chOff x="0" y="0"/>
+          <a:chExt cx="0" cy="0"/>
+        </a:xfrm>
+      </p:grpSpPr>
+      <p:sp>
+        <p:nvSpPr>
+          <p:cNvPr id="2" name="Text Box 1">
+            <a:extLst>
+              <a:ext uri="{FF2B5EF4-FFF2-40B4-BE49-F238E27FC236}">
+                <a16:creationId xmlns:a16="http://schemas.microsoft.com/office/drawing/2014/main" id="{E4F6338D-BB9B-4F43-9425-E367CD5059A2}"/>
+              </a:ext>
+            </a:extLst>
+          </p:cNvPr>
+          <p:cNvSpPr txBox="1">
+            <a:spLocks noChangeArrowheads="1"/>
+          </p:cNvSpPr>
+          <p:nvPr/>
+        </p:nvSpPr>
+        <p:spPr bwMode="auto">
+          <a:xfrm>
+            <a:off x="398177" y="431775"/>
+            <a:ext cx="10655300" cy="900113"/>
+          </a:xfrm>
+          <a:prstGeom prst="rect">
+            <a:avLst/>
+          </a:prstGeom>
+          <a:noFill/>
+          <a:ln>
+            <a:noFill/>
+          </a:ln>
+          <a:effectLst/>
+          <a:extLst>
+            <a:ext uri="{909E8E84-426E-40DD-AFC4-6F175D3DCCD1}">
+              <a14:hiddenFill xmlns:a14="http://schemas.microsoft.com/office/drawing/2010/main">
+                <a:solidFill>
+                  <a:srgbClr val="FFFFFF"/>
+                </a:solidFill>
+              </a14:hiddenFill>
+            </a:ext>
+            <a:ext uri="{91240B29-F687-4F45-9708-019B960494DF}">
+              <a14:hiddenLine xmlns:a14="http://schemas.microsoft.com/office/drawing/2010/main" w="9525">
+                <a:solidFill>
+                  <a:srgbClr val="808080"/>
+                </a:solidFill>
+                <a:round/>
+                <a:headEnd/>
+                <a:tailEnd/>
+              </a14:hiddenLine>
+            </a:ext>
+            <a:ext uri="{AF507438-7753-43E0-B8FC-AC1667EBCBE1}">
+              <a14:hiddenEffects xmlns:a14="http://schemas.microsoft.com/office/drawing/2010/main">
+                <a:effectLst>
+                  <a:outerShdw dist="35921" dir="2700000" algn="ctr" rotWithShape="0">
+                    <a:srgbClr val="808080"/>
+                  </a:outerShdw>
+                </a:effectLst>
+              </a14:hiddenEffects>
+            </a:ext>
+          </a:extLst>
+        </p:spPr>
+        <p:txBody>
+          <a:bodyPr lIns="0" tIns="0" rIns="0" bIns="0"/>
+          <a:lstStyle>
+            <a:lvl1pPr>
+              <a:buClr>
+                <a:srgbClr val="000000"/>
+              </a:buClr>
+              <a:buSzPct val="100000"/>
+              <a:buFont typeface="Times New Roman" panose="02020603050405020304" pitchFamily="18" charset="0"/>
+              <a:tabLst>
+                <a:tab pos="0" algn="l"/>
+                <a:tab pos="447675" algn="l"/>
+                <a:tab pos="896938" algn="l"/>
+                <a:tab pos="1346200" algn="l"/>
+                <a:tab pos="1795463" algn="l"/>
+                <a:tab pos="2244725" algn="l"/>
+                <a:tab pos="2693988" algn="l"/>
+                <a:tab pos="3143250" algn="l"/>
+                <a:tab pos="3592513" algn="l"/>
+                <a:tab pos="4041775" algn="l"/>
+                <a:tab pos="4491038" algn="l"/>
+                <a:tab pos="4940300" algn="l"/>
+                <a:tab pos="5389563" algn="l"/>
+                <a:tab pos="5838825" algn="l"/>
+                <a:tab pos="6288088" algn="l"/>
+                <a:tab pos="6737350" algn="l"/>
+                <a:tab pos="7186613" algn="l"/>
+                <a:tab pos="7635875" algn="l"/>
+                <a:tab pos="8085138" algn="l"/>
+                <a:tab pos="8534400" algn="l"/>
+                <a:tab pos="8983663" algn="l"/>
+                <a:tab pos="9410700" algn="l"/>
+                <a:tab pos="10134600" algn="l"/>
+              </a:tabLst>
+              <a:defRPr sz="2000">
+                <a:solidFill>
+                  <a:schemeClr val="bg1"/>
+                </a:solidFill>
+                <a:latin typeface="Arial" panose="020B0604020202020204" pitchFamily="34" charset="0"/>
+                <a:ea typeface="Microsoft YaHei" panose="020B0503020204020204" pitchFamily="34" charset="-122"/>
+              </a:defRPr>
+            </a:lvl1pPr>
+            <a:lvl2pPr>
+              <a:buClr>
+                <a:srgbClr val="000000"/>
+              </a:buClr>
+              <a:buSzPct val="100000"/>
+              <a:buFont typeface="Times New Roman" panose="02020603050405020304" pitchFamily="18" charset="0"/>
+              <a:tabLst>
+                <a:tab pos="0" algn="l"/>
+                <a:tab pos="447675" algn="l"/>
+                <a:tab pos="896938" algn="l"/>
+                <a:tab pos="1346200" algn="l"/>
+                <a:tab pos="1795463" algn="l"/>
+                <a:tab pos="2244725" algn="l"/>
+                <a:tab pos="2693988" algn="l"/>
+                <a:tab pos="3143250" algn="l"/>
+                <a:tab pos="3592513" algn="l"/>
+                <a:tab pos="4041775" algn="l"/>
+                <a:tab pos="4491038" algn="l"/>
+                <a:tab pos="4940300" algn="l"/>
+                <a:tab pos="5389563" algn="l"/>
+                <a:tab pos="5838825" algn="l"/>
+                <a:tab pos="6288088" algn="l"/>
+                <a:tab pos="6737350" algn="l"/>
+                <a:tab pos="7186613" algn="l"/>
+                <a:tab pos="7635875" algn="l"/>
+                <a:tab pos="8085138" algn="l"/>
+                <a:tab pos="8534400" algn="l"/>
+                <a:tab pos="8983663" algn="l"/>
+                <a:tab pos="9410700" algn="l"/>
+                <a:tab pos="10134600" algn="l"/>
+              </a:tabLst>
+              <a:defRPr sz="2000">
+                <a:solidFill>
+                  <a:schemeClr val="bg1"/>
+                </a:solidFill>
+                <a:latin typeface="Arial" panose="020B0604020202020204" pitchFamily="34" charset="0"/>
+                <a:ea typeface="Microsoft YaHei" panose="020B0503020204020204" pitchFamily="34" charset="-122"/>
+              </a:defRPr>
+            </a:lvl2pPr>
+            <a:lvl3pPr>
+              <a:buClr>
+                <a:srgbClr val="000000"/>
+              </a:buClr>
+              <a:buSzPct val="100000"/>
+              <a:buFont typeface="Times New Roman" panose="02020603050405020304" pitchFamily="18" charset="0"/>
+              <a:tabLst>
+                <a:tab pos="0" algn="l"/>
+                <a:tab pos="447675" algn="l"/>
+                <a:tab pos="896938" algn="l"/>
+                <a:tab pos="1346200" algn="l"/>
+                <a:tab pos="1795463" algn="l"/>
+                <a:tab pos="2244725" algn="l"/>
+                <a:tab pos="2693988" algn="l"/>
+                <a:tab pos="3143250" algn="l"/>
+                <a:tab pos="3592513" algn="l"/>
+                <a:tab pos="4041775" algn="l"/>
+                <a:tab pos="4491038" algn="l"/>
+                <a:tab pos="4940300" algn="l"/>
+                <a:tab pos="5389563" algn="l"/>
+                <a:tab pos="5838825" algn="l"/>
+                <a:tab pos="6288088" algn="l"/>
+                <a:tab pos="6737350" algn="l"/>
+                <a:tab pos="7186613" algn="l"/>
+                <a:tab pos="7635875" algn="l"/>
+                <a:tab pos="8085138" algn="l"/>
+                <a:tab pos="8534400" algn="l"/>
+                <a:tab pos="8983663" algn="l"/>
+                <a:tab pos="9410700" algn="l"/>
+                <a:tab pos="10134600" algn="l"/>
+              </a:tabLst>
+              <a:defRPr sz="2000">
+                <a:solidFill>
+                  <a:schemeClr val="bg1"/>
+                </a:solidFill>
+                <a:latin typeface="Arial" panose="020B0604020202020204" pitchFamily="34" charset="0"/>
+                <a:ea typeface="Microsoft YaHei" panose="020B0503020204020204" pitchFamily="34" charset="-122"/>
+              </a:defRPr>
+            </a:lvl3pPr>
+            <a:lvl4pPr>
+              <a:buClr>
+                <a:srgbClr val="000000"/>
+              </a:buClr>
+              <a:buSzPct val="100000"/>
+              <a:buFont typeface="Times New Roman" panose="02020603050405020304" pitchFamily="18" charset="0"/>
+              <a:tabLst>
+                <a:tab pos="0" algn="l"/>
+                <a:tab pos="447675" algn="l"/>
+                <a:tab pos="896938" algn="l"/>
+                <a:tab pos="1346200" algn="l"/>
+                <a:tab pos="1795463" algn="l"/>
+                <a:tab pos="2244725" algn="l"/>
+                <a:tab pos="2693988" algn="l"/>
+                <a:tab pos="3143250" algn="l"/>
+                <a:tab pos="3592513" algn="l"/>
+                <a:tab pos="4041775" algn="l"/>
+                <a:tab pos="4491038" algn="l"/>
+                <a:tab pos="4940300" algn="l"/>
+                <a:tab pos="5389563" algn="l"/>
+                <a:tab pos="5838825" algn="l"/>
+                <a:tab pos="6288088" algn="l"/>
+                <a:tab pos="6737350" algn="l"/>
+                <a:tab pos="7186613" algn="l"/>
+                <a:tab pos="7635875" algn="l"/>
+                <a:tab pos="8085138" algn="l"/>
+                <a:tab pos="8534400" algn="l"/>
+                <a:tab pos="8983663" algn="l"/>
+                <a:tab pos="9410700" algn="l"/>
+                <a:tab pos="10134600" algn="l"/>
+              </a:tabLst>
+              <a:defRPr sz="2000">
+                <a:solidFill>
+                  <a:schemeClr val="bg1"/>
+                </a:solidFill>
+                <a:latin typeface="Arial" panose="020B0604020202020204" pitchFamily="34" charset="0"/>
+                <a:ea typeface="Microsoft YaHei" panose="020B0503020204020204" pitchFamily="34" charset="-122"/>
+              </a:defRPr>
+            </a:lvl4pPr>
+            <a:lvl5pPr>
+              <a:buClr>
+                <a:srgbClr val="000000"/>
+              </a:buClr>
+              <a:buSzPct val="100000"/>
+              <a:buFont typeface="Times New Roman" panose="02020603050405020304" pitchFamily="18" charset="0"/>
+              <a:tabLst>
+                <a:tab pos="0" algn="l"/>
+                <a:tab pos="447675" algn="l"/>
+                <a:tab pos="896938" algn="l"/>
+                <a:tab pos="1346200" algn="l"/>
+                <a:tab pos="1795463" algn="l"/>
+                <a:tab pos="2244725" algn="l"/>
+                <a:tab pos="2693988" algn="l"/>
+                <a:tab pos="3143250" algn="l"/>
+                <a:tab pos="3592513" algn="l"/>
+                <a:tab pos="4041775" algn="l"/>
+                <a:tab pos="4491038" algn="l"/>
+                <a:tab pos="4940300" algn="l"/>
+                <a:tab pos="5389563" algn="l"/>
+                <a:tab pos="5838825" algn="l"/>
+                <a:tab pos="6288088" algn="l"/>
+                <a:tab pos="6737350" algn="l"/>
+                <a:tab pos="7186613" algn="l"/>
+                <a:tab pos="7635875" algn="l"/>
+                <a:tab pos="8085138" algn="l"/>
+                <a:tab pos="8534400" algn="l"/>
+                <a:tab pos="8983663" algn="l"/>
+                <a:tab pos="9410700" algn="l"/>
+                <a:tab pos="10134600" algn="l"/>
+              </a:tabLst>
+              <a:defRPr sz="2000">
+                <a:solidFill>
+                  <a:schemeClr val="bg1"/>
+                </a:solidFill>
+                <a:latin typeface="Arial" panose="020B0604020202020204" pitchFamily="34" charset="0"/>
+                <a:ea typeface="Microsoft YaHei" panose="020B0503020204020204" pitchFamily="34" charset="-122"/>
+              </a:defRPr>
+            </a:lvl5pPr>
+            <a:lvl6pPr marL="2514600" indent="-228600" defTabSz="449263" eaLnBrk="0" fontAlgn="base" hangingPunct="0">
+              <a:spcBef>
+                <a:spcPct val="0"/>
+              </a:spcBef>
+              <a:spcAft>
+                <a:spcPct val="0"/>
+              </a:spcAft>
+              <a:buClr>
+                <a:srgbClr val="000000"/>
+              </a:buClr>
+              <a:buSzPct val="100000"/>
+              <a:buFont typeface="Times New Roman" panose="02020603050405020304" pitchFamily="18" charset="0"/>
+              <a:tabLst>
+                <a:tab pos="0" algn="l"/>
+                <a:tab pos="447675" algn="l"/>
+                <a:tab pos="896938" algn="l"/>
+                <a:tab pos="1346200" algn="l"/>
+                <a:tab pos="1795463" algn="l"/>
+                <a:tab pos="2244725" algn="l"/>
+                <a:tab pos="2693988" algn="l"/>
+                <a:tab pos="3143250" algn="l"/>
+                <a:tab pos="3592513" algn="l"/>
+                <a:tab pos="4041775" algn="l"/>
+                <a:tab pos="4491038" algn="l"/>
+                <a:tab pos="4940300" algn="l"/>
+                <a:tab pos="5389563" algn="l"/>
+                <a:tab pos="5838825" algn="l"/>
+                <a:tab pos="6288088" algn="l"/>
+                <a:tab pos="6737350" algn="l"/>
+                <a:tab pos="7186613" algn="l"/>
+                <a:tab pos="7635875" algn="l"/>
+                <a:tab pos="8085138" algn="l"/>
+                <a:tab pos="8534400" algn="l"/>
+                <a:tab pos="8983663" algn="l"/>
+                <a:tab pos="9410700" algn="l"/>
+                <a:tab pos="10134600" algn="l"/>
+              </a:tabLst>
+              <a:defRPr sz="2000">
+                <a:solidFill>
+                  <a:schemeClr val="bg1"/>
+                </a:solidFill>
+                <a:latin typeface="Arial" panose="020B0604020202020204" pitchFamily="34" charset="0"/>
+                <a:ea typeface="Microsoft YaHei" panose="020B0503020204020204" pitchFamily="34" charset="-122"/>
+              </a:defRPr>
+            </a:lvl6pPr>
+            <a:lvl7pPr marL="2971800" indent="-228600" defTabSz="449263" eaLnBrk="0" fontAlgn="base" hangingPunct="0">
+              <a:spcBef>
+                <a:spcPct val="0"/>
+              </a:spcBef>
+              <a:spcAft>
+                <a:spcPct val="0"/>
+              </a:spcAft>
+              <a:buClr>
+                <a:srgbClr val="000000"/>
+              </a:buClr>
+              <a:buSzPct val="100000"/>
+              <a:buFont typeface="Times New Roman" panose="02020603050405020304" pitchFamily="18" charset="0"/>
+              <a:tabLst>
+                <a:tab pos="0" algn="l"/>
+                <a:tab pos="447675" algn="l"/>
+                <a:tab pos="896938" algn="l"/>
+                <a:tab pos="1346200" algn="l"/>
+                <a:tab pos="1795463" algn="l"/>
+                <a:tab pos="2244725" algn="l"/>
+                <a:tab pos="2693988" algn="l"/>
+                <a:tab pos="3143250" algn="l"/>
+                <a:tab pos="3592513" algn="l"/>
+                <a:tab pos="4041775" algn="l"/>
+                <a:tab pos="4491038" algn="l"/>
+                <a:tab pos="4940300" algn="l"/>
+                <a:tab pos="5389563" algn="l"/>
+                <a:tab pos="5838825" algn="l"/>
+                <a:tab pos="6288088" algn="l"/>
+                <a:tab pos="6737350" algn="l"/>
+                <a:tab pos="7186613" algn="l"/>
+                <a:tab pos="7635875" algn="l"/>
+                <a:tab pos="8085138" algn="l"/>
+                <a:tab pos="8534400" algn="l"/>
+                <a:tab pos="8983663" algn="l"/>
+                <a:tab pos="9410700" algn="l"/>
+                <a:tab pos="10134600" algn="l"/>
+              </a:tabLst>
+              <a:defRPr sz="2000">
+                <a:solidFill>
+                  <a:schemeClr val="bg1"/>
+                </a:solidFill>
+                <a:latin typeface="Arial" panose="020B0604020202020204" pitchFamily="34" charset="0"/>
+                <a:ea typeface="Microsoft YaHei" panose="020B0503020204020204" pitchFamily="34" charset="-122"/>
+              </a:defRPr>
+            </a:lvl7pPr>
+            <a:lvl8pPr marL="3429000" indent="-228600" defTabSz="449263" eaLnBrk="0" fontAlgn="base" hangingPunct="0">
+              <a:spcBef>
+                <a:spcPct val="0"/>
+              </a:spcBef>
+              <a:spcAft>
+                <a:spcPct val="0"/>
+              </a:spcAft>
+              <a:buClr>
+                <a:srgbClr val="000000"/>
+              </a:buClr>
+              <a:buSzPct val="100000"/>
+              <a:buFont typeface="Times New Roman" panose="02020603050405020304" pitchFamily="18" charset="0"/>
+              <a:tabLst>
+                <a:tab pos="0" algn="l"/>
+                <a:tab pos="447675" algn="l"/>
+                <a:tab pos="896938" algn="l"/>
+                <a:tab pos="1346200" algn="l"/>
+                <a:tab pos="1795463" algn="l"/>
+                <a:tab pos="2244725" algn="l"/>
+                <a:tab pos="2693988" algn="l"/>
+                <a:tab pos="3143250" algn="l"/>
+                <a:tab pos="3592513" algn="l"/>
+                <a:tab pos="4041775" algn="l"/>
+                <a:tab pos="4491038" algn="l"/>
+                <a:tab pos="4940300" algn="l"/>
+                <a:tab pos="5389563" algn="l"/>
+                <a:tab pos="5838825" algn="l"/>
+                <a:tab pos="6288088" algn="l"/>
+                <a:tab pos="6737350" algn="l"/>
+                <a:tab pos="7186613" algn="l"/>
+                <a:tab pos="7635875" algn="l"/>
+                <a:tab pos="8085138" algn="l"/>
+                <a:tab pos="8534400" algn="l"/>
+                <a:tab pos="8983663" algn="l"/>
+                <a:tab pos="9410700" algn="l"/>
+                <a:tab pos="10134600" algn="l"/>
+              </a:tabLst>
+              <a:defRPr sz="2000">
+                <a:solidFill>
+                  <a:schemeClr val="bg1"/>
+                </a:solidFill>
+                <a:latin typeface="Arial" panose="020B0604020202020204" pitchFamily="34" charset="0"/>
+                <a:ea typeface="Microsoft YaHei" panose="020B0503020204020204" pitchFamily="34" charset="-122"/>
+              </a:defRPr>
+            </a:lvl8pPr>
+            <a:lvl9pPr marL="3886200" indent="-228600" defTabSz="449263" eaLnBrk="0" fontAlgn="base" hangingPunct="0">
+              <a:spcBef>
+                <a:spcPct val="0"/>
+              </a:spcBef>
+              <a:spcAft>
+                <a:spcPct val="0"/>
+              </a:spcAft>
+              <a:buClr>
+                <a:srgbClr val="000000"/>
+              </a:buClr>
+              <a:buSzPct val="100000"/>
+              <a:buFont typeface="Times New Roman" panose="02020603050405020304" pitchFamily="18" charset="0"/>
+              <a:tabLst>
+                <a:tab pos="0" algn="l"/>
+                <a:tab pos="447675" algn="l"/>
+                <a:tab pos="896938" algn="l"/>
+                <a:tab pos="1346200" algn="l"/>
+                <a:tab pos="1795463" algn="l"/>
+                <a:tab pos="2244725" algn="l"/>
+                <a:tab pos="2693988" algn="l"/>
+                <a:tab pos="3143250" algn="l"/>
+                <a:tab pos="3592513" algn="l"/>
+                <a:tab pos="4041775" algn="l"/>
+                <a:tab pos="4491038" algn="l"/>
+                <a:tab pos="4940300" algn="l"/>
+                <a:tab pos="5389563" algn="l"/>
+                <a:tab pos="5838825" algn="l"/>
+                <a:tab pos="6288088" algn="l"/>
+                <a:tab pos="6737350" algn="l"/>
+                <a:tab pos="7186613" algn="l"/>
+                <a:tab pos="7635875" algn="l"/>
+                <a:tab pos="8085138" algn="l"/>
+                <a:tab pos="8534400" algn="l"/>
+                <a:tab pos="8983663" algn="l"/>
+                <a:tab pos="9410700" algn="l"/>
+                <a:tab pos="10134600" algn="l"/>
+              </a:tabLst>
+              <a:defRPr sz="2000">
+                <a:solidFill>
+                  <a:schemeClr val="bg1"/>
+                </a:solidFill>
+                <a:latin typeface="Arial" panose="020B0604020202020204" pitchFamily="34" charset="0"/>
+                <a:ea typeface="Microsoft YaHei" panose="020B0503020204020204" pitchFamily="34" charset="-122"/>
+              </a:defRPr>
+            </a:lvl9pPr>
+          </a:lstStyle>
+          <a:p>
+            <a:pPr eaLnBrk="1" hangingPunct="1">
+              <a:buClrTx/>
+            </a:pPr>
+            <a:r>
+              <a:rPr lang="fr-CH" altLang="fr-FR" sz="4800" b="1" dirty="0">
+                <a:solidFill>
+                  <a:srgbClr val="000000"/>
+                </a:solidFill>
+              </a:rPr>
+              <a:t>Rôles de sécurité</a:t>
+            </a:r>
+          </a:p>
+        </p:txBody>
+      </p:sp>
+      <p:pic>
+        <p:nvPicPr>
+          <p:cNvPr id="3" name="Image 2">
+            <a:extLst>
+              <a:ext uri="{FF2B5EF4-FFF2-40B4-BE49-F238E27FC236}">
+                <a16:creationId xmlns:a16="http://schemas.microsoft.com/office/drawing/2014/main" id="{8910278A-12CA-4CB2-A6B7-E7EF946A9100}"/>
+              </a:ext>
+            </a:extLst>
+          </p:cNvPr>
+          <p:cNvPicPr>
+            <a:picLocks noChangeAspect="1"/>
+          </p:cNvPicPr>
+          <p:nvPr/>
+        </p:nvPicPr>
+        <p:blipFill>
+          <a:blip r:embed="rId2"/>
+          <a:stretch>
+            <a:fillRect/>
+          </a:stretch>
+        </p:blipFill>
+        <p:spPr>
+          <a:xfrm>
+            <a:off x="577255" y="1655911"/>
+            <a:ext cx="7838160" cy="1820986"/>
+          </a:xfrm>
+          <a:prstGeom prst="rect">
+            <a:avLst/>
+          </a:prstGeom>
+        </p:spPr>
+      </p:pic>
+      <p:pic>
+        <p:nvPicPr>
+          <p:cNvPr id="4" name="Image 3">
+            <a:extLst>
+              <a:ext uri="{FF2B5EF4-FFF2-40B4-BE49-F238E27FC236}">
+                <a16:creationId xmlns:a16="http://schemas.microsoft.com/office/drawing/2014/main" id="{136AA434-3D7B-4FB7-9C97-1C8980069DDB}"/>
+              </a:ext>
+            </a:extLst>
+          </p:cNvPr>
+          <p:cNvPicPr>
+            <a:picLocks noChangeAspect="1"/>
+          </p:cNvPicPr>
+          <p:nvPr/>
+        </p:nvPicPr>
+        <p:blipFill>
+          <a:blip r:embed="rId3"/>
+          <a:stretch>
+            <a:fillRect/>
+          </a:stretch>
+        </p:blipFill>
+        <p:spPr>
+          <a:xfrm>
+            <a:off x="2953519" y="3465063"/>
+            <a:ext cx="7672628" cy="2156734"/>
+          </a:xfrm>
+          <a:prstGeom prst="rect">
+            <a:avLst/>
+          </a:prstGeom>
+        </p:spPr>
+      </p:pic>
+    </p:spTree>
+    <p:extLst>
+      <p:ext uri="{BB962C8B-B14F-4D97-AF65-F5344CB8AC3E}">
+        <p14:creationId xmlns:p14="http://schemas.microsoft.com/office/powerpoint/2010/main" val="3284249853"/>
+      </p:ext>
+    </p:extLst>
+  </p:cSld>
+  <p:clrMapOvr>
+    <a:masterClrMapping/>
+  </p:clrMapOvr>
+  <mc:AlternateContent xmlns:mc="http://schemas.openxmlformats.org/markup-compatibility/2006">
+    <mc:Choice xmlns:p14="http://schemas.microsoft.com/office/powerpoint/2010/main" Requires="p14">
+      <p:transition spd="med" p14:dur="700">
+        <p:fade/>
+      </p:transition>
+    </mc:Choice>
+    <mc:Fallback>
+      <p:transition spd="med">
+        <p:fade/>
+      </p:transition>
+    </mc:Fallback>
+  </mc:AlternateContent>
+</p:sld>
+</file>
+
+<file path=ppt/slides/slide7.xml><?xml version="1.0" encoding="utf-8"?>
 <p:sld xmlns:a="http://schemas.openxmlformats.org/drawingml/2006/main" xmlns:r="http://schemas.openxmlformats.org/officeDocument/2006/relationships" xmlns:p="http://schemas.openxmlformats.org/presentationml/2006/main">
   <p:cSld>
     <p:spTree>
